--- a/Dias.pptx
+++ b/Dias.pptx
@@ -2,13 +2,17 @@
 <file path=ppt/presentation.xml><?xml version="1.0" encoding="utf-8"?>
 <p:presentation xmlns:a="http://schemas.openxmlformats.org/drawingml/2006/main" xmlns:r="http://schemas.openxmlformats.org/officeDocument/2006/relationships" xmlns:p="http://schemas.openxmlformats.org/presentationml/2006/main" saveSubsetFonts="1">
   <p:sldMasterIdLst>
-    <p:sldMasterId id="2147483648" r:id="rId1"/>
+    <p:sldMasterId id="2147483677" r:id="rId1"/>
   </p:sldMasterIdLst>
   <p:sldIdLst>
     <p:sldId id="256" r:id="rId2"/>
-    <p:sldId id="257" r:id="rId3"/>
-    <p:sldId id="258" r:id="rId4"/>
-    <p:sldId id="259" r:id="rId5"/>
+    <p:sldId id="263" r:id="rId3"/>
+    <p:sldId id="257" r:id="rId4"/>
+    <p:sldId id="258" r:id="rId5"/>
+    <p:sldId id="261" r:id="rId6"/>
+    <p:sldId id="259" r:id="rId7"/>
+    <p:sldId id="262" r:id="rId8"/>
+    <p:sldId id="260" r:id="rId9"/>
   </p:sldIdLst>
   <p:sldSz cx="9144000" cy="6858000" type="screen4x3"/>
   <p:notesSz cx="6858000" cy="9144000"/>
@@ -16,7 +20,7 @@
     <a:defPPr>
       <a:defRPr lang="en-US"/>
     </a:defPPr>
-    <a:lvl1pPr marL="0" algn="l" defTabSz="914400" rtl="0" eaLnBrk="1" latinLnBrk="0" hangingPunct="1">
+    <a:lvl1pPr marL="0" algn="l" defTabSz="457200" rtl="0" eaLnBrk="1" latinLnBrk="0" hangingPunct="1">
       <a:defRPr sz="1800" kern="1200">
         <a:solidFill>
           <a:schemeClr val="tx1"/>
@@ -26,7 +30,7 @@
         <a:cs typeface="+mn-cs"/>
       </a:defRPr>
     </a:lvl1pPr>
-    <a:lvl2pPr marL="457200" algn="l" defTabSz="914400" rtl="0" eaLnBrk="1" latinLnBrk="0" hangingPunct="1">
+    <a:lvl2pPr marL="457200" algn="l" defTabSz="457200" rtl="0" eaLnBrk="1" latinLnBrk="0" hangingPunct="1">
       <a:defRPr sz="1800" kern="1200">
         <a:solidFill>
           <a:schemeClr val="tx1"/>
@@ -36,7 +40,7 @@
         <a:cs typeface="+mn-cs"/>
       </a:defRPr>
     </a:lvl2pPr>
-    <a:lvl3pPr marL="914400" algn="l" defTabSz="914400" rtl="0" eaLnBrk="1" latinLnBrk="0" hangingPunct="1">
+    <a:lvl3pPr marL="914400" algn="l" defTabSz="457200" rtl="0" eaLnBrk="1" latinLnBrk="0" hangingPunct="1">
       <a:defRPr sz="1800" kern="1200">
         <a:solidFill>
           <a:schemeClr val="tx1"/>
@@ -46,7 +50,7 @@
         <a:cs typeface="+mn-cs"/>
       </a:defRPr>
     </a:lvl3pPr>
-    <a:lvl4pPr marL="1371600" algn="l" defTabSz="914400" rtl="0" eaLnBrk="1" latinLnBrk="0" hangingPunct="1">
+    <a:lvl4pPr marL="1371600" algn="l" defTabSz="457200" rtl="0" eaLnBrk="1" latinLnBrk="0" hangingPunct="1">
       <a:defRPr sz="1800" kern="1200">
         <a:solidFill>
           <a:schemeClr val="tx1"/>
@@ -56,7 +60,7 @@
         <a:cs typeface="+mn-cs"/>
       </a:defRPr>
     </a:lvl4pPr>
-    <a:lvl5pPr marL="1828800" algn="l" defTabSz="914400" rtl="0" eaLnBrk="1" latinLnBrk="0" hangingPunct="1">
+    <a:lvl5pPr marL="1828800" algn="l" defTabSz="457200" rtl="0" eaLnBrk="1" latinLnBrk="0" hangingPunct="1">
       <a:defRPr sz="1800" kern="1200">
         <a:solidFill>
           <a:schemeClr val="tx1"/>
@@ -66,7 +70,7 @@
         <a:cs typeface="+mn-cs"/>
       </a:defRPr>
     </a:lvl5pPr>
-    <a:lvl6pPr marL="2286000" algn="l" defTabSz="914400" rtl="0" eaLnBrk="1" latinLnBrk="0" hangingPunct="1">
+    <a:lvl6pPr marL="2286000" algn="l" defTabSz="457200" rtl="0" eaLnBrk="1" latinLnBrk="0" hangingPunct="1">
       <a:defRPr sz="1800" kern="1200">
         <a:solidFill>
           <a:schemeClr val="tx1"/>
@@ -76,7 +80,7 @@
         <a:cs typeface="+mn-cs"/>
       </a:defRPr>
     </a:lvl6pPr>
-    <a:lvl7pPr marL="2743200" algn="l" defTabSz="914400" rtl="0" eaLnBrk="1" latinLnBrk="0" hangingPunct="1">
+    <a:lvl7pPr marL="2743200" algn="l" defTabSz="457200" rtl="0" eaLnBrk="1" latinLnBrk="0" hangingPunct="1">
       <a:defRPr sz="1800" kern="1200">
         <a:solidFill>
           <a:schemeClr val="tx1"/>
@@ -86,7 +90,7 @@
         <a:cs typeface="+mn-cs"/>
       </a:defRPr>
     </a:lvl7pPr>
-    <a:lvl8pPr marL="3200400" algn="l" defTabSz="914400" rtl="0" eaLnBrk="1" latinLnBrk="0" hangingPunct="1">
+    <a:lvl8pPr marL="3200400" algn="l" defTabSz="457200" rtl="0" eaLnBrk="1" latinLnBrk="0" hangingPunct="1">
       <a:defRPr sz="1800" kern="1200">
         <a:solidFill>
           <a:schemeClr val="tx1"/>
@@ -96,7 +100,7 @@
         <a:cs typeface="+mn-cs"/>
       </a:defRPr>
     </a:lvl8pPr>
-    <a:lvl9pPr marL="3657600" algn="l" defTabSz="914400" rtl="0" eaLnBrk="1" latinLnBrk="0" hangingPunct="1">
+    <a:lvl9pPr marL="3657600" algn="l" defTabSz="457200" rtl="0" eaLnBrk="1" latinLnBrk="0" hangingPunct="1">
       <a:defRPr sz="1800" kern="1200">
         <a:solidFill>
           <a:schemeClr val="tx1"/>
@@ -107,6 +111,22 @@
       </a:defRPr>
     </a:lvl9pPr>
   </p:defaultTextStyle>
+  <p:extLst>
+    <p:ext uri="{EFAFB233-063F-42B5-8137-9DF3F51BA10A}">
+      <p15:sldGuideLst xmlns:p15="http://schemas.microsoft.com/office/powerpoint/2012/main">
+        <p15:guide id="1" orient="horz" pos="2160">
+          <p15:clr>
+            <a:srgbClr val="A4A3A4"/>
+          </p15:clr>
+        </p15:guide>
+        <p15:guide id="2" pos="2880">
+          <p15:clr>
+            <a:srgbClr val="A4A3A4"/>
+          </p15:clr>
+        </p15:guide>
+      </p15:sldGuideLst>
+    </p:ext>
+  </p:extLst>
 </p:presentation>
 </file>
 
@@ -127,6 +147,608 @@
           <a:chExt cx="0" cy="0"/>
         </a:xfrm>
       </p:grpSpPr>
+      <p:grpSp>
+        <p:nvGrpSpPr>
+          <p:cNvPr id="7" name="Group 6"/>
+          <p:cNvGrpSpPr/>
+          <p:nvPr/>
+        </p:nvGrpSpPr>
+        <p:grpSpPr>
+          <a:xfrm>
+            <a:off x="-8466" y="-8468"/>
+            <a:ext cx="9169804" cy="6874935"/>
+            <a:chOff x="-8466" y="-8468"/>
+            <a:chExt cx="9169804" cy="6874935"/>
+          </a:xfrm>
+        </p:grpSpPr>
+        <p:cxnSp>
+          <p:nvCxnSpPr>
+            <p:cNvPr id="17" name="Straight Connector 16"/>
+            <p:cNvCxnSpPr/>
+            <p:nvPr/>
+          </p:nvCxnSpPr>
+          <p:spPr>
+            <a:xfrm flipV="1">
+              <a:off x="5130830" y="4175605"/>
+              <a:ext cx="4022475" cy="2682396"/>
+            </a:xfrm>
+            <a:prstGeom prst="line">
+              <a:avLst/>
+            </a:prstGeom>
+            <a:ln w="9525">
+              <a:solidFill>
+                <a:schemeClr val="bg1">
+                  <a:lumMod val="85000"/>
+                </a:schemeClr>
+              </a:solidFill>
+            </a:ln>
+          </p:spPr>
+          <p:style>
+            <a:lnRef idx="2">
+              <a:schemeClr val="accent1"/>
+            </a:lnRef>
+            <a:fillRef idx="0">
+              <a:schemeClr val="accent1"/>
+            </a:fillRef>
+            <a:effectRef idx="1">
+              <a:schemeClr val="accent1"/>
+            </a:effectRef>
+            <a:fontRef idx="minor">
+              <a:schemeClr val="tx1"/>
+            </a:fontRef>
+          </p:style>
+        </p:cxnSp>
+        <p:cxnSp>
+          <p:nvCxnSpPr>
+            <p:cNvPr id="18" name="Straight Connector 17"/>
+            <p:cNvCxnSpPr/>
+            <p:nvPr/>
+          </p:nvCxnSpPr>
+          <p:spPr>
+            <a:xfrm>
+              <a:off x="7042707" y="0"/>
+              <a:ext cx="1219200" cy="6858000"/>
+            </a:xfrm>
+            <a:prstGeom prst="line">
+              <a:avLst/>
+            </a:prstGeom>
+            <a:ln w="9525">
+              <a:solidFill>
+                <a:schemeClr val="bg1">
+                  <a:lumMod val="75000"/>
+                </a:schemeClr>
+              </a:solidFill>
+            </a:ln>
+          </p:spPr>
+          <p:style>
+            <a:lnRef idx="2">
+              <a:schemeClr val="accent1"/>
+            </a:lnRef>
+            <a:fillRef idx="0">
+              <a:schemeClr val="accent1"/>
+            </a:fillRef>
+            <a:effectRef idx="1">
+              <a:schemeClr val="accent1"/>
+            </a:effectRef>
+            <a:fontRef idx="minor">
+              <a:schemeClr val="tx1"/>
+            </a:fontRef>
+          </p:style>
+        </p:cxnSp>
+        <p:sp>
+          <p:nvSpPr>
+            <p:cNvPr id="19" name="Freeform 18"/>
+            <p:cNvSpPr/>
+            <p:nvPr/>
+          </p:nvSpPr>
+          <p:spPr>
+            <a:xfrm>
+              <a:off x="6891896" y="1"/>
+              <a:ext cx="2269442" cy="6866466"/>
+            </a:xfrm>
+            <a:custGeom>
+              <a:avLst/>
+              <a:gdLst/>
+              <a:ahLst/>
+              <a:cxnLst/>
+              <a:rect l="l" t="t" r="r" b="b"/>
+              <a:pathLst>
+                <a:path w="2269442" h="6866466">
+                  <a:moveTo>
+                    <a:pt x="2023534" y="0"/>
+                  </a:moveTo>
+                  <a:lnTo>
+                    <a:pt x="0" y="6858000"/>
+                  </a:lnTo>
+                  <a:lnTo>
+                    <a:pt x="2269067" y="6866466"/>
+                  </a:lnTo>
+                  <a:cubicBezTo>
+                    <a:pt x="2271889" y="4580466"/>
+                    <a:pt x="2257778" y="2294466"/>
+                    <a:pt x="2260600" y="8466"/>
+                  </a:cubicBezTo>
+                  <a:lnTo>
+                    <a:pt x="2023534" y="0"/>
+                  </a:lnTo>
+                  <a:close/>
+                </a:path>
+              </a:pathLst>
+            </a:custGeom>
+            <a:solidFill>
+              <a:schemeClr val="accent1">
+                <a:alpha val="30000"/>
+              </a:schemeClr>
+            </a:solidFill>
+            <a:ln>
+              <a:noFill/>
+            </a:ln>
+            <a:effectLst/>
+          </p:spPr>
+          <p:style>
+            <a:lnRef idx="1">
+              <a:schemeClr val="accent1"/>
+            </a:lnRef>
+            <a:fillRef idx="3">
+              <a:schemeClr val="accent1"/>
+            </a:fillRef>
+            <a:effectRef idx="2">
+              <a:schemeClr val="accent1"/>
+            </a:effectRef>
+            <a:fontRef idx="minor">
+              <a:schemeClr val="lt1"/>
+            </a:fontRef>
+          </p:style>
+        </p:sp>
+        <p:sp>
+          <p:nvSpPr>
+            <p:cNvPr id="20" name="Freeform 19"/>
+            <p:cNvSpPr/>
+            <p:nvPr/>
+          </p:nvSpPr>
+          <p:spPr>
+            <a:xfrm>
+              <a:off x="7205158" y="-8467"/>
+              <a:ext cx="1948147" cy="6866467"/>
+            </a:xfrm>
+            <a:custGeom>
+              <a:avLst/>
+              <a:gdLst/>
+              <a:ahLst/>
+              <a:cxnLst/>
+              <a:rect l="l" t="t" r="r" b="b"/>
+              <a:pathLst>
+                <a:path w="1948147" h="6866467">
+                  <a:moveTo>
+                    <a:pt x="0" y="0"/>
+                  </a:moveTo>
+                  <a:lnTo>
+                    <a:pt x="1202267" y="6866467"/>
+                  </a:lnTo>
+                  <a:lnTo>
+                    <a:pt x="1947333" y="6866467"/>
+                  </a:lnTo>
+                  <a:cubicBezTo>
+                    <a:pt x="1944511" y="4577645"/>
+                    <a:pt x="1950155" y="2288822"/>
+                    <a:pt x="1947333" y="0"/>
+                  </a:cubicBezTo>
+                  <a:lnTo>
+                    <a:pt x="0" y="0"/>
+                  </a:lnTo>
+                  <a:close/>
+                </a:path>
+              </a:pathLst>
+            </a:custGeom>
+            <a:solidFill>
+              <a:schemeClr val="accent1">
+                <a:alpha val="20000"/>
+              </a:schemeClr>
+            </a:solidFill>
+            <a:ln>
+              <a:noFill/>
+            </a:ln>
+            <a:effectLst/>
+          </p:spPr>
+          <p:style>
+            <a:lnRef idx="1">
+              <a:schemeClr val="accent1"/>
+            </a:lnRef>
+            <a:fillRef idx="3">
+              <a:schemeClr val="accent1"/>
+            </a:fillRef>
+            <a:effectRef idx="2">
+              <a:schemeClr val="accent1"/>
+            </a:effectRef>
+            <a:fontRef idx="minor">
+              <a:schemeClr val="lt1"/>
+            </a:fontRef>
+          </p:style>
+        </p:sp>
+        <p:sp>
+          <p:nvSpPr>
+            <p:cNvPr id="21" name="Freeform 20"/>
+            <p:cNvSpPr/>
+            <p:nvPr/>
+          </p:nvSpPr>
+          <p:spPr>
+            <a:xfrm>
+              <a:off x="6637896" y="3920066"/>
+              <a:ext cx="2513565" cy="2937933"/>
+            </a:xfrm>
+            <a:custGeom>
+              <a:avLst/>
+              <a:gdLst/>
+              <a:ahLst/>
+              <a:cxnLst/>
+              <a:rect l="l" t="t" r="r" b="b"/>
+              <a:pathLst>
+                <a:path w="3259667" h="3810000">
+                  <a:moveTo>
+                    <a:pt x="0" y="3810000"/>
+                  </a:moveTo>
+                  <a:lnTo>
+                    <a:pt x="3251200" y="0"/>
+                  </a:lnTo>
+                  <a:cubicBezTo>
+                    <a:pt x="3254022" y="1270000"/>
+                    <a:pt x="3256845" y="2540000"/>
+                    <a:pt x="3259667" y="3810000"/>
+                  </a:cubicBezTo>
+                  <a:lnTo>
+                    <a:pt x="0" y="3810000"/>
+                  </a:lnTo>
+                  <a:close/>
+                </a:path>
+              </a:pathLst>
+            </a:custGeom>
+            <a:solidFill>
+              <a:schemeClr val="accent2">
+                <a:alpha val="72000"/>
+              </a:schemeClr>
+            </a:solidFill>
+            <a:ln>
+              <a:noFill/>
+            </a:ln>
+            <a:effectLst/>
+          </p:spPr>
+          <p:style>
+            <a:lnRef idx="1">
+              <a:schemeClr val="accent1"/>
+            </a:lnRef>
+            <a:fillRef idx="3">
+              <a:schemeClr val="accent1"/>
+            </a:fillRef>
+            <a:effectRef idx="2">
+              <a:schemeClr val="accent1"/>
+            </a:effectRef>
+            <a:fontRef idx="minor">
+              <a:schemeClr val="lt1"/>
+            </a:fontRef>
+          </p:style>
+        </p:sp>
+        <p:sp>
+          <p:nvSpPr>
+            <p:cNvPr id="22" name="Freeform 21"/>
+            <p:cNvSpPr/>
+            <p:nvPr/>
+          </p:nvSpPr>
+          <p:spPr>
+            <a:xfrm>
+              <a:off x="7010429" y="-8467"/>
+              <a:ext cx="2142876" cy="6866467"/>
+            </a:xfrm>
+            <a:custGeom>
+              <a:avLst/>
+              <a:gdLst/>
+              <a:ahLst/>
+              <a:cxnLst/>
+              <a:rect l="l" t="t" r="r" b="b"/>
+              <a:pathLst>
+                <a:path w="2853267" h="6866467">
+                  <a:moveTo>
+                    <a:pt x="0" y="0"/>
+                  </a:moveTo>
+                  <a:lnTo>
+                    <a:pt x="2472267" y="6866467"/>
+                  </a:lnTo>
+                  <a:lnTo>
+                    <a:pt x="2853267" y="6858000"/>
+                  </a:lnTo>
+                  <a:lnTo>
+                    <a:pt x="2853267" y="0"/>
+                  </a:lnTo>
+                  <a:lnTo>
+                    <a:pt x="0" y="0"/>
+                  </a:lnTo>
+                  <a:close/>
+                </a:path>
+              </a:pathLst>
+            </a:custGeom>
+            <a:solidFill>
+              <a:schemeClr val="accent2">
+                <a:lumMod val="75000"/>
+                <a:alpha val="70000"/>
+              </a:schemeClr>
+            </a:solidFill>
+            <a:ln>
+              <a:noFill/>
+            </a:ln>
+            <a:effectLst/>
+          </p:spPr>
+          <p:style>
+            <a:lnRef idx="1">
+              <a:schemeClr val="accent1"/>
+            </a:lnRef>
+            <a:fillRef idx="3">
+              <a:schemeClr val="accent1"/>
+            </a:fillRef>
+            <a:effectRef idx="2">
+              <a:schemeClr val="accent1"/>
+            </a:effectRef>
+            <a:fontRef idx="minor">
+              <a:schemeClr val="lt1"/>
+            </a:fontRef>
+          </p:style>
+        </p:sp>
+        <p:sp>
+          <p:nvSpPr>
+            <p:cNvPr id="23" name="Freeform 22"/>
+            <p:cNvSpPr/>
+            <p:nvPr/>
+          </p:nvSpPr>
+          <p:spPr>
+            <a:xfrm>
+              <a:off x="8295776" y="-8467"/>
+              <a:ext cx="857530" cy="6866467"/>
+            </a:xfrm>
+            <a:custGeom>
+              <a:avLst/>
+              <a:gdLst/>
+              <a:ahLst/>
+              <a:cxnLst/>
+              <a:rect l="l" t="t" r="r" b="b"/>
+              <a:pathLst>
+                <a:path w="1286933" h="6866467">
+                  <a:moveTo>
+                    <a:pt x="1016000" y="0"/>
+                  </a:moveTo>
+                  <a:lnTo>
+                    <a:pt x="0" y="6866467"/>
+                  </a:lnTo>
+                  <a:lnTo>
+                    <a:pt x="1286933" y="6866467"/>
+                  </a:lnTo>
+                  <a:cubicBezTo>
+                    <a:pt x="1284111" y="4577645"/>
+                    <a:pt x="1281288" y="2288822"/>
+                    <a:pt x="1278466" y="0"/>
+                  </a:cubicBezTo>
+                  <a:lnTo>
+                    <a:pt x="1016000" y="0"/>
+                  </a:lnTo>
+                  <a:close/>
+                </a:path>
+              </a:pathLst>
+            </a:custGeom>
+            <a:solidFill>
+              <a:schemeClr val="accent1">
+                <a:lumMod val="60000"/>
+                <a:lumOff val="40000"/>
+                <a:alpha val="70000"/>
+              </a:schemeClr>
+            </a:solidFill>
+            <a:ln>
+              <a:noFill/>
+            </a:ln>
+            <a:effectLst/>
+          </p:spPr>
+          <p:style>
+            <a:lnRef idx="1">
+              <a:schemeClr val="accent1"/>
+            </a:lnRef>
+            <a:fillRef idx="3">
+              <a:schemeClr val="accent1"/>
+            </a:fillRef>
+            <a:effectRef idx="2">
+              <a:schemeClr val="accent1"/>
+            </a:effectRef>
+            <a:fontRef idx="minor">
+              <a:schemeClr val="lt1"/>
+            </a:fontRef>
+          </p:style>
+        </p:sp>
+        <p:sp>
+          <p:nvSpPr>
+            <p:cNvPr id="24" name="Freeform 23"/>
+            <p:cNvSpPr/>
+            <p:nvPr/>
+          </p:nvSpPr>
+          <p:spPr>
+            <a:xfrm>
+              <a:off x="8077231" y="-8468"/>
+              <a:ext cx="1066770" cy="6866467"/>
+            </a:xfrm>
+            <a:custGeom>
+              <a:avLst/>
+              <a:gdLst/>
+              <a:ahLst/>
+              <a:cxnLst/>
+              <a:rect l="l" t="t" r="r" b="b"/>
+              <a:pathLst>
+                <a:path w="1270244" h="6866467">
+                  <a:moveTo>
+                    <a:pt x="0" y="0"/>
+                  </a:moveTo>
+                  <a:lnTo>
+                    <a:pt x="1117600" y="6866467"/>
+                  </a:lnTo>
+                  <a:lnTo>
+                    <a:pt x="1270000" y="6866467"/>
+                  </a:lnTo>
+                  <a:cubicBezTo>
+                    <a:pt x="1272822" y="4574822"/>
+                    <a:pt x="1250245" y="2291645"/>
+                    <a:pt x="1253067" y="0"/>
+                  </a:cubicBezTo>
+                  <a:lnTo>
+                    <a:pt x="0" y="0"/>
+                  </a:lnTo>
+                  <a:close/>
+                </a:path>
+              </a:pathLst>
+            </a:custGeom>
+            <a:solidFill>
+              <a:schemeClr val="accent1">
+                <a:alpha val="65000"/>
+              </a:schemeClr>
+            </a:solidFill>
+            <a:ln>
+              <a:noFill/>
+            </a:ln>
+            <a:effectLst/>
+          </p:spPr>
+          <p:style>
+            <a:lnRef idx="1">
+              <a:schemeClr val="accent1"/>
+            </a:lnRef>
+            <a:fillRef idx="3">
+              <a:schemeClr val="accent1"/>
+            </a:fillRef>
+            <a:effectRef idx="2">
+              <a:schemeClr val="accent1"/>
+            </a:effectRef>
+            <a:fontRef idx="minor">
+              <a:schemeClr val="lt1"/>
+            </a:fontRef>
+          </p:style>
+        </p:sp>
+        <p:sp>
+          <p:nvSpPr>
+            <p:cNvPr id="25" name="Freeform 24"/>
+            <p:cNvSpPr/>
+            <p:nvPr/>
+          </p:nvSpPr>
+          <p:spPr>
+            <a:xfrm>
+              <a:off x="8060297" y="4893733"/>
+              <a:ext cx="1094086" cy="1964267"/>
+            </a:xfrm>
+            <a:custGeom>
+              <a:avLst/>
+              <a:gdLst/>
+              <a:ahLst/>
+              <a:cxnLst/>
+              <a:rect l="l" t="t" r="r" b="b"/>
+              <a:pathLst>
+                <a:path w="1820333" h="3268133">
+                  <a:moveTo>
+                    <a:pt x="0" y="3268133"/>
+                  </a:moveTo>
+                  <a:lnTo>
+                    <a:pt x="1811866" y="0"/>
+                  </a:lnTo>
+                  <a:cubicBezTo>
+                    <a:pt x="1814688" y="1086555"/>
+                    <a:pt x="1817511" y="2173111"/>
+                    <a:pt x="1820333" y="3259666"/>
+                  </a:cubicBezTo>
+                  <a:lnTo>
+                    <a:pt x="0" y="3268133"/>
+                  </a:lnTo>
+                  <a:close/>
+                </a:path>
+              </a:pathLst>
+            </a:custGeom>
+            <a:solidFill>
+              <a:schemeClr val="accent1">
+                <a:alpha val="80000"/>
+              </a:schemeClr>
+            </a:solidFill>
+            <a:ln>
+              <a:noFill/>
+            </a:ln>
+            <a:effectLst/>
+          </p:spPr>
+          <p:style>
+            <a:lnRef idx="1">
+              <a:schemeClr val="accent1"/>
+            </a:lnRef>
+            <a:fillRef idx="3">
+              <a:schemeClr val="accent1"/>
+            </a:fillRef>
+            <a:effectRef idx="2">
+              <a:schemeClr val="accent1"/>
+            </a:effectRef>
+            <a:fontRef idx="minor">
+              <a:schemeClr val="lt1"/>
+            </a:fontRef>
+          </p:style>
+        </p:sp>
+        <p:sp>
+          <p:nvSpPr>
+            <p:cNvPr id="28" name="Freeform 27"/>
+            <p:cNvSpPr/>
+            <p:nvPr/>
+          </p:nvSpPr>
+          <p:spPr>
+            <a:xfrm>
+              <a:off x="-8466" y="-8468"/>
+              <a:ext cx="863600" cy="5698067"/>
+            </a:xfrm>
+            <a:custGeom>
+              <a:avLst/>
+              <a:gdLst/>
+              <a:ahLst/>
+              <a:cxnLst/>
+              <a:rect l="l" t="t" r="r" b="b"/>
+              <a:pathLst>
+                <a:path w="863600" h="5698067">
+                  <a:moveTo>
+                    <a:pt x="0" y="8467"/>
+                  </a:moveTo>
+                  <a:lnTo>
+                    <a:pt x="863600" y="0"/>
+                  </a:lnTo>
+                  <a:lnTo>
+                    <a:pt x="863600" y="16934"/>
+                  </a:lnTo>
+                  <a:lnTo>
+                    <a:pt x="0" y="5698067"/>
+                  </a:lnTo>
+                  <a:lnTo>
+                    <a:pt x="0" y="8467"/>
+                  </a:lnTo>
+                  <a:close/>
+                </a:path>
+              </a:pathLst>
+            </a:custGeom>
+            <a:solidFill>
+              <a:schemeClr val="accent1">
+                <a:alpha val="85000"/>
+              </a:schemeClr>
+            </a:solidFill>
+            <a:ln>
+              <a:noFill/>
+            </a:ln>
+            <a:effectLst/>
+          </p:spPr>
+          <p:style>
+            <a:lnRef idx="1">
+              <a:schemeClr val="accent1"/>
+            </a:lnRef>
+            <a:fillRef idx="3">
+              <a:schemeClr val="accent1"/>
+            </a:fillRef>
+            <a:effectRef idx="2">
+              <a:schemeClr val="accent1"/>
+            </a:effectRef>
+            <a:fontRef idx="minor">
+              <a:schemeClr val="lt1"/>
+            </a:fontRef>
+          </p:style>
+        </p:sp>
+      </p:grpSp>
       <p:sp>
         <p:nvSpPr>
           <p:cNvPr id="2" name="Title 1"/>
@@ -139,19 +761,29 @@
         </p:nvSpPr>
         <p:spPr>
           <a:xfrm>
-            <a:off x="685800" y="2130425"/>
-            <a:ext cx="7772400" cy="1470025"/>
+            <a:off x="1130595" y="2404534"/>
+            <a:ext cx="5826719" cy="1646302"/>
           </a:xfrm>
         </p:spPr>
         <p:txBody>
-          <a:bodyPr/>
-          <a:lstStyle/>
-          <a:p>
-            <a:r>
-              <a:rPr lang="en-US" smtClean="0"/>
+          <a:bodyPr anchor="b">
+            <a:noAutofit/>
+          </a:bodyPr>
+          <a:lstStyle>
+            <a:lvl1pPr algn="r">
+              <a:defRPr sz="5400">
+                <a:solidFill>
+                  <a:schemeClr val="accent1"/>
+                </a:solidFill>
+              </a:defRPr>
+            </a:lvl1pPr>
+          </a:lstStyle>
+          <a:p>
+            <a:r>
+              <a:rPr lang="en-US"/>
               <a:t>Click to edit Master title style</a:t>
             </a:r>
-            <a:endParaRPr lang="en-GB"/>
+            <a:endParaRPr lang="en-US" dirty="0"/>
           </a:p>
         </p:txBody>
       </p:sp>
@@ -167,14 +799,25 @@
         </p:nvSpPr>
         <p:spPr>
           <a:xfrm>
-            <a:off x="1371600" y="3886200"/>
-            <a:ext cx="6400800" cy="1752600"/>
+            <a:off x="1130595" y="4050834"/>
+            <a:ext cx="5826719" cy="1096899"/>
           </a:xfrm>
         </p:spPr>
         <p:txBody>
-          <a:bodyPr/>
+          <a:bodyPr anchor="t"/>
           <a:lstStyle>
-            <a:lvl1pPr marL="0" indent="0" algn="ctr">
+            <a:lvl1pPr marL="0" indent="0" algn="r">
+              <a:buNone/>
+              <a:defRPr>
+                <a:solidFill>
+                  <a:schemeClr val="tx1">
+                    <a:lumMod val="50000"/>
+                    <a:lumOff val="50000"/>
+                  </a:schemeClr>
+                </a:solidFill>
+              </a:defRPr>
+            </a:lvl1pPr>
+            <a:lvl2pPr marL="457200" indent="0" algn="ctr">
               <a:buNone/>
               <a:defRPr>
                 <a:solidFill>
@@ -183,8 +826,8 @@
                   </a:schemeClr>
                 </a:solidFill>
               </a:defRPr>
-            </a:lvl1pPr>
-            <a:lvl2pPr marL="457200" indent="0" algn="ctr">
+            </a:lvl2pPr>
+            <a:lvl3pPr marL="914400" indent="0" algn="ctr">
               <a:buNone/>
               <a:defRPr>
                 <a:solidFill>
@@ -193,8 +836,8 @@
                   </a:schemeClr>
                 </a:solidFill>
               </a:defRPr>
-            </a:lvl2pPr>
-            <a:lvl3pPr marL="914400" indent="0" algn="ctr">
+            </a:lvl3pPr>
+            <a:lvl4pPr marL="1371600" indent="0" algn="ctr">
               <a:buNone/>
               <a:defRPr>
                 <a:solidFill>
@@ -203,8 +846,8 @@
                   </a:schemeClr>
                 </a:solidFill>
               </a:defRPr>
-            </a:lvl3pPr>
-            <a:lvl4pPr marL="1371600" indent="0" algn="ctr">
+            </a:lvl4pPr>
+            <a:lvl5pPr marL="1828800" indent="0" algn="ctr">
               <a:buNone/>
               <a:defRPr>
                 <a:solidFill>
@@ -213,8 +856,8 @@
                   </a:schemeClr>
                 </a:solidFill>
               </a:defRPr>
-            </a:lvl4pPr>
-            <a:lvl5pPr marL="1828800" indent="0" algn="ctr">
+            </a:lvl5pPr>
+            <a:lvl6pPr marL="2286000" indent="0" algn="ctr">
               <a:buNone/>
               <a:defRPr>
                 <a:solidFill>
@@ -223,8 +866,8 @@
                   </a:schemeClr>
                 </a:solidFill>
               </a:defRPr>
-            </a:lvl5pPr>
-            <a:lvl6pPr marL="2286000" indent="0" algn="ctr">
+            </a:lvl6pPr>
+            <a:lvl7pPr marL="2743200" indent="0" algn="ctr">
               <a:buNone/>
               <a:defRPr>
                 <a:solidFill>
@@ -233,8 +876,8 @@
                   </a:schemeClr>
                 </a:solidFill>
               </a:defRPr>
-            </a:lvl6pPr>
-            <a:lvl7pPr marL="2743200" indent="0" algn="ctr">
+            </a:lvl7pPr>
+            <a:lvl8pPr marL="3200400" indent="0" algn="ctr">
               <a:buNone/>
               <a:defRPr>
                 <a:solidFill>
@@ -243,8 +886,8 @@
                   </a:schemeClr>
                 </a:solidFill>
               </a:defRPr>
-            </a:lvl7pPr>
-            <a:lvl8pPr marL="3200400" indent="0" algn="ctr">
+            </a:lvl8pPr>
+            <a:lvl9pPr marL="3657600" indent="0" algn="ctr">
               <a:buNone/>
               <a:defRPr>
                 <a:solidFill>
@@ -253,24 +896,14 @@
                   </a:schemeClr>
                 </a:solidFill>
               </a:defRPr>
-            </a:lvl8pPr>
-            <a:lvl9pPr marL="3657600" indent="0" algn="ctr">
-              <a:buNone/>
-              <a:defRPr>
-                <a:solidFill>
-                  <a:schemeClr val="tx1">
-                    <a:tint val="75000"/>
-                  </a:schemeClr>
-                </a:solidFill>
-              </a:defRPr>
             </a:lvl9pPr>
           </a:lstStyle>
           <a:p>
             <a:r>
-              <a:rPr lang="en-US" smtClean="0"/>
+              <a:rPr lang="en-US"/>
               <a:t>Click to edit Master subtitle style</a:t>
             </a:r>
-            <a:endParaRPr lang="en-GB"/>
+            <a:endParaRPr lang="en-US" dirty="0"/>
           </a:p>
         </p:txBody>
       </p:sp>
@@ -291,7 +924,7 @@
           <a:p>
             <a:fld id="{69470609-49CB-42C8-82F9-8C98723F7026}" type="datetimeFigureOut">
               <a:rPr lang="en-GB" smtClean="0"/>
-              <a:t>16/03/2016</a:t>
+              <a:t>17/03/2016</a:t>
             </a:fld>
             <a:endParaRPr lang="en-GB"/>
           </a:p>
@@ -342,7 +975,7 @@
     </p:spTree>
     <p:extLst>
       <p:ext uri="{BB962C8B-B14F-4D97-AF65-F5344CB8AC3E}">
-        <p14:creationId xmlns:p14="http://schemas.microsoft.com/office/powerpoint/2010/main" val="2809421360"/>
+        <p14:creationId xmlns:p14="http://schemas.microsoft.com/office/powerpoint/2010/main" val="3340694934"/>
       </p:ext>
     </p:extLst>
   </p:cSld>
@@ -353,6 +986,1611 @@
 </file>
 
 <file path=ppt/slideLayouts/slideLayout10.xml><?xml version="1.0" encoding="utf-8"?>
+<p:sldLayout xmlns:a="http://schemas.openxmlformats.org/drawingml/2006/main" xmlns:r="http://schemas.openxmlformats.org/officeDocument/2006/relationships" xmlns:p="http://schemas.openxmlformats.org/presentationml/2006/main" preserve="1">
+  <p:cSld name="Title and Caption">
+    <p:spTree>
+      <p:nvGrpSpPr>
+        <p:cNvPr id="1" name=""/>
+        <p:cNvGrpSpPr/>
+        <p:nvPr/>
+      </p:nvGrpSpPr>
+      <p:grpSpPr>
+        <a:xfrm>
+          <a:off x="0" y="0"/>
+          <a:ext cx="0" cy="0"/>
+          <a:chOff x="0" y="0"/>
+          <a:chExt cx="0" cy="0"/>
+        </a:xfrm>
+      </p:grpSpPr>
+      <p:sp>
+        <p:nvSpPr>
+          <p:cNvPr id="2" name="Title 1"/>
+          <p:cNvSpPr>
+            <a:spLocks noGrp="1"/>
+          </p:cNvSpPr>
+          <p:nvPr>
+            <p:ph type="title"/>
+          </p:nvPr>
+        </p:nvSpPr>
+        <p:spPr>
+          <a:xfrm>
+            <a:off x="609600" y="609600"/>
+            <a:ext cx="6347714" cy="3403600"/>
+          </a:xfrm>
+        </p:spPr>
+        <p:txBody>
+          <a:bodyPr anchor="ctr">
+            <a:normAutofit/>
+          </a:bodyPr>
+          <a:lstStyle>
+            <a:lvl1pPr algn="l">
+              <a:defRPr sz="4400" b="0" cap="none"/>
+            </a:lvl1pPr>
+          </a:lstStyle>
+          <a:p>
+            <a:r>
+              <a:rPr lang="en-US"/>
+              <a:t>Click to edit Master title style</a:t>
+            </a:r>
+            <a:endParaRPr lang="en-US" dirty="0"/>
+          </a:p>
+        </p:txBody>
+      </p:sp>
+      <p:sp>
+        <p:nvSpPr>
+          <p:cNvPr id="3" name="Text Placeholder 2"/>
+          <p:cNvSpPr>
+            <a:spLocks noGrp="1"/>
+          </p:cNvSpPr>
+          <p:nvPr>
+            <p:ph type="body" idx="1"/>
+          </p:nvPr>
+        </p:nvSpPr>
+        <p:spPr>
+          <a:xfrm>
+            <a:off x="609600" y="4470400"/>
+            <a:ext cx="6347714" cy="1570962"/>
+          </a:xfrm>
+        </p:spPr>
+        <p:txBody>
+          <a:bodyPr anchor="ctr">
+            <a:normAutofit/>
+          </a:bodyPr>
+          <a:lstStyle>
+            <a:lvl1pPr marL="0" indent="0" algn="l">
+              <a:buNone/>
+              <a:defRPr sz="1800">
+                <a:solidFill>
+                  <a:schemeClr val="tx1">
+                    <a:lumMod val="75000"/>
+                    <a:lumOff val="25000"/>
+                  </a:schemeClr>
+                </a:solidFill>
+              </a:defRPr>
+            </a:lvl1pPr>
+            <a:lvl2pPr marL="457200" indent="0">
+              <a:buNone/>
+              <a:defRPr sz="1800">
+                <a:solidFill>
+                  <a:schemeClr val="tx1">
+                    <a:tint val="75000"/>
+                  </a:schemeClr>
+                </a:solidFill>
+              </a:defRPr>
+            </a:lvl2pPr>
+            <a:lvl3pPr marL="914400" indent="0">
+              <a:buNone/>
+              <a:defRPr sz="1600">
+                <a:solidFill>
+                  <a:schemeClr val="tx1">
+                    <a:tint val="75000"/>
+                  </a:schemeClr>
+                </a:solidFill>
+              </a:defRPr>
+            </a:lvl3pPr>
+            <a:lvl4pPr marL="1371600" indent="0">
+              <a:buNone/>
+              <a:defRPr sz="1400">
+                <a:solidFill>
+                  <a:schemeClr val="tx1">
+                    <a:tint val="75000"/>
+                  </a:schemeClr>
+                </a:solidFill>
+              </a:defRPr>
+            </a:lvl4pPr>
+            <a:lvl5pPr marL="1828800" indent="0">
+              <a:buNone/>
+              <a:defRPr sz="1400">
+                <a:solidFill>
+                  <a:schemeClr val="tx1">
+                    <a:tint val="75000"/>
+                  </a:schemeClr>
+                </a:solidFill>
+              </a:defRPr>
+            </a:lvl5pPr>
+            <a:lvl6pPr marL="2286000" indent="0">
+              <a:buNone/>
+              <a:defRPr sz="1400">
+                <a:solidFill>
+                  <a:schemeClr val="tx1">
+                    <a:tint val="75000"/>
+                  </a:schemeClr>
+                </a:solidFill>
+              </a:defRPr>
+            </a:lvl6pPr>
+            <a:lvl7pPr marL="2743200" indent="0">
+              <a:buNone/>
+              <a:defRPr sz="1400">
+                <a:solidFill>
+                  <a:schemeClr val="tx1">
+                    <a:tint val="75000"/>
+                  </a:schemeClr>
+                </a:solidFill>
+              </a:defRPr>
+            </a:lvl7pPr>
+            <a:lvl8pPr marL="3200400" indent="0">
+              <a:buNone/>
+              <a:defRPr sz="1400">
+                <a:solidFill>
+                  <a:schemeClr val="tx1">
+                    <a:tint val="75000"/>
+                  </a:schemeClr>
+                </a:solidFill>
+              </a:defRPr>
+            </a:lvl8pPr>
+            <a:lvl9pPr marL="3657600" indent="0">
+              <a:buNone/>
+              <a:defRPr sz="1400">
+                <a:solidFill>
+                  <a:schemeClr val="tx1">
+                    <a:tint val="75000"/>
+                  </a:schemeClr>
+                </a:solidFill>
+              </a:defRPr>
+            </a:lvl9pPr>
+          </a:lstStyle>
+          <a:p>
+            <a:pPr lvl="0"/>
+            <a:r>
+              <a:rPr lang="en-US"/>
+              <a:t>Edit Master text styles</a:t>
+            </a:r>
+          </a:p>
+        </p:txBody>
+      </p:sp>
+      <p:sp>
+        <p:nvSpPr>
+          <p:cNvPr id="4" name="Date Placeholder 3"/>
+          <p:cNvSpPr>
+            <a:spLocks noGrp="1"/>
+          </p:cNvSpPr>
+          <p:nvPr>
+            <p:ph type="dt" sz="half" idx="10"/>
+          </p:nvPr>
+        </p:nvSpPr>
+        <p:spPr/>
+        <p:txBody>
+          <a:bodyPr/>
+          <a:lstStyle/>
+          <a:p>
+            <a:fld id="{69470609-49CB-42C8-82F9-8C98723F7026}" type="datetimeFigureOut">
+              <a:rPr lang="en-GB" smtClean="0"/>
+              <a:t>17/03/2016</a:t>
+            </a:fld>
+            <a:endParaRPr lang="en-GB"/>
+          </a:p>
+        </p:txBody>
+      </p:sp>
+      <p:sp>
+        <p:nvSpPr>
+          <p:cNvPr id="5" name="Footer Placeholder 4"/>
+          <p:cNvSpPr>
+            <a:spLocks noGrp="1"/>
+          </p:cNvSpPr>
+          <p:nvPr>
+            <p:ph type="ftr" sz="quarter" idx="11"/>
+          </p:nvPr>
+        </p:nvSpPr>
+        <p:spPr/>
+        <p:txBody>
+          <a:bodyPr/>
+          <a:lstStyle/>
+          <a:p>
+            <a:endParaRPr lang="en-GB"/>
+          </a:p>
+        </p:txBody>
+      </p:sp>
+      <p:sp>
+        <p:nvSpPr>
+          <p:cNvPr id="6" name="Slide Number Placeholder 5"/>
+          <p:cNvSpPr>
+            <a:spLocks noGrp="1"/>
+          </p:cNvSpPr>
+          <p:nvPr>
+            <p:ph type="sldNum" sz="quarter" idx="12"/>
+          </p:nvPr>
+        </p:nvSpPr>
+        <p:spPr/>
+        <p:txBody>
+          <a:bodyPr/>
+          <a:lstStyle/>
+          <a:p>
+            <a:fld id="{23B9A3DE-CAA6-4513-A765-F1CA20738F15}" type="slidenum">
+              <a:rPr lang="en-GB" smtClean="0"/>
+              <a:t>‹#›</a:t>
+            </a:fld>
+            <a:endParaRPr lang="en-GB"/>
+          </a:p>
+        </p:txBody>
+      </p:sp>
+    </p:spTree>
+    <p:extLst>
+      <p:ext uri="{BB962C8B-B14F-4D97-AF65-F5344CB8AC3E}">
+        <p14:creationId xmlns:p14="http://schemas.microsoft.com/office/powerpoint/2010/main" val="70830426"/>
+      </p:ext>
+    </p:extLst>
+  </p:cSld>
+  <p:clrMapOvr>
+    <a:masterClrMapping/>
+  </p:clrMapOvr>
+</p:sldLayout>
+</file>
+
+<file path=ppt/slideLayouts/slideLayout11.xml><?xml version="1.0" encoding="utf-8"?>
+<p:sldLayout xmlns:a="http://schemas.openxmlformats.org/drawingml/2006/main" xmlns:r="http://schemas.openxmlformats.org/officeDocument/2006/relationships" xmlns:p="http://schemas.openxmlformats.org/presentationml/2006/main" preserve="1">
+  <p:cSld name="Quote with Caption">
+    <p:spTree>
+      <p:nvGrpSpPr>
+        <p:cNvPr id="1" name=""/>
+        <p:cNvGrpSpPr/>
+        <p:nvPr/>
+      </p:nvGrpSpPr>
+      <p:grpSpPr>
+        <a:xfrm>
+          <a:off x="0" y="0"/>
+          <a:ext cx="0" cy="0"/>
+          <a:chOff x="0" y="0"/>
+          <a:chExt cx="0" cy="0"/>
+        </a:xfrm>
+      </p:grpSpPr>
+      <p:sp>
+        <p:nvSpPr>
+          <p:cNvPr id="2" name="Title 1"/>
+          <p:cNvSpPr>
+            <a:spLocks noGrp="1"/>
+          </p:cNvSpPr>
+          <p:nvPr>
+            <p:ph type="title"/>
+          </p:nvPr>
+        </p:nvSpPr>
+        <p:spPr>
+          <a:xfrm>
+            <a:off x="774885" y="609600"/>
+            <a:ext cx="6072182" cy="3022600"/>
+          </a:xfrm>
+        </p:spPr>
+        <p:txBody>
+          <a:bodyPr anchor="ctr">
+            <a:normAutofit/>
+          </a:bodyPr>
+          <a:lstStyle>
+            <a:lvl1pPr algn="l">
+              <a:defRPr sz="4400" b="0" cap="none"/>
+            </a:lvl1pPr>
+          </a:lstStyle>
+          <a:p>
+            <a:r>
+              <a:rPr lang="en-US"/>
+              <a:t>Click to edit Master title style</a:t>
+            </a:r>
+            <a:endParaRPr lang="en-US" dirty="0"/>
+          </a:p>
+        </p:txBody>
+      </p:sp>
+      <p:sp>
+        <p:nvSpPr>
+          <p:cNvPr id="23" name="Text Placeholder 9"/>
+          <p:cNvSpPr>
+            <a:spLocks noGrp="1"/>
+          </p:cNvSpPr>
+          <p:nvPr>
+            <p:ph type="body" sz="quarter" idx="13"/>
+          </p:nvPr>
+        </p:nvSpPr>
+        <p:spPr>
+          <a:xfrm>
+            <a:off x="1101074" y="3632200"/>
+            <a:ext cx="5419804" cy="381000"/>
+          </a:xfrm>
+        </p:spPr>
+        <p:txBody>
+          <a:bodyPr anchor="ctr">
+            <a:noAutofit/>
+          </a:bodyPr>
+          <a:lstStyle>
+            <a:lvl1pPr marL="0" indent="0">
+              <a:buFontTx/>
+              <a:buNone/>
+              <a:defRPr sz="1600">
+                <a:solidFill>
+                  <a:schemeClr val="tx1">
+                    <a:lumMod val="50000"/>
+                    <a:lumOff val="50000"/>
+                  </a:schemeClr>
+                </a:solidFill>
+              </a:defRPr>
+            </a:lvl1pPr>
+            <a:lvl2pPr marL="457200" indent="0">
+              <a:buFontTx/>
+              <a:buNone/>
+              <a:defRPr/>
+            </a:lvl2pPr>
+            <a:lvl3pPr marL="914400" indent="0">
+              <a:buFontTx/>
+              <a:buNone/>
+              <a:defRPr/>
+            </a:lvl3pPr>
+            <a:lvl4pPr marL="1371600" indent="0">
+              <a:buFontTx/>
+              <a:buNone/>
+              <a:defRPr/>
+            </a:lvl4pPr>
+            <a:lvl5pPr marL="1828800" indent="0">
+              <a:buFontTx/>
+              <a:buNone/>
+              <a:defRPr/>
+            </a:lvl5pPr>
+          </a:lstStyle>
+          <a:p>
+            <a:pPr lvl="0"/>
+            <a:r>
+              <a:rPr lang="en-US"/>
+              <a:t>Edit Master text styles</a:t>
+            </a:r>
+          </a:p>
+        </p:txBody>
+      </p:sp>
+      <p:sp>
+        <p:nvSpPr>
+          <p:cNvPr id="3" name="Text Placeholder 2"/>
+          <p:cNvSpPr>
+            <a:spLocks noGrp="1"/>
+          </p:cNvSpPr>
+          <p:nvPr>
+            <p:ph type="body" idx="1"/>
+          </p:nvPr>
+        </p:nvSpPr>
+        <p:spPr>
+          <a:xfrm>
+            <a:off x="609598" y="4470400"/>
+            <a:ext cx="6347715" cy="1570962"/>
+          </a:xfrm>
+        </p:spPr>
+        <p:txBody>
+          <a:bodyPr anchor="ctr">
+            <a:normAutofit/>
+          </a:bodyPr>
+          <a:lstStyle>
+            <a:lvl1pPr marL="0" indent="0" algn="l">
+              <a:buNone/>
+              <a:defRPr sz="1800">
+                <a:solidFill>
+                  <a:schemeClr val="tx1">
+                    <a:lumMod val="75000"/>
+                    <a:lumOff val="25000"/>
+                  </a:schemeClr>
+                </a:solidFill>
+              </a:defRPr>
+            </a:lvl1pPr>
+            <a:lvl2pPr marL="457200" indent="0">
+              <a:buNone/>
+              <a:defRPr sz="1800">
+                <a:solidFill>
+                  <a:schemeClr val="tx1">
+                    <a:tint val="75000"/>
+                  </a:schemeClr>
+                </a:solidFill>
+              </a:defRPr>
+            </a:lvl2pPr>
+            <a:lvl3pPr marL="914400" indent="0">
+              <a:buNone/>
+              <a:defRPr sz="1600">
+                <a:solidFill>
+                  <a:schemeClr val="tx1">
+                    <a:tint val="75000"/>
+                  </a:schemeClr>
+                </a:solidFill>
+              </a:defRPr>
+            </a:lvl3pPr>
+            <a:lvl4pPr marL="1371600" indent="0">
+              <a:buNone/>
+              <a:defRPr sz="1400">
+                <a:solidFill>
+                  <a:schemeClr val="tx1">
+                    <a:tint val="75000"/>
+                  </a:schemeClr>
+                </a:solidFill>
+              </a:defRPr>
+            </a:lvl4pPr>
+            <a:lvl5pPr marL="1828800" indent="0">
+              <a:buNone/>
+              <a:defRPr sz="1400">
+                <a:solidFill>
+                  <a:schemeClr val="tx1">
+                    <a:tint val="75000"/>
+                  </a:schemeClr>
+                </a:solidFill>
+              </a:defRPr>
+            </a:lvl5pPr>
+            <a:lvl6pPr marL="2286000" indent="0">
+              <a:buNone/>
+              <a:defRPr sz="1400">
+                <a:solidFill>
+                  <a:schemeClr val="tx1">
+                    <a:tint val="75000"/>
+                  </a:schemeClr>
+                </a:solidFill>
+              </a:defRPr>
+            </a:lvl6pPr>
+            <a:lvl7pPr marL="2743200" indent="0">
+              <a:buNone/>
+              <a:defRPr sz="1400">
+                <a:solidFill>
+                  <a:schemeClr val="tx1">
+                    <a:tint val="75000"/>
+                  </a:schemeClr>
+                </a:solidFill>
+              </a:defRPr>
+            </a:lvl7pPr>
+            <a:lvl8pPr marL="3200400" indent="0">
+              <a:buNone/>
+              <a:defRPr sz="1400">
+                <a:solidFill>
+                  <a:schemeClr val="tx1">
+                    <a:tint val="75000"/>
+                  </a:schemeClr>
+                </a:solidFill>
+              </a:defRPr>
+            </a:lvl8pPr>
+            <a:lvl9pPr marL="3657600" indent="0">
+              <a:buNone/>
+              <a:defRPr sz="1400">
+                <a:solidFill>
+                  <a:schemeClr val="tx1">
+                    <a:tint val="75000"/>
+                  </a:schemeClr>
+                </a:solidFill>
+              </a:defRPr>
+            </a:lvl9pPr>
+          </a:lstStyle>
+          <a:p>
+            <a:pPr lvl="0"/>
+            <a:r>
+              <a:rPr lang="en-US"/>
+              <a:t>Edit Master text styles</a:t>
+            </a:r>
+          </a:p>
+        </p:txBody>
+      </p:sp>
+      <p:sp>
+        <p:nvSpPr>
+          <p:cNvPr id="4" name="Date Placeholder 3"/>
+          <p:cNvSpPr>
+            <a:spLocks noGrp="1"/>
+          </p:cNvSpPr>
+          <p:nvPr>
+            <p:ph type="dt" sz="half" idx="10"/>
+          </p:nvPr>
+        </p:nvSpPr>
+        <p:spPr/>
+        <p:txBody>
+          <a:bodyPr/>
+          <a:lstStyle/>
+          <a:p>
+            <a:fld id="{69470609-49CB-42C8-82F9-8C98723F7026}" type="datetimeFigureOut">
+              <a:rPr lang="en-GB" smtClean="0"/>
+              <a:t>17/03/2016</a:t>
+            </a:fld>
+            <a:endParaRPr lang="en-GB"/>
+          </a:p>
+        </p:txBody>
+      </p:sp>
+      <p:sp>
+        <p:nvSpPr>
+          <p:cNvPr id="5" name="Footer Placeholder 4"/>
+          <p:cNvSpPr>
+            <a:spLocks noGrp="1"/>
+          </p:cNvSpPr>
+          <p:nvPr>
+            <p:ph type="ftr" sz="quarter" idx="11"/>
+          </p:nvPr>
+        </p:nvSpPr>
+        <p:spPr/>
+        <p:txBody>
+          <a:bodyPr/>
+          <a:lstStyle/>
+          <a:p>
+            <a:endParaRPr lang="en-GB"/>
+          </a:p>
+        </p:txBody>
+      </p:sp>
+      <p:sp>
+        <p:nvSpPr>
+          <p:cNvPr id="6" name="Slide Number Placeholder 5"/>
+          <p:cNvSpPr>
+            <a:spLocks noGrp="1"/>
+          </p:cNvSpPr>
+          <p:nvPr>
+            <p:ph type="sldNum" sz="quarter" idx="12"/>
+          </p:nvPr>
+        </p:nvSpPr>
+        <p:spPr/>
+        <p:txBody>
+          <a:bodyPr/>
+          <a:lstStyle/>
+          <a:p>
+            <a:fld id="{23B9A3DE-CAA6-4513-A765-F1CA20738F15}" type="slidenum">
+              <a:rPr lang="en-GB" smtClean="0"/>
+              <a:t>‹#›</a:t>
+            </a:fld>
+            <a:endParaRPr lang="en-GB"/>
+          </a:p>
+        </p:txBody>
+      </p:sp>
+      <p:sp>
+        <p:nvSpPr>
+          <p:cNvPr id="24" name="TextBox 23"/>
+          <p:cNvSpPr txBox="1"/>
+          <p:nvPr/>
+        </p:nvSpPr>
+        <p:spPr>
+          <a:xfrm>
+            <a:off x="482711" y="790378"/>
+            <a:ext cx="457319" cy="584776"/>
+          </a:xfrm>
+          <a:prstGeom prst="rect">
+            <a:avLst/>
+          </a:prstGeom>
+        </p:spPr>
+        <p:txBody>
+          <a:bodyPr vert="horz" lIns="91440" tIns="45720" rIns="91440" bIns="45720" rtlCol="0" anchor="ctr">
+            <a:noAutofit/>
+          </a:bodyPr>
+          <a:lstStyle/>
+          <a:p>
+            <a:pPr lvl="0"/>
+            <a:r>
+              <a:rPr lang="en-US" sz="8000" baseline="0" dirty="0">
+                <a:ln w="3175" cmpd="sng">
+                  <a:noFill/>
+                </a:ln>
+                <a:solidFill>
+                  <a:schemeClr val="accent1">
+                    <a:lumMod val="60000"/>
+                    <a:lumOff val="40000"/>
+                  </a:schemeClr>
+                </a:solidFill>
+                <a:effectLst/>
+                <a:latin typeface="Arial"/>
+              </a:rPr>
+              <a:t>“</a:t>
+            </a:r>
+          </a:p>
+        </p:txBody>
+      </p:sp>
+      <p:sp>
+        <p:nvSpPr>
+          <p:cNvPr id="25" name="TextBox 24"/>
+          <p:cNvSpPr txBox="1"/>
+          <p:nvPr/>
+        </p:nvSpPr>
+        <p:spPr>
+          <a:xfrm>
+            <a:off x="6747699" y="2886556"/>
+            <a:ext cx="457319" cy="584776"/>
+          </a:xfrm>
+          <a:prstGeom prst="rect">
+            <a:avLst/>
+          </a:prstGeom>
+        </p:spPr>
+        <p:txBody>
+          <a:bodyPr vert="horz" lIns="91440" tIns="45720" rIns="91440" bIns="45720" rtlCol="0" anchor="ctr">
+            <a:noAutofit/>
+          </a:bodyPr>
+          <a:lstStyle/>
+          <a:p>
+            <a:pPr lvl="0"/>
+            <a:r>
+              <a:rPr lang="en-US" sz="8000" baseline="0" dirty="0">
+                <a:ln w="3175" cmpd="sng">
+                  <a:noFill/>
+                </a:ln>
+                <a:solidFill>
+                  <a:schemeClr val="accent1">
+                    <a:lumMod val="60000"/>
+                    <a:lumOff val="40000"/>
+                  </a:schemeClr>
+                </a:solidFill>
+                <a:effectLst/>
+                <a:latin typeface="Arial"/>
+              </a:rPr>
+              <a:t>”</a:t>
+            </a:r>
+          </a:p>
+        </p:txBody>
+      </p:sp>
+    </p:spTree>
+    <p:extLst>
+      <p:ext uri="{BB962C8B-B14F-4D97-AF65-F5344CB8AC3E}">
+        <p14:creationId xmlns:p14="http://schemas.microsoft.com/office/powerpoint/2010/main" val="1259082392"/>
+      </p:ext>
+    </p:extLst>
+  </p:cSld>
+  <p:clrMapOvr>
+    <a:masterClrMapping/>
+  </p:clrMapOvr>
+</p:sldLayout>
+</file>
+
+<file path=ppt/slideLayouts/slideLayout12.xml><?xml version="1.0" encoding="utf-8"?>
+<p:sldLayout xmlns:a="http://schemas.openxmlformats.org/drawingml/2006/main" xmlns:r="http://schemas.openxmlformats.org/officeDocument/2006/relationships" xmlns:p="http://schemas.openxmlformats.org/presentationml/2006/main" preserve="1">
+  <p:cSld name="Name Card">
+    <p:spTree>
+      <p:nvGrpSpPr>
+        <p:cNvPr id="1" name=""/>
+        <p:cNvGrpSpPr/>
+        <p:nvPr/>
+      </p:nvGrpSpPr>
+      <p:grpSpPr>
+        <a:xfrm>
+          <a:off x="0" y="0"/>
+          <a:ext cx="0" cy="0"/>
+          <a:chOff x="0" y="0"/>
+          <a:chExt cx="0" cy="0"/>
+        </a:xfrm>
+      </p:grpSpPr>
+      <p:sp>
+        <p:nvSpPr>
+          <p:cNvPr id="2" name="Title 1"/>
+          <p:cNvSpPr>
+            <a:spLocks noGrp="1"/>
+          </p:cNvSpPr>
+          <p:nvPr>
+            <p:ph type="title"/>
+          </p:nvPr>
+        </p:nvSpPr>
+        <p:spPr>
+          <a:xfrm>
+            <a:off x="609598" y="1931988"/>
+            <a:ext cx="6347715" cy="2595460"/>
+          </a:xfrm>
+        </p:spPr>
+        <p:txBody>
+          <a:bodyPr anchor="b">
+            <a:normAutofit/>
+          </a:bodyPr>
+          <a:lstStyle>
+            <a:lvl1pPr algn="l">
+              <a:defRPr sz="4400" b="0" cap="none"/>
+            </a:lvl1pPr>
+          </a:lstStyle>
+          <a:p>
+            <a:r>
+              <a:rPr lang="en-US"/>
+              <a:t>Click to edit Master title style</a:t>
+            </a:r>
+            <a:endParaRPr lang="en-US" dirty="0"/>
+          </a:p>
+        </p:txBody>
+      </p:sp>
+      <p:sp>
+        <p:nvSpPr>
+          <p:cNvPr id="3" name="Text Placeholder 2"/>
+          <p:cNvSpPr>
+            <a:spLocks noGrp="1"/>
+          </p:cNvSpPr>
+          <p:nvPr>
+            <p:ph type="body" idx="1"/>
+          </p:nvPr>
+        </p:nvSpPr>
+        <p:spPr>
+          <a:xfrm>
+            <a:off x="609598" y="4527448"/>
+            <a:ext cx="6347715" cy="1513914"/>
+          </a:xfrm>
+        </p:spPr>
+        <p:txBody>
+          <a:bodyPr anchor="t">
+            <a:normAutofit/>
+          </a:bodyPr>
+          <a:lstStyle>
+            <a:lvl1pPr marL="0" indent="0" algn="l">
+              <a:buNone/>
+              <a:defRPr sz="1800">
+                <a:solidFill>
+                  <a:schemeClr val="tx1">
+                    <a:lumMod val="75000"/>
+                    <a:lumOff val="25000"/>
+                  </a:schemeClr>
+                </a:solidFill>
+              </a:defRPr>
+            </a:lvl1pPr>
+            <a:lvl2pPr marL="457200" indent="0">
+              <a:buNone/>
+              <a:defRPr sz="1800">
+                <a:solidFill>
+                  <a:schemeClr val="tx1">
+                    <a:tint val="75000"/>
+                  </a:schemeClr>
+                </a:solidFill>
+              </a:defRPr>
+            </a:lvl2pPr>
+            <a:lvl3pPr marL="914400" indent="0">
+              <a:buNone/>
+              <a:defRPr sz="1600">
+                <a:solidFill>
+                  <a:schemeClr val="tx1">
+                    <a:tint val="75000"/>
+                  </a:schemeClr>
+                </a:solidFill>
+              </a:defRPr>
+            </a:lvl3pPr>
+            <a:lvl4pPr marL="1371600" indent="0">
+              <a:buNone/>
+              <a:defRPr sz="1400">
+                <a:solidFill>
+                  <a:schemeClr val="tx1">
+                    <a:tint val="75000"/>
+                  </a:schemeClr>
+                </a:solidFill>
+              </a:defRPr>
+            </a:lvl4pPr>
+            <a:lvl5pPr marL="1828800" indent="0">
+              <a:buNone/>
+              <a:defRPr sz="1400">
+                <a:solidFill>
+                  <a:schemeClr val="tx1">
+                    <a:tint val="75000"/>
+                  </a:schemeClr>
+                </a:solidFill>
+              </a:defRPr>
+            </a:lvl5pPr>
+            <a:lvl6pPr marL="2286000" indent="0">
+              <a:buNone/>
+              <a:defRPr sz="1400">
+                <a:solidFill>
+                  <a:schemeClr val="tx1">
+                    <a:tint val="75000"/>
+                  </a:schemeClr>
+                </a:solidFill>
+              </a:defRPr>
+            </a:lvl6pPr>
+            <a:lvl7pPr marL="2743200" indent="0">
+              <a:buNone/>
+              <a:defRPr sz="1400">
+                <a:solidFill>
+                  <a:schemeClr val="tx1">
+                    <a:tint val="75000"/>
+                  </a:schemeClr>
+                </a:solidFill>
+              </a:defRPr>
+            </a:lvl7pPr>
+            <a:lvl8pPr marL="3200400" indent="0">
+              <a:buNone/>
+              <a:defRPr sz="1400">
+                <a:solidFill>
+                  <a:schemeClr val="tx1">
+                    <a:tint val="75000"/>
+                  </a:schemeClr>
+                </a:solidFill>
+              </a:defRPr>
+            </a:lvl8pPr>
+            <a:lvl9pPr marL="3657600" indent="0">
+              <a:buNone/>
+              <a:defRPr sz="1400">
+                <a:solidFill>
+                  <a:schemeClr val="tx1">
+                    <a:tint val="75000"/>
+                  </a:schemeClr>
+                </a:solidFill>
+              </a:defRPr>
+            </a:lvl9pPr>
+          </a:lstStyle>
+          <a:p>
+            <a:pPr lvl="0"/>
+            <a:r>
+              <a:rPr lang="en-US"/>
+              <a:t>Edit Master text styles</a:t>
+            </a:r>
+          </a:p>
+        </p:txBody>
+      </p:sp>
+      <p:sp>
+        <p:nvSpPr>
+          <p:cNvPr id="4" name="Date Placeholder 3"/>
+          <p:cNvSpPr>
+            <a:spLocks noGrp="1"/>
+          </p:cNvSpPr>
+          <p:nvPr>
+            <p:ph type="dt" sz="half" idx="10"/>
+          </p:nvPr>
+        </p:nvSpPr>
+        <p:spPr/>
+        <p:txBody>
+          <a:bodyPr/>
+          <a:lstStyle/>
+          <a:p>
+            <a:fld id="{69470609-49CB-42C8-82F9-8C98723F7026}" type="datetimeFigureOut">
+              <a:rPr lang="en-GB" smtClean="0"/>
+              <a:t>17/03/2016</a:t>
+            </a:fld>
+            <a:endParaRPr lang="en-GB"/>
+          </a:p>
+        </p:txBody>
+      </p:sp>
+      <p:sp>
+        <p:nvSpPr>
+          <p:cNvPr id="5" name="Footer Placeholder 4"/>
+          <p:cNvSpPr>
+            <a:spLocks noGrp="1"/>
+          </p:cNvSpPr>
+          <p:nvPr>
+            <p:ph type="ftr" sz="quarter" idx="11"/>
+          </p:nvPr>
+        </p:nvSpPr>
+        <p:spPr/>
+        <p:txBody>
+          <a:bodyPr/>
+          <a:lstStyle/>
+          <a:p>
+            <a:endParaRPr lang="en-GB"/>
+          </a:p>
+        </p:txBody>
+      </p:sp>
+      <p:sp>
+        <p:nvSpPr>
+          <p:cNvPr id="6" name="Slide Number Placeholder 5"/>
+          <p:cNvSpPr>
+            <a:spLocks noGrp="1"/>
+          </p:cNvSpPr>
+          <p:nvPr>
+            <p:ph type="sldNum" sz="quarter" idx="12"/>
+          </p:nvPr>
+        </p:nvSpPr>
+        <p:spPr/>
+        <p:txBody>
+          <a:bodyPr/>
+          <a:lstStyle/>
+          <a:p>
+            <a:fld id="{23B9A3DE-CAA6-4513-A765-F1CA20738F15}" type="slidenum">
+              <a:rPr lang="en-GB" smtClean="0"/>
+              <a:t>‹#›</a:t>
+            </a:fld>
+            <a:endParaRPr lang="en-GB"/>
+          </a:p>
+        </p:txBody>
+      </p:sp>
+    </p:spTree>
+    <p:extLst>
+      <p:ext uri="{BB962C8B-B14F-4D97-AF65-F5344CB8AC3E}">
+        <p14:creationId xmlns:p14="http://schemas.microsoft.com/office/powerpoint/2010/main" val="452857472"/>
+      </p:ext>
+    </p:extLst>
+  </p:cSld>
+  <p:clrMapOvr>
+    <a:masterClrMapping/>
+  </p:clrMapOvr>
+</p:sldLayout>
+</file>
+
+<file path=ppt/slideLayouts/slideLayout13.xml><?xml version="1.0" encoding="utf-8"?>
+<p:sldLayout xmlns:a="http://schemas.openxmlformats.org/drawingml/2006/main" xmlns:r="http://schemas.openxmlformats.org/officeDocument/2006/relationships" xmlns:p="http://schemas.openxmlformats.org/presentationml/2006/main" preserve="1">
+  <p:cSld name="Quote Name Card">
+    <p:spTree>
+      <p:nvGrpSpPr>
+        <p:cNvPr id="1" name=""/>
+        <p:cNvGrpSpPr/>
+        <p:nvPr/>
+      </p:nvGrpSpPr>
+      <p:grpSpPr>
+        <a:xfrm>
+          <a:off x="0" y="0"/>
+          <a:ext cx="0" cy="0"/>
+          <a:chOff x="0" y="0"/>
+          <a:chExt cx="0" cy="0"/>
+        </a:xfrm>
+      </p:grpSpPr>
+      <p:sp>
+        <p:nvSpPr>
+          <p:cNvPr id="2" name="Title 1"/>
+          <p:cNvSpPr>
+            <a:spLocks noGrp="1"/>
+          </p:cNvSpPr>
+          <p:nvPr>
+            <p:ph type="title"/>
+          </p:nvPr>
+        </p:nvSpPr>
+        <p:spPr>
+          <a:xfrm>
+            <a:off x="774885" y="609600"/>
+            <a:ext cx="6072182" cy="3022600"/>
+          </a:xfrm>
+        </p:spPr>
+        <p:txBody>
+          <a:bodyPr anchor="ctr">
+            <a:normAutofit/>
+          </a:bodyPr>
+          <a:lstStyle>
+            <a:lvl1pPr algn="l">
+              <a:defRPr sz="4400" b="0" cap="none"/>
+            </a:lvl1pPr>
+          </a:lstStyle>
+          <a:p>
+            <a:r>
+              <a:rPr lang="en-US"/>
+              <a:t>Click to edit Master title style</a:t>
+            </a:r>
+            <a:endParaRPr lang="en-US" dirty="0"/>
+          </a:p>
+        </p:txBody>
+      </p:sp>
+      <p:sp>
+        <p:nvSpPr>
+          <p:cNvPr id="23" name="Text Placeholder 9"/>
+          <p:cNvSpPr>
+            <a:spLocks noGrp="1"/>
+          </p:cNvSpPr>
+          <p:nvPr>
+            <p:ph type="body" sz="quarter" idx="13"/>
+          </p:nvPr>
+        </p:nvSpPr>
+        <p:spPr>
+          <a:xfrm>
+            <a:off x="609597" y="4013200"/>
+            <a:ext cx="6347716" cy="514248"/>
+          </a:xfrm>
+        </p:spPr>
+        <p:txBody>
+          <a:bodyPr anchor="b">
+            <a:noAutofit/>
+          </a:bodyPr>
+          <a:lstStyle>
+            <a:lvl1pPr marL="0" indent="0">
+              <a:buFontTx/>
+              <a:buNone/>
+              <a:defRPr sz="2400">
+                <a:solidFill>
+                  <a:schemeClr val="tx1">
+                    <a:lumMod val="75000"/>
+                    <a:lumOff val="25000"/>
+                  </a:schemeClr>
+                </a:solidFill>
+              </a:defRPr>
+            </a:lvl1pPr>
+            <a:lvl2pPr marL="457200" indent="0">
+              <a:buFontTx/>
+              <a:buNone/>
+              <a:defRPr/>
+            </a:lvl2pPr>
+            <a:lvl3pPr marL="914400" indent="0">
+              <a:buFontTx/>
+              <a:buNone/>
+              <a:defRPr/>
+            </a:lvl3pPr>
+            <a:lvl4pPr marL="1371600" indent="0">
+              <a:buFontTx/>
+              <a:buNone/>
+              <a:defRPr/>
+            </a:lvl4pPr>
+            <a:lvl5pPr marL="1828800" indent="0">
+              <a:buFontTx/>
+              <a:buNone/>
+              <a:defRPr/>
+            </a:lvl5pPr>
+          </a:lstStyle>
+          <a:p>
+            <a:pPr lvl="0"/>
+            <a:r>
+              <a:rPr lang="en-US"/>
+              <a:t>Edit Master text styles</a:t>
+            </a:r>
+          </a:p>
+        </p:txBody>
+      </p:sp>
+      <p:sp>
+        <p:nvSpPr>
+          <p:cNvPr id="3" name="Text Placeholder 2"/>
+          <p:cNvSpPr>
+            <a:spLocks noGrp="1"/>
+          </p:cNvSpPr>
+          <p:nvPr>
+            <p:ph type="body" idx="1"/>
+          </p:nvPr>
+        </p:nvSpPr>
+        <p:spPr>
+          <a:xfrm>
+            <a:off x="609598" y="4527448"/>
+            <a:ext cx="6347715" cy="1513914"/>
+          </a:xfrm>
+        </p:spPr>
+        <p:txBody>
+          <a:bodyPr anchor="t">
+            <a:normAutofit/>
+          </a:bodyPr>
+          <a:lstStyle>
+            <a:lvl1pPr marL="0" indent="0" algn="l">
+              <a:buNone/>
+              <a:defRPr sz="1800">
+                <a:solidFill>
+                  <a:schemeClr val="tx1">
+                    <a:lumMod val="50000"/>
+                    <a:lumOff val="50000"/>
+                  </a:schemeClr>
+                </a:solidFill>
+              </a:defRPr>
+            </a:lvl1pPr>
+            <a:lvl2pPr marL="457200" indent="0">
+              <a:buNone/>
+              <a:defRPr sz="1800">
+                <a:solidFill>
+                  <a:schemeClr val="tx1">
+                    <a:tint val="75000"/>
+                  </a:schemeClr>
+                </a:solidFill>
+              </a:defRPr>
+            </a:lvl2pPr>
+            <a:lvl3pPr marL="914400" indent="0">
+              <a:buNone/>
+              <a:defRPr sz="1600">
+                <a:solidFill>
+                  <a:schemeClr val="tx1">
+                    <a:tint val="75000"/>
+                  </a:schemeClr>
+                </a:solidFill>
+              </a:defRPr>
+            </a:lvl3pPr>
+            <a:lvl4pPr marL="1371600" indent="0">
+              <a:buNone/>
+              <a:defRPr sz="1400">
+                <a:solidFill>
+                  <a:schemeClr val="tx1">
+                    <a:tint val="75000"/>
+                  </a:schemeClr>
+                </a:solidFill>
+              </a:defRPr>
+            </a:lvl4pPr>
+            <a:lvl5pPr marL="1828800" indent="0">
+              <a:buNone/>
+              <a:defRPr sz="1400">
+                <a:solidFill>
+                  <a:schemeClr val="tx1">
+                    <a:tint val="75000"/>
+                  </a:schemeClr>
+                </a:solidFill>
+              </a:defRPr>
+            </a:lvl5pPr>
+            <a:lvl6pPr marL="2286000" indent="0">
+              <a:buNone/>
+              <a:defRPr sz="1400">
+                <a:solidFill>
+                  <a:schemeClr val="tx1">
+                    <a:tint val="75000"/>
+                  </a:schemeClr>
+                </a:solidFill>
+              </a:defRPr>
+            </a:lvl6pPr>
+            <a:lvl7pPr marL="2743200" indent="0">
+              <a:buNone/>
+              <a:defRPr sz="1400">
+                <a:solidFill>
+                  <a:schemeClr val="tx1">
+                    <a:tint val="75000"/>
+                  </a:schemeClr>
+                </a:solidFill>
+              </a:defRPr>
+            </a:lvl7pPr>
+            <a:lvl8pPr marL="3200400" indent="0">
+              <a:buNone/>
+              <a:defRPr sz="1400">
+                <a:solidFill>
+                  <a:schemeClr val="tx1">
+                    <a:tint val="75000"/>
+                  </a:schemeClr>
+                </a:solidFill>
+              </a:defRPr>
+            </a:lvl8pPr>
+            <a:lvl9pPr marL="3657600" indent="0">
+              <a:buNone/>
+              <a:defRPr sz="1400">
+                <a:solidFill>
+                  <a:schemeClr val="tx1">
+                    <a:tint val="75000"/>
+                  </a:schemeClr>
+                </a:solidFill>
+              </a:defRPr>
+            </a:lvl9pPr>
+          </a:lstStyle>
+          <a:p>
+            <a:pPr lvl="0"/>
+            <a:r>
+              <a:rPr lang="en-US"/>
+              <a:t>Edit Master text styles</a:t>
+            </a:r>
+          </a:p>
+        </p:txBody>
+      </p:sp>
+      <p:sp>
+        <p:nvSpPr>
+          <p:cNvPr id="4" name="Date Placeholder 3"/>
+          <p:cNvSpPr>
+            <a:spLocks noGrp="1"/>
+          </p:cNvSpPr>
+          <p:nvPr>
+            <p:ph type="dt" sz="half" idx="10"/>
+          </p:nvPr>
+        </p:nvSpPr>
+        <p:spPr/>
+        <p:txBody>
+          <a:bodyPr/>
+          <a:lstStyle/>
+          <a:p>
+            <a:fld id="{69470609-49CB-42C8-82F9-8C98723F7026}" type="datetimeFigureOut">
+              <a:rPr lang="en-GB" smtClean="0"/>
+              <a:t>17/03/2016</a:t>
+            </a:fld>
+            <a:endParaRPr lang="en-GB"/>
+          </a:p>
+        </p:txBody>
+      </p:sp>
+      <p:sp>
+        <p:nvSpPr>
+          <p:cNvPr id="5" name="Footer Placeholder 4"/>
+          <p:cNvSpPr>
+            <a:spLocks noGrp="1"/>
+          </p:cNvSpPr>
+          <p:nvPr>
+            <p:ph type="ftr" sz="quarter" idx="11"/>
+          </p:nvPr>
+        </p:nvSpPr>
+        <p:spPr/>
+        <p:txBody>
+          <a:bodyPr/>
+          <a:lstStyle/>
+          <a:p>
+            <a:endParaRPr lang="en-GB"/>
+          </a:p>
+        </p:txBody>
+      </p:sp>
+      <p:sp>
+        <p:nvSpPr>
+          <p:cNvPr id="6" name="Slide Number Placeholder 5"/>
+          <p:cNvSpPr>
+            <a:spLocks noGrp="1"/>
+          </p:cNvSpPr>
+          <p:nvPr>
+            <p:ph type="sldNum" sz="quarter" idx="12"/>
+          </p:nvPr>
+        </p:nvSpPr>
+        <p:spPr/>
+        <p:txBody>
+          <a:bodyPr/>
+          <a:lstStyle/>
+          <a:p>
+            <a:fld id="{23B9A3DE-CAA6-4513-A765-F1CA20738F15}" type="slidenum">
+              <a:rPr lang="en-GB" smtClean="0"/>
+              <a:t>‹#›</a:t>
+            </a:fld>
+            <a:endParaRPr lang="en-GB"/>
+          </a:p>
+        </p:txBody>
+      </p:sp>
+      <p:sp>
+        <p:nvSpPr>
+          <p:cNvPr id="24" name="TextBox 23"/>
+          <p:cNvSpPr txBox="1"/>
+          <p:nvPr/>
+        </p:nvSpPr>
+        <p:spPr>
+          <a:xfrm>
+            <a:off x="482711" y="790378"/>
+            <a:ext cx="457319" cy="584776"/>
+          </a:xfrm>
+          <a:prstGeom prst="rect">
+            <a:avLst/>
+          </a:prstGeom>
+        </p:spPr>
+        <p:txBody>
+          <a:bodyPr vert="horz" lIns="91440" tIns="45720" rIns="91440" bIns="45720" rtlCol="0" anchor="ctr">
+            <a:noAutofit/>
+          </a:bodyPr>
+          <a:lstStyle/>
+          <a:p>
+            <a:pPr lvl="0"/>
+            <a:r>
+              <a:rPr lang="en-US" sz="8000" baseline="0" dirty="0">
+                <a:ln w="3175" cmpd="sng">
+                  <a:noFill/>
+                </a:ln>
+                <a:solidFill>
+                  <a:schemeClr val="accent1">
+                    <a:lumMod val="60000"/>
+                    <a:lumOff val="40000"/>
+                  </a:schemeClr>
+                </a:solidFill>
+                <a:effectLst/>
+                <a:latin typeface="Arial"/>
+              </a:rPr>
+              <a:t>“</a:t>
+            </a:r>
+          </a:p>
+        </p:txBody>
+      </p:sp>
+      <p:sp>
+        <p:nvSpPr>
+          <p:cNvPr id="25" name="TextBox 24"/>
+          <p:cNvSpPr txBox="1"/>
+          <p:nvPr/>
+        </p:nvSpPr>
+        <p:spPr>
+          <a:xfrm>
+            <a:off x="6747699" y="2886556"/>
+            <a:ext cx="457319" cy="584776"/>
+          </a:xfrm>
+          <a:prstGeom prst="rect">
+            <a:avLst/>
+          </a:prstGeom>
+        </p:spPr>
+        <p:txBody>
+          <a:bodyPr vert="horz" lIns="91440" tIns="45720" rIns="91440" bIns="45720" rtlCol="0" anchor="ctr">
+            <a:noAutofit/>
+          </a:bodyPr>
+          <a:lstStyle/>
+          <a:p>
+            <a:pPr lvl="0"/>
+            <a:r>
+              <a:rPr lang="en-US" sz="8000" baseline="0" dirty="0">
+                <a:ln w="3175" cmpd="sng">
+                  <a:noFill/>
+                </a:ln>
+                <a:solidFill>
+                  <a:schemeClr val="accent1">
+                    <a:lumMod val="60000"/>
+                    <a:lumOff val="40000"/>
+                  </a:schemeClr>
+                </a:solidFill>
+                <a:effectLst/>
+                <a:latin typeface="Arial"/>
+              </a:rPr>
+              <a:t>”</a:t>
+            </a:r>
+          </a:p>
+        </p:txBody>
+      </p:sp>
+    </p:spTree>
+    <p:extLst>
+      <p:ext uri="{BB962C8B-B14F-4D97-AF65-F5344CB8AC3E}">
+        <p14:creationId xmlns:p14="http://schemas.microsoft.com/office/powerpoint/2010/main" val="1215222290"/>
+      </p:ext>
+    </p:extLst>
+  </p:cSld>
+  <p:clrMapOvr>
+    <a:masterClrMapping/>
+  </p:clrMapOvr>
+</p:sldLayout>
+</file>
+
+<file path=ppt/slideLayouts/slideLayout14.xml><?xml version="1.0" encoding="utf-8"?>
+<p:sldLayout xmlns:a="http://schemas.openxmlformats.org/drawingml/2006/main" xmlns:r="http://schemas.openxmlformats.org/officeDocument/2006/relationships" xmlns:p="http://schemas.openxmlformats.org/presentationml/2006/main" preserve="1">
+  <p:cSld name="True or False">
+    <p:spTree>
+      <p:nvGrpSpPr>
+        <p:cNvPr id="1" name=""/>
+        <p:cNvGrpSpPr/>
+        <p:nvPr/>
+      </p:nvGrpSpPr>
+      <p:grpSpPr>
+        <a:xfrm>
+          <a:off x="0" y="0"/>
+          <a:ext cx="0" cy="0"/>
+          <a:chOff x="0" y="0"/>
+          <a:chExt cx="0" cy="0"/>
+        </a:xfrm>
+      </p:grpSpPr>
+      <p:sp>
+        <p:nvSpPr>
+          <p:cNvPr id="2" name="Title 1"/>
+          <p:cNvSpPr>
+            <a:spLocks noGrp="1"/>
+          </p:cNvSpPr>
+          <p:nvPr>
+            <p:ph type="title"/>
+          </p:nvPr>
+        </p:nvSpPr>
+        <p:spPr>
+          <a:xfrm>
+            <a:off x="615848" y="609600"/>
+            <a:ext cx="6341465" cy="3022600"/>
+          </a:xfrm>
+        </p:spPr>
+        <p:txBody>
+          <a:bodyPr anchor="ctr">
+            <a:normAutofit/>
+          </a:bodyPr>
+          <a:lstStyle>
+            <a:lvl1pPr algn="l">
+              <a:defRPr sz="4400" b="0" cap="none"/>
+            </a:lvl1pPr>
+          </a:lstStyle>
+          <a:p>
+            <a:r>
+              <a:rPr lang="en-US"/>
+              <a:t>Click to edit Master title style</a:t>
+            </a:r>
+            <a:endParaRPr lang="en-US" dirty="0"/>
+          </a:p>
+        </p:txBody>
+      </p:sp>
+      <p:sp>
+        <p:nvSpPr>
+          <p:cNvPr id="23" name="Text Placeholder 9"/>
+          <p:cNvSpPr>
+            <a:spLocks noGrp="1"/>
+          </p:cNvSpPr>
+          <p:nvPr>
+            <p:ph type="body" sz="quarter" idx="13"/>
+          </p:nvPr>
+        </p:nvSpPr>
+        <p:spPr>
+          <a:xfrm>
+            <a:off x="609597" y="4013200"/>
+            <a:ext cx="6347716" cy="514248"/>
+          </a:xfrm>
+        </p:spPr>
+        <p:txBody>
+          <a:bodyPr anchor="b">
+            <a:noAutofit/>
+          </a:bodyPr>
+          <a:lstStyle>
+            <a:lvl1pPr marL="0" indent="0">
+              <a:buFontTx/>
+              <a:buNone/>
+              <a:defRPr sz="2400">
+                <a:solidFill>
+                  <a:schemeClr val="accent1"/>
+                </a:solidFill>
+              </a:defRPr>
+            </a:lvl1pPr>
+            <a:lvl2pPr marL="457200" indent="0">
+              <a:buFontTx/>
+              <a:buNone/>
+              <a:defRPr/>
+            </a:lvl2pPr>
+            <a:lvl3pPr marL="914400" indent="0">
+              <a:buFontTx/>
+              <a:buNone/>
+              <a:defRPr/>
+            </a:lvl3pPr>
+            <a:lvl4pPr marL="1371600" indent="0">
+              <a:buFontTx/>
+              <a:buNone/>
+              <a:defRPr/>
+            </a:lvl4pPr>
+            <a:lvl5pPr marL="1828800" indent="0">
+              <a:buFontTx/>
+              <a:buNone/>
+              <a:defRPr/>
+            </a:lvl5pPr>
+          </a:lstStyle>
+          <a:p>
+            <a:pPr lvl="0"/>
+            <a:r>
+              <a:rPr lang="en-US"/>
+              <a:t>Edit Master text styles</a:t>
+            </a:r>
+          </a:p>
+        </p:txBody>
+      </p:sp>
+      <p:sp>
+        <p:nvSpPr>
+          <p:cNvPr id="3" name="Text Placeholder 2"/>
+          <p:cNvSpPr>
+            <a:spLocks noGrp="1"/>
+          </p:cNvSpPr>
+          <p:nvPr>
+            <p:ph type="body" idx="1"/>
+          </p:nvPr>
+        </p:nvSpPr>
+        <p:spPr>
+          <a:xfrm>
+            <a:off x="609598" y="4527448"/>
+            <a:ext cx="6347715" cy="1513914"/>
+          </a:xfrm>
+        </p:spPr>
+        <p:txBody>
+          <a:bodyPr anchor="t">
+            <a:normAutofit/>
+          </a:bodyPr>
+          <a:lstStyle>
+            <a:lvl1pPr marL="0" indent="0" algn="l">
+              <a:buNone/>
+              <a:defRPr sz="1800">
+                <a:solidFill>
+                  <a:schemeClr val="tx1">
+                    <a:lumMod val="50000"/>
+                    <a:lumOff val="50000"/>
+                  </a:schemeClr>
+                </a:solidFill>
+              </a:defRPr>
+            </a:lvl1pPr>
+            <a:lvl2pPr marL="457200" indent="0">
+              <a:buNone/>
+              <a:defRPr sz="1800">
+                <a:solidFill>
+                  <a:schemeClr val="tx1">
+                    <a:tint val="75000"/>
+                  </a:schemeClr>
+                </a:solidFill>
+              </a:defRPr>
+            </a:lvl2pPr>
+            <a:lvl3pPr marL="914400" indent="0">
+              <a:buNone/>
+              <a:defRPr sz="1600">
+                <a:solidFill>
+                  <a:schemeClr val="tx1">
+                    <a:tint val="75000"/>
+                  </a:schemeClr>
+                </a:solidFill>
+              </a:defRPr>
+            </a:lvl3pPr>
+            <a:lvl4pPr marL="1371600" indent="0">
+              <a:buNone/>
+              <a:defRPr sz="1400">
+                <a:solidFill>
+                  <a:schemeClr val="tx1">
+                    <a:tint val="75000"/>
+                  </a:schemeClr>
+                </a:solidFill>
+              </a:defRPr>
+            </a:lvl4pPr>
+            <a:lvl5pPr marL="1828800" indent="0">
+              <a:buNone/>
+              <a:defRPr sz="1400">
+                <a:solidFill>
+                  <a:schemeClr val="tx1">
+                    <a:tint val="75000"/>
+                  </a:schemeClr>
+                </a:solidFill>
+              </a:defRPr>
+            </a:lvl5pPr>
+            <a:lvl6pPr marL="2286000" indent="0">
+              <a:buNone/>
+              <a:defRPr sz="1400">
+                <a:solidFill>
+                  <a:schemeClr val="tx1">
+                    <a:tint val="75000"/>
+                  </a:schemeClr>
+                </a:solidFill>
+              </a:defRPr>
+            </a:lvl6pPr>
+            <a:lvl7pPr marL="2743200" indent="0">
+              <a:buNone/>
+              <a:defRPr sz="1400">
+                <a:solidFill>
+                  <a:schemeClr val="tx1">
+                    <a:tint val="75000"/>
+                  </a:schemeClr>
+                </a:solidFill>
+              </a:defRPr>
+            </a:lvl7pPr>
+            <a:lvl8pPr marL="3200400" indent="0">
+              <a:buNone/>
+              <a:defRPr sz="1400">
+                <a:solidFill>
+                  <a:schemeClr val="tx1">
+                    <a:tint val="75000"/>
+                  </a:schemeClr>
+                </a:solidFill>
+              </a:defRPr>
+            </a:lvl8pPr>
+            <a:lvl9pPr marL="3657600" indent="0">
+              <a:buNone/>
+              <a:defRPr sz="1400">
+                <a:solidFill>
+                  <a:schemeClr val="tx1">
+                    <a:tint val="75000"/>
+                  </a:schemeClr>
+                </a:solidFill>
+              </a:defRPr>
+            </a:lvl9pPr>
+          </a:lstStyle>
+          <a:p>
+            <a:pPr lvl="0"/>
+            <a:r>
+              <a:rPr lang="en-US"/>
+              <a:t>Edit Master text styles</a:t>
+            </a:r>
+          </a:p>
+        </p:txBody>
+      </p:sp>
+      <p:sp>
+        <p:nvSpPr>
+          <p:cNvPr id="4" name="Date Placeholder 3"/>
+          <p:cNvSpPr>
+            <a:spLocks noGrp="1"/>
+          </p:cNvSpPr>
+          <p:nvPr>
+            <p:ph type="dt" sz="half" idx="10"/>
+          </p:nvPr>
+        </p:nvSpPr>
+        <p:spPr/>
+        <p:txBody>
+          <a:bodyPr/>
+          <a:lstStyle/>
+          <a:p>
+            <a:fld id="{69470609-49CB-42C8-82F9-8C98723F7026}" type="datetimeFigureOut">
+              <a:rPr lang="en-GB" smtClean="0"/>
+              <a:t>17/03/2016</a:t>
+            </a:fld>
+            <a:endParaRPr lang="en-GB"/>
+          </a:p>
+        </p:txBody>
+      </p:sp>
+      <p:sp>
+        <p:nvSpPr>
+          <p:cNvPr id="5" name="Footer Placeholder 4"/>
+          <p:cNvSpPr>
+            <a:spLocks noGrp="1"/>
+          </p:cNvSpPr>
+          <p:nvPr>
+            <p:ph type="ftr" sz="quarter" idx="11"/>
+          </p:nvPr>
+        </p:nvSpPr>
+        <p:spPr/>
+        <p:txBody>
+          <a:bodyPr/>
+          <a:lstStyle/>
+          <a:p>
+            <a:endParaRPr lang="en-GB"/>
+          </a:p>
+        </p:txBody>
+      </p:sp>
+      <p:sp>
+        <p:nvSpPr>
+          <p:cNvPr id="6" name="Slide Number Placeholder 5"/>
+          <p:cNvSpPr>
+            <a:spLocks noGrp="1"/>
+          </p:cNvSpPr>
+          <p:nvPr>
+            <p:ph type="sldNum" sz="quarter" idx="12"/>
+          </p:nvPr>
+        </p:nvSpPr>
+        <p:spPr/>
+        <p:txBody>
+          <a:bodyPr/>
+          <a:lstStyle/>
+          <a:p>
+            <a:fld id="{23B9A3DE-CAA6-4513-A765-F1CA20738F15}" type="slidenum">
+              <a:rPr lang="en-GB" smtClean="0"/>
+              <a:t>‹#›</a:t>
+            </a:fld>
+            <a:endParaRPr lang="en-GB"/>
+          </a:p>
+        </p:txBody>
+      </p:sp>
+    </p:spTree>
+    <p:extLst>
+      <p:ext uri="{BB962C8B-B14F-4D97-AF65-F5344CB8AC3E}">
+        <p14:creationId xmlns:p14="http://schemas.microsoft.com/office/powerpoint/2010/main" val="34040874"/>
+      </p:ext>
+    </p:extLst>
+  </p:cSld>
+  <p:clrMapOvr>
+    <a:masterClrMapping/>
+  </p:clrMapOvr>
+</p:sldLayout>
+</file>
+
+<file path=ppt/slideLayouts/slideLayout15.xml><?xml version="1.0" encoding="utf-8"?>
 <p:sldLayout xmlns:a="http://schemas.openxmlformats.org/drawingml/2006/main" xmlns:r="http://schemas.openxmlformats.org/officeDocument/2006/relationships" xmlns:p="http://schemas.openxmlformats.org/presentationml/2006/main" type="vertTx" preserve="1">
   <p:cSld name="Title and Vertical Text">
     <p:spTree>
@@ -385,10 +2623,10 @@
           <a:lstStyle/>
           <a:p>
             <a:r>
-              <a:rPr lang="en-US" smtClean="0"/>
+              <a:rPr lang="en-US"/>
               <a:t>Click to edit Master title style</a:t>
             </a:r>
-            <a:endParaRPr lang="en-GB"/>
+            <a:endParaRPr lang="en-US" dirty="0"/>
           </a:p>
         </p:txBody>
       </p:sp>
@@ -409,38 +2647,38 @@
           <a:p>
             <a:pPr lvl="0"/>
             <a:r>
-              <a:rPr lang="en-US" smtClean="0"/>
-              <a:t>Click to edit Master text styles</a:t>
+              <a:rPr lang="en-US"/>
+              <a:t>Edit Master text styles</a:t>
             </a:r>
           </a:p>
           <a:p>
             <a:pPr lvl="1"/>
             <a:r>
-              <a:rPr lang="en-US" smtClean="0"/>
+              <a:rPr lang="en-US"/>
               <a:t>Second level</a:t>
             </a:r>
           </a:p>
           <a:p>
             <a:pPr lvl="2"/>
             <a:r>
-              <a:rPr lang="en-US" smtClean="0"/>
+              <a:rPr lang="en-US"/>
               <a:t>Third level</a:t>
             </a:r>
           </a:p>
           <a:p>
             <a:pPr lvl="3"/>
             <a:r>
-              <a:rPr lang="en-US" smtClean="0"/>
+              <a:rPr lang="en-US"/>
               <a:t>Fourth level</a:t>
             </a:r>
           </a:p>
           <a:p>
             <a:pPr lvl="4"/>
             <a:r>
-              <a:rPr lang="en-US" smtClean="0"/>
+              <a:rPr lang="en-US"/>
               <a:t>Fifth level</a:t>
             </a:r>
-            <a:endParaRPr lang="en-GB"/>
+            <a:endParaRPr lang="en-US" dirty="0"/>
           </a:p>
         </p:txBody>
       </p:sp>
@@ -461,7 +2699,7 @@
           <a:p>
             <a:fld id="{69470609-49CB-42C8-82F9-8C98723F7026}" type="datetimeFigureOut">
               <a:rPr lang="en-GB" smtClean="0"/>
-              <a:t>16/03/2016</a:t>
+              <a:t>17/03/2016</a:t>
             </a:fld>
             <a:endParaRPr lang="en-GB"/>
           </a:p>
@@ -512,7 +2750,7 @@
     </p:spTree>
     <p:extLst>
       <p:ext uri="{BB962C8B-B14F-4D97-AF65-F5344CB8AC3E}">
-        <p14:creationId xmlns:p14="http://schemas.microsoft.com/office/powerpoint/2010/main" val="723522472"/>
+        <p14:creationId xmlns:p14="http://schemas.microsoft.com/office/powerpoint/2010/main" val="1505963602"/>
       </p:ext>
     </p:extLst>
   </p:cSld>
@@ -522,7 +2760,7 @@
 </p:sldLayout>
 </file>
 
-<file path=ppt/slideLayouts/slideLayout11.xml><?xml version="1.0" encoding="utf-8"?>
+<file path=ppt/slideLayouts/slideLayout16.xml><?xml version="1.0" encoding="utf-8"?>
 <p:sldLayout xmlns:a="http://schemas.openxmlformats.org/drawingml/2006/main" xmlns:r="http://schemas.openxmlformats.org/officeDocument/2006/relationships" xmlns:p="http://schemas.openxmlformats.org/presentationml/2006/main" type="vertTitleAndTx" preserve="1">
   <p:cSld name="Vertical Title and Text">
     <p:spTree>
@@ -551,19 +2789,19 @@
         </p:nvSpPr>
         <p:spPr>
           <a:xfrm>
-            <a:off x="6629400" y="274638"/>
-            <a:ext cx="2057400" cy="5851525"/>
+            <a:off x="5977312" y="609600"/>
+            <a:ext cx="978812" cy="5251451"/>
           </a:xfrm>
         </p:spPr>
         <p:txBody>
-          <a:bodyPr vert="eaVert"/>
-          <a:lstStyle/>
-          <a:p>
-            <a:r>
-              <a:rPr lang="en-US" smtClean="0"/>
+          <a:bodyPr vert="eaVert" anchor="ctr"/>
+          <a:lstStyle/>
+          <a:p>
+            <a:r>
+              <a:rPr lang="en-US"/>
               <a:t>Click to edit Master title style</a:t>
             </a:r>
-            <a:endParaRPr lang="en-GB"/>
+            <a:endParaRPr lang="en-US" dirty="0"/>
           </a:p>
         </p:txBody>
       </p:sp>
@@ -579,8 +2817,8 @@
         </p:nvSpPr>
         <p:spPr>
           <a:xfrm>
-            <a:off x="457200" y="274638"/>
-            <a:ext cx="6019800" cy="5851525"/>
+            <a:off x="609599" y="609600"/>
+            <a:ext cx="5195026" cy="5251451"/>
           </a:xfrm>
         </p:spPr>
         <p:txBody>
@@ -589,38 +2827,38 @@
           <a:p>
             <a:pPr lvl="0"/>
             <a:r>
-              <a:rPr lang="en-US" smtClean="0"/>
-              <a:t>Click to edit Master text styles</a:t>
+              <a:rPr lang="en-US"/>
+              <a:t>Edit Master text styles</a:t>
             </a:r>
           </a:p>
           <a:p>
             <a:pPr lvl="1"/>
             <a:r>
-              <a:rPr lang="en-US" smtClean="0"/>
+              <a:rPr lang="en-US"/>
               <a:t>Second level</a:t>
             </a:r>
           </a:p>
           <a:p>
             <a:pPr lvl="2"/>
             <a:r>
-              <a:rPr lang="en-US" smtClean="0"/>
+              <a:rPr lang="en-US"/>
               <a:t>Third level</a:t>
             </a:r>
           </a:p>
           <a:p>
             <a:pPr lvl="3"/>
             <a:r>
-              <a:rPr lang="en-US" smtClean="0"/>
+              <a:rPr lang="en-US"/>
               <a:t>Fourth level</a:t>
             </a:r>
           </a:p>
           <a:p>
             <a:pPr lvl="4"/>
             <a:r>
-              <a:rPr lang="en-US" smtClean="0"/>
+              <a:rPr lang="en-US"/>
               <a:t>Fifth level</a:t>
             </a:r>
-            <a:endParaRPr lang="en-GB"/>
+            <a:endParaRPr lang="en-US" dirty="0"/>
           </a:p>
         </p:txBody>
       </p:sp>
@@ -641,7 +2879,7 @@
           <a:p>
             <a:fld id="{69470609-49CB-42C8-82F9-8C98723F7026}" type="datetimeFigureOut">
               <a:rPr lang="en-GB" smtClean="0"/>
-              <a:t>16/03/2016</a:t>
+              <a:t>17/03/2016</a:t>
             </a:fld>
             <a:endParaRPr lang="en-GB"/>
           </a:p>
@@ -692,7 +2930,7 @@
     </p:spTree>
     <p:extLst>
       <p:ext uri="{BB962C8B-B14F-4D97-AF65-F5344CB8AC3E}">
-        <p14:creationId xmlns:p14="http://schemas.microsoft.com/office/powerpoint/2010/main" val="2424111422"/>
+        <p14:creationId xmlns:p14="http://schemas.microsoft.com/office/powerpoint/2010/main" val="2514396633"/>
       </p:ext>
     </p:extLst>
   </p:cSld>
@@ -735,10 +2973,10 @@
           <a:lstStyle/>
           <a:p>
             <a:r>
-              <a:rPr lang="en-US" smtClean="0"/>
+              <a:rPr lang="en-US"/>
               <a:t>Click to edit Master title style</a:t>
             </a:r>
-            <a:endParaRPr lang="en-GB"/>
+            <a:endParaRPr lang="en-US" dirty="0"/>
           </a:p>
         </p:txBody>
       </p:sp>
@@ -759,38 +2997,38 @@
           <a:p>
             <a:pPr lvl="0"/>
             <a:r>
-              <a:rPr lang="en-US" smtClean="0"/>
-              <a:t>Click to edit Master text styles</a:t>
+              <a:rPr lang="en-US"/>
+              <a:t>Edit Master text styles</a:t>
             </a:r>
           </a:p>
           <a:p>
             <a:pPr lvl="1"/>
             <a:r>
-              <a:rPr lang="en-US" smtClean="0"/>
+              <a:rPr lang="en-US"/>
               <a:t>Second level</a:t>
             </a:r>
           </a:p>
           <a:p>
             <a:pPr lvl="2"/>
             <a:r>
-              <a:rPr lang="en-US" smtClean="0"/>
+              <a:rPr lang="en-US"/>
               <a:t>Third level</a:t>
             </a:r>
           </a:p>
           <a:p>
             <a:pPr lvl="3"/>
             <a:r>
-              <a:rPr lang="en-US" smtClean="0"/>
+              <a:rPr lang="en-US"/>
               <a:t>Fourth level</a:t>
             </a:r>
           </a:p>
           <a:p>
             <a:pPr lvl="4"/>
             <a:r>
-              <a:rPr lang="en-US" smtClean="0"/>
+              <a:rPr lang="en-US"/>
               <a:t>Fifth level</a:t>
             </a:r>
-            <a:endParaRPr lang="en-GB"/>
+            <a:endParaRPr lang="en-US" dirty="0"/>
           </a:p>
         </p:txBody>
       </p:sp>
@@ -811,7 +3049,7 @@
           <a:p>
             <a:fld id="{69470609-49CB-42C8-82F9-8C98723F7026}" type="datetimeFigureOut">
               <a:rPr lang="en-GB" smtClean="0"/>
-              <a:t>16/03/2016</a:t>
+              <a:t>17/03/2016</a:t>
             </a:fld>
             <a:endParaRPr lang="en-GB"/>
           </a:p>
@@ -862,7 +3100,7 @@
     </p:spTree>
     <p:extLst>
       <p:ext uri="{BB962C8B-B14F-4D97-AF65-F5344CB8AC3E}">
-        <p14:creationId xmlns:p14="http://schemas.microsoft.com/office/powerpoint/2010/main" val="2756943234"/>
+        <p14:creationId xmlns:p14="http://schemas.microsoft.com/office/powerpoint/2010/main" val="48065592"/>
       </p:ext>
     </p:extLst>
   </p:cSld>
@@ -901,76 +3139,87 @@
         </p:nvSpPr>
         <p:spPr>
           <a:xfrm>
-            <a:off x="722313" y="4406900"/>
-            <a:ext cx="7772400" cy="1362075"/>
+            <a:off x="609598" y="2700868"/>
+            <a:ext cx="6347715" cy="1826581"/>
           </a:xfrm>
         </p:spPr>
         <p:txBody>
+          <a:bodyPr anchor="b"/>
+          <a:lstStyle>
+            <a:lvl1pPr algn="l">
+              <a:defRPr sz="4000" b="0" cap="none"/>
+            </a:lvl1pPr>
+          </a:lstStyle>
+          <a:p>
+            <a:r>
+              <a:rPr lang="en-US"/>
+              <a:t>Click to edit Master title style</a:t>
+            </a:r>
+            <a:endParaRPr lang="en-US" dirty="0"/>
+          </a:p>
+        </p:txBody>
+      </p:sp>
+      <p:sp>
+        <p:nvSpPr>
+          <p:cNvPr id="3" name="Text Placeholder 2"/>
+          <p:cNvSpPr>
+            <a:spLocks noGrp="1"/>
+          </p:cNvSpPr>
+          <p:nvPr>
+            <p:ph type="body" idx="1"/>
+          </p:nvPr>
+        </p:nvSpPr>
+        <p:spPr>
+          <a:xfrm>
+            <a:off x="609598" y="4527448"/>
+            <a:ext cx="6347715" cy="860400"/>
+          </a:xfrm>
+        </p:spPr>
+        <p:txBody>
           <a:bodyPr anchor="t"/>
           <a:lstStyle>
-            <a:lvl1pPr algn="l">
-              <a:defRPr sz="4000" b="1" cap="all"/>
+            <a:lvl1pPr marL="0" indent="0" algn="l">
+              <a:buNone/>
+              <a:defRPr sz="2000">
+                <a:solidFill>
+                  <a:schemeClr val="tx1">
+                    <a:lumMod val="50000"/>
+                    <a:lumOff val="50000"/>
+                  </a:schemeClr>
+                </a:solidFill>
+              </a:defRPr>
             </a:lvl1pPr>
-          </a:lstStyle>
-          <a:p>
-            <a:r>
-              <a:rPr lang="en-US" smtClean="0"/>
-              <a:t>Click to edit Master title style</a:t>
-            </a:r>
-            <a:endParaRPr lang="en-GB"/>
-          </a:p>
-        </p:txBody>
-      </p:sp>
-      <p:sp>
-        <p:nvSpPr>
-          <p:cNvPr id="3" name="Text Placeholder 2"/>
-          <p:cNvSpPr>
-            <a:spLocks noGrp="1"/>
-          </p:cNvSpPr>
-          <p:nvPr>
-            <p:ph type="body" idx="1"/>
-          </p:nvPr>
-        </p:nvSpPr>
-        <p:spPr>
-          <a:xfrm>
-            <a:off x="722313" y="2906713"/>
-            <a:ext cx="7772400" cy="1500187"/>
-          </a:xfrm>
-        </p:spPr>
-        <p:txBody>
-          <a:bodyPr anchor="b"/>
-          <a:lstStyle>
-            <a:lvl1pPr marL="0" indent="0">
-              <a:buNone/>
-              <a:defRPr sz="2000">
+            <a:lvl2pPr marL="457200" indent="0">
+              <a:buNone/>
+              <a:defRPr sz="1800">
                 <a:solidFill>
                   <a:schemeClr val="tx1">
                     <a:tint val="75000"/>
                   </a:schemeClr>
                 </a:solidFill>
               </a:defRPr>
-            </a:lvl1pPr>
-            <a:lvl2pPr marL="457200" indent="0">
-              <a:buNone/>
-              <a:defRPr sz="1800">
+            </a:lvl2pPr>
+            <a:lvl3pPr marL="914400" indent="0">
+              <a:buNone/>
+              <a:defRPr sz="1600">
                 <a:solidFill>
                   <a:schemeClr val="tx1">
                     <a:tint val="75000"/>
                   </a:schemeClr>
                 </a:solidFill>
               </a:defRPr>
-            </a:lvl2pPr>
-            <a:lvl3pPr marL="914400" indent="0">
-              <a:buNone/>
-              <a:defRPr sz="1600">
+            </a:lvl3pPr>
+            <a:lvl4pPr marL="1371600" indent="0">
+              <a:buNone/>
+              <a:defRPr sz="1400">
                 <a:solidFill>
                   <a:schemeClr val="tx1">
                     <a:tint val="75000"/>
                   </a:schemeClr>
                 </a:solidFill>
               </a:defRPr>
-            </a:lvl3pPr>
-            <a:lvl4pPr marL="1371600" indent="0">
+            </a:lvl4pPr>
+            <a:lvl5pPr marL="1828800" indent="0">
               <a:buNone/>
               <a:defRPr sz="1400">
                 <a:solidFill>
@@ -979,8 +3228,8 @@
                   </a:schemeClr>
                 </a:solidFill>
               </a:defRPr>
-            </a:lvl4pPr>
-            <a:lvl5pPr marL="1828800" indent="0">
+            </a:lvl5pPr>
+            <a:lvl6pPr marL="2286000" indent="0">
               <a:buNone/>
               <a:defRPr sz="1400">
                 <a:solidFill>
@@ -989,8 +3238,8 @@
                   </a:schemeClr>
                 </a:solidFill>
               </a:defRPr>
-            </a:lvl5pPr>
-            <a:lvl6pPr marL="2286000" indent="0">
+            </a:lvl6pPr>
+            <a:lvl7pPr marL="2743200" indent="0">
               <a:buNone/>
               <a:defRPr sz="1400">
                 <a:solidFill>
@@ -999,8 +3248,8 @@
                   </a:schemeClr>
                 </a:solidFill>
               </a:defRPr>
-            </a:lvl6pPr>
-            <a:lvl7pPr marL="2743200" indent="0">
+            </a:lvl7pPr>
+            <a:lvl8pPr marL="3200400" indent="0">
               <a:buNone/>
               <a:defRPr sz="1400">
                 <a:solidFill>
@@ -1009,8 +3258,8 @@
                   </a:schemeClr>
                 </a:solidFill>
               </a:defRPr>
-            </a:lvl7pPr>
-            <a:lvl8pPr marL="3200400" indent="0">
+            </a:lvl8pPr>
+            <a:lvl9pPr marL="3657600" indent="0">
               <a:buNone/>
               <a:defRPr sz="1400">
                 <a:solidFill>
@@ -1019,23 +3268,13 @@
                   </a:schemeClr>
                 </a:solidFill>
               </a:defRPr>
-            </a:lvl8pPr>
-            <a:lvl9pPr marL="3657600" indent="0">
-              <a:buNone/>
-              <a:defRPr sz="1400">
-                <a:solidFill>
-                  <a:schemeClr val="tx1">
-                    <a:tint val="75000"/>
-                  </a:schemeClr>
-                </a:solidFill>
-              </a:defRPr>
             </a:lvl9pPr>
           </a:lstStyle>
           <a:p>
             <a:pPr lvl="0"/>
             <a:r>
-              <a:rPr lang="en-US" smtClean="0"/>
-              <a:t>Click to edit Master text styles</a:t>
+              <a:rPr lang="en-US"/>
+              <a:t>Edit Master text styles</a:t>
             </a:r>
           </a:p>
         </p:txBody>
@@ -1057,7 +3296,7 @@
           <a:p>
             <a:fld id="{69470609-49CB-42C8-82F9-8C98723F7026}" type="datetimeFigureOut">
               <a:rPr lang="en-GB" smtClean="0"/>
-              <a:t>16/03/2016</a:t>
+              <a:t>17/03/2016</a:t>
             </a:fld>
             <a:endParaRPr lang="en-GB"/>
           </a:p>
@@ -1108,7 +3347,7 @@
     </p:spTree>
     <p:extLst>
       <p:ext uri="{BB962C8B-B14F-4D97-AF65-F5344CB8AC3E}">
-        <p14:creationId xmlns:p14="http://schemas.microsoft.com/office/powerpoint/2010/main" val="1199483346"/>
+        <p14:creationId xmlns:p14="http://schemas.microsoft.com/office/powerpoint/2010/main" val="1423171366"/>
       </p:ext>
     </p:extLst>
   </p:cSld>
@@ -1145,101 +3384,108 @@
             <p:ph type="title"/>
           </p:nvPr>
         </p:nvSpPr>
-        <p:spPr/>
-        <p:txBody>
-          <a:bodyPr/>
-          <a:lstStyle/>
-          <a:p>
-            <a:r>
-              <a:rPr lang="en-US" smtClean="0"/>
-              <a:t>Click to edit Master title style</a:t>
-            </a:r>
-            <a:endParaRPr lang="en-GB"/>
-          </a:p>
-        </p:txBody>
-      </p:sp>
-      <p:sp>
-        <p:nvSpPr>
-          <p:cNvPr id="3" name="Content Placeholder 2"/>
-          <p:cNvSpPr>
-            <a:spLocks noGrp="1"/>
-          </p:cNvSpPr>
-          <p:nvPr>
-            <p:ph sz="half" idx="1"/>
-          </p:nvPr>
-        </p:nvSpPr>
         <p:spPr>
           <a:xfrm>
-            <a:off x="457200" y="1600200"/>
-            <a:ext cx="4038600" cy="4525963"/>
+            <a:off x="609600" y="609600"/>
+            <a:ext cx="6347714" cy="1320800"/>
           </a:xfrm>
         </p:spPr>
         <p:txBody>
           <a:bodyPr/>
+          <a:lstStyle/>
+          <a:p>
+            <a:r>
+              <a:rPr lang="en-US"/>
+              <a:t>Click to edit Master title style</a:t>
+            </a:r>
+            <a:endParaRPr lang="en-US" dirty="0"/>
+          </a:p>
+        </p:txBody>
+      </p:sp>
+      <p:sp>
+        <p:nvSpPr>
+          <p:cNvPr id="3" name="Content Placeholder 2"/>
+          <p:cNvSpPr>
+            <a:spLocks noGrp="1"/>
+          </p:cNvSpPr>
+          <p:nvPr>
+            <p:ph sz="half" idx="1"/>
+          </p:nvPr>
+        </p:nvSpPr>
+        <p:spPr>
+          <a:xfrm>
+            <a:off x="609600" y="2160589"/>
+            <a:ext cx="3088109" cy="3880772"/>
+          </a:xfrm>
+        </p:spPr>
+        <p:txBody>
+          <a:bodyPr>
+            <a:normAutofit/>
+          </a:bodyPr>
           <a:lstStyle>
             <a:lvl1pPr>
-              <a:defRPr sz="2800"/>
+              <a:defRPr sz="1800"/>
             </a:lvl1pPr>
             <a:lvl2pPr>
-              <a:defRPr sz="2400"/>
+              <a:defRPr sz="1600"/>
             </a:lvl2pPr>
             <a:lvl3pPr>
-              <a:defRPr sz="2000"/>
+              <a:defRPr sz="1400"/>
             </a:lvl3pPr>
             <a:lvl4pPr>
-              <a:defRPr sz="1800"/>
+              <a:defRPr sz="1200"/>
             </a:lvl4pPr>
             <a:lvl5pPr>
-              <a:defRPr sz="1800"/>
+              <a:defRPr sz="1200"/>
             </a:lvl5pPr>
             <a:lvl6pPr>
-              <a:defRPr sz="1800"/>
+              <a:defRPr sz="1200"/>
             </a:lvl6pPr>
             <a:lvl7pPr>
-              <a:defRPr sz="1800"/>
+              <a:defRPr sz="1200"/>
             </a:lvl7pPr>
             <a:lvl8pPr>
-              <a:defRPr sz="1800"/>
+              <a:defRPr sz="1200"/>
             </a:lvl8pPr>
             <a:lvl9pPr>
-              <a:defRPr sz="1800"/>
+              <a:defRPr sz="1200"/>
             </a:lvl9pPr>
           </a:lstStyle>
           <a:p>
             <a:pPr lvl="0"/>
             <a:r>
-              <a:rPr lang="en-US" smtClean="0"/>
-              <a:t>Click to edit Master text styles</a:t>
+              <a:rPr lang="en-US"/>
+              <a:t>Edit Master text styles</a:t>
             </a:r>
           </a:p>
           <a:p>
             <a:pPr lvl="1"/>
             <a:r>
-              <a:rPr lang="en-US" smtClean="0"/>
+              <a:rPr lang="en-US"/>
               <a:t>Second level</a:t>
             </a:r>
           </a:p>
           <a:p>
             <a:pPr lvl="2"/>
             <a:r>
-              <a:rPr lang="en-US" smtClean="0"/>
+              <a:rPr lang="en-US"/>
               <a:t>Third level</a:t>
             </a:r>
           </a:p>
           <a:p>
             <a:pPr lvl="3"/>
             <a:r>
-              <a:rPr lang="en-US" smtClean="0"/>
+              <a:rPr lang="en-US"/>
               <a:t>Fourth level</a:t>
             </a:r>
           </a:p>
           <a:p>
             <a:pPr lvl="4"/>
             <a:r>
-              <a:rPr lang="en-US" smtClean="0"/>
+              <a:rPr lang="en-US"/>
               <a:t>Fifth level</a:t>
             </a:r>
-            <a:endParaRPr lang="en-GB"/>
+            <a:endParaRPr lang="en-US" dirty="0"/>
           </a:p>
         </p:txBody>
       </p:sp>
@@ -1255,76 +3501,78 @@
         </p:nvSpPr>
         <p:spPr>
           <a:xfrm>
-            <a:off x="4648200" y="1600200"/>
-            <a:ext cx="4038600" cy="4525963"/>
+            <a:off x="3869204" y="2160590"/>
+            <a:ext cx="3088110" cy="3880773"/>
           </a:xfrm>
         </p:spPr>
         <p:txBody>
-          <a:bodyPr/>
+          <a:bodyPr>
+            <a:normAutofit/>
+          </a:bodyPr>
           <a:lstStyle>
             <a:lvl1pPr>
-              <a:defRPr sz="2800"/>
+              <a:defRPr sz="1800"/>
             </a:lvl1pPr>
             <a:lvl2pPr>
-              <a:defRPr sz="2400"/>
+              <a:defRPr sz="1600"/>
             </a:lvl2pPr>
             <a:lvl3pPr>
-              <a:defRPr sz="2000"/>
+              <a:defRPr sz="1400"/>
             </a:lvl3pPr>
             <a:lvl4pPr>
-              <a:defRPr sz="1800"/>
+              <a:defRPr sz="1200"/>
             </a:lvl4pPr>
             <a:lvl5pPr>
-              <a:defRPr sz="1800"/>
+              <a:defRPr sz="1200"/>
             </a:lvl5pPr>
             <a:lvl6pPr>
-              <a:defRPr sz="1800"/>
+              <a:defRPr sz="1200"/>
             </a:lvl6pPr>
             <a:lvl7pPr>
-              <a:defRPr sz="1800"/>
+              <a:defRPr sz="1200"/>
             </a:lvl7pPr>
             <a:lvl8pPr>
-              <a:defRPr sz="1800"/>
+              <a:defRPr sz="1200"/>
             </a:lvl8pPr>
             <a:lvl9pPr>
-              <a:defRPr sz="1800"/>
+              <a:defRPr sz="1200"/>
             </a:lvl9pPr>
           </a:lstStyle>
           <a:p>
             <a:pPr lvl="0"/>
             <a:r>
-              <a:rPr lang="en-US" smtClean="0"/>
-              <a:t>Click to edit Master text styles</a:t>
+              <a:rPr lang="en-US"/>
+              <a:t>Edit Master text styles</a:t>
             </a:r>
           </a:p>
           <a:p>
             <a:pPr lvl="1"/>
             <a:r>
-              <a:rPr lang="en-US" smtClean="0"/>
+              <a:rPr lang="en-US"/>
               <a:t>Second level</a:t>
             </a:r>
           </a:p>
           <a:p>
             <a:pPr lvl="2"/>
             <a:r>
-              <a:rPr lang="en-US" smtClean="0"/>
+              <a:rPr lang="en-US"/>
               <a:t>Third level</a:t>
             </a:r>
           </a:p>
           <a:p>
             <a:pPr lvl="3"/>
             <a:r>
-              <a:rPr lang="en-US" smtClean="0"/>
+              <a:rPr lang="en-US"/>
               <a:t>Fourth level</a:t>
             </a:r>
           </a:p>
           <a:p>
             <a:pPr lvl="4"/>
             <a:r>
-              <a:rPr lang="en-US" smtClean="0"/>
+              <a:rPr lang="en-US"/>
               <a:t>Fifth level</a:t>
             </a:r>
-            <a:endParaRPr lang="en-GB"/>
+            <a:endParaRPr lang="en-US" dirty="0"/>
           </a:p>
         </p:txBody>
       </p:sp>
@@ -1345,7 +3593,7 @@
           <a:p>
             <a:fld id="{69470609-49CB-42C8-82F9-8C98723F7026}" type="datetimeFigureOut">
               <a:rPr lang="en-GB" smtClean="0"/>
-              <a:t>16/03/2016</a:t>
+              <a:t>17/03/2016</a:t>
             </a:fld>
             <a:endParaRPr lang="en-GB"/>
           </a:p>
@@ -1396,7 +3644,7 @@
     </p:spTree>
     <p:extLst>
       <p:ext uri="{BB962C8B-B14F-4D97-AF65-F5344CB8AC3E}">
-        <p14:creationId xmlns:p14="http://schemas.microsoft.com/office/powerpoint/2010/main" val="314851788"/>
+        <p14:creationId xmlns:p14="http://schemas.microsoft.com/office/powerpoint/2010/main" val="4199653900"/>
       </p:ext>
     </p:extLst>
   </p:cSld>
@@ -1433,7 +3681,12 @@
             <p:ph type="title"/>
           </p:nvPr>
         </p:nvSpPr>
-        <p:spPr/>
+        <p:spPr>
+          <a:xfrm>
+            <a:off x="609599" y="609600"/>
+            <a:ext cx="6347713" cy="1320800"/>
+          </a:xfrm>
+        </p:spPr>
         <p:txBody>
           <a:bodyPr/>
           <a:lstStyle>
@@ -1443,10 +3696,10 @@
           </a:lstStyle>
           <a:p>
             <a:r>
-              <a:rPr lang="en-US" smtClean="0"/>
+              <a:rPr lang="en-US"/>
               <a:t>Click to edit Master title style</a:t>
             </a:r>
-            <a:endParaRPr lang="en-GB"/>
+            <a:endParaRPr lang="en-US" dirty="0"/>
           </a:p>
         </p:txBody>
       </p:sp>
@@ -1462,16 +3715,18 @@
         </p:nvSpPr>
         <p:spPr>
           <a:xfrm>
-            <a:off x="457200" y="1535113"/>
-            <a:ext cx="4040188" cy="639762"/>
+            <a:off x="609599" y="2160983"/>
+            <a:ext cx="3090672" cy="576262"/>
           </a:xfrm>
         </p:spPr>
         <p:txBody>
-          <a:bodyPr anchor="b"/>
+          <a:bodyPr anchor="b">
+            <a:noAutofit/>
+          </a:bodyPr>
           <a:lstStyle>
             <a:lvl1pPr marL="0" indent="0">
               <a:buNone/>
-              <a:defRPr sz="2400" b="1"/>
+              <a:defRPr sz="2400" b="0"/>
             </a:lvl1pPr>
             <a:lvl2pPr marL="457200" indent="0">
               <a:buNone/>
@@ -1509,8 +3764,8 @@
           <a:p>
             <a:pPr lvl="0"/>
             <a:r>
-              <a:rPr lang="en-US" smtClean="0"/>
-              <a:t>Click to edit Master text styles</a:t>
+              <a:rPr lang="en-US"/>
+              <a:t>Edit Master text styles</a:t>
             </a:r>
           </a:p>
         </p:txBody>
@@ -1527,76 +3782,50 @@
         </p:nvSpPr>
         <p:spPr>
           <a:xfrm>
-            <a:off x="457200" y="2174875"/>
-            <a:ext cx="4040188" cy="3951288"/>
+            <a:off x="609599" y="2737246"/>
+            <a:ext cx="3090672" cy="3304117"/>
           </a:xfrm>
         </p:spPr>
         <p:txBody>
-          <a:bodyPr/>
-          <a:lstStyle>
-            <a:lvl1pPr>
-              <a:defRPr sz="2400"/>
-            </a:lvl1pPr>
-            <a:lvl2pPr>
-              <a:defRPr sz="2000"/>
-            </a:lvl2pPr>
-            <a:lvl3pPr>
-              <a:defRPr sz="1800"/>
-            </a:lvl3pPr>
-            <a:lvl4pPr>
-              <a:defRPr sz="1600"/>
-            </a:lvl4pPr>
-            <a:lvl5pPr>
-              <a:defRPr sz="1600"/>
-            </a:lvl5pPr>
-            <a:lvl6pPr>
-              <a:defRPr sz="1600"/>
-            </a:lvl6pPr>
-            <a:lvl7pPr>
-              <a:defRPr sz="1600"/>
-            </a:lvl7pPr>
-            <a:lvl8pPr>
-              <a:defRPr sz="1600"/>
-            </a:lvl8pPr>
-            <a:lvl9pPr>
-              <a:defRPr sz="1600"/>
-            </a:lvl9pPr>
-          </a:lstStyle>
+          <a:bodyPr>
+            <a:normAutofit/>
+          </a:bodyPr>
+          <a:lstStyle/>
           <a:p>
             <a:pPr lvl="0"/>
             <a:r>
-              <a:rPr lang="en-US" smtClean="0"/>
-              <a:t>Click to edit Master text styles</a:t>
+              <a:rPr lang="en-US"/>
+              <a:t>Edit Master text styles</a:t>
             </a:r>
           </a:p>
           <a:p>
             <a:pPr lvl="1"/>
             <a:r>
-              <a:rPr lang="en-US" smtClean="0"/>
+              <a:rPr lang="en-US"/>
               <a:t>Second level</a:t>
             </a:r>
           </a:p>
           <a:p>
             <a:pPr lvl="2"/>
             <a:r>
-              <a:rPr lang="en-US" smtClean="0"/>
+              <a:rPr lang="en-US"/>
               <a:t>Third level</a:t>
             </a:r>
           </a:p>
           <a:p>
             <a:pPr lvl="3"/>
             <a:r>
-              <a:rPr lang="en-US" smtClean="0"/>
+              <a:rPr lang="en-US"/>
               <a:t>Fourth level</a:t>
             </a:r>
           </a:p>
           <a:p>
             <a:pPr lvl="4"/>
             <a:r>
-              <a:rPr lang="en-US" smtClean="0"/>
+              <a:rPr lang="en-US"/>
               <a:t>Fifth level</a:t>
             </a:r>
-            <a:endParaRPr lang="en-GB"/>
+            <a:endParaRPr lang="en-US" dirty="0"/>
           </a:p>
         </p:txBody>
       </p:sp>
@@ -1612,16 +3841,18 @@
         </p:nvSpPr>
         <p:spPr>
           <a:xfrm>
-            <a:off x="4645025" y="1535113"/>
-            <a:ext cx="4041775" cy="639762"/>
+            <a:off x="3866640" y="2160983"/>
+            <a:ext cx="3090672" cy="576262"/>
           </a:xfrm>
         </p:spPr>
         <p:txBody>
-          <a:bodyPr anchor="b"/>
+          <a:bodyPr anchor="b">
+            <a:noAutofit/>
+          </a:bodyPr>
           <a:lstStyle>
             <a:lvl1pPr marL="0" indent="0">
               <a:buNone/>
-              <a:defRPr sz="2400" b="1"/>
+              <a:defRPr sz="2400" b="0"/>
             </a:lvl1pPr>
             <a:lvl2pPr marL="457200" indent="0">
               <a:buNone/>
@@ -1659,8 +3890,8 @@
           <a:p>
             <a:pPr lvl="0"/>
             <a:r>
-              <a:rPr lang="en-US" smtClean="0"/>
-              <a:t>Click to edit Master text styles</a:t>
+              <a:rPr lang="en-US"/>
+              <a:t>Edit Master text styles</a:t>
             </a:r>
           </a:p>
         </p:txBody>
@@ -1677,76 +3908,50 @@
         </p:nvSpPr>
         <p:spPr>
           <a:xfrm>
-            <a:off x="4645025" y="2174875"/>
-            <a:ext cx="4041775" cy="3951288"/>
+            <a:off x="3866640" y="2737246"/>
+            <a:ext cx="3090672" cy="3304117"/>
           </a:xfrm>
         </p:spPr>
         <p:txBody>
-          <a:bodyPr/>
-          <a:lstStyle>
-            <a:lvl1pPr>
-              <a:defRPr sz="2400"/>
-            </a:lvl1pPr>
-            <a:lvl2pPr>
-              <a:defRPr sz="2000"/>
-            </a:lvl2pPr>
-            <a:lvl3pPr>
-              <a:defRPr sz="1800"/>
-            </a:lvl3pPr>
-            <a:lvl4pPr>
-              <a:defRPr sz="1600"/>
-            </a:lvl4pPr>
-            <a:lvl5pPr>
-              <a:defRPr sz="1600"/>
-            </a:lvl5pPr>
-            <a:lvl6pPr>
-              <a:defRPr sz="1600"/>
-            </a:lvl6pPr>
-            <a:lvl7pPr>
-              <a:defRPr sz="1600"/>
-            </a:lvl7pPr>
-            <a:lvl8pPr>
-              <a:defRPr sz="1600"/>
-            </a:lvl8pPr>
-            <a:lvl9pPr>
-              <a:defRPr sz="1600"/>
-            </a:lvl9pPr>
-          </a:lstStyle>
+          <a:bodyPr>
+            <a:normAutofit/>
+          </a:bodyPr>
+          <a:lstStyle/>
           <a:p>
             <a:pPr lvl="0"/>
             <a:r>
-              <a:rPr lang="en-US" smtClean="0"/>
-              <a:t>Click to edit Master text styles</a:t>
+              <a:rPr lang="en-US"/>
+              <a:t>Edit Master text styles</a:t>
             </a:r>
           </a:p>
           <a:p>
             <a:pPr lvl="1"/>
             <a:r>
-              <a:rPr lang="en-US" smtClean="0"/>
+              <a:rPr lang="en-US"/>
               <a:t>Second level</a:t>
             </a:r>
           </a:p>
           <a:p>
             <a:pPr lvl="2"/>
             <a:r>
-              <a:rPr lang="en-US" smtClean="0"/>
+              <a:rPr lang="en-US"/>
               <a:t>Third level</a:t>
             </a:r>
           </a:p>
           <a:p>
             <a:pPr lvl="3"/>
             <a:r>
-              <a:rPr lang="en-US" smtClean="0"/>
+              <a:rPr lang="en-US"/>
               <a:t>Fourth level</a:t>
             </a:r>
           </a:p>
           <a:p>
             <a:pPr lvl="4"/>
             <a:r>
-              <a:rPr lang="en-US" smtClean="0"/>
+              <a:rPr lang="en-US"/>
               <a:t>Fifth level</a:t>
             </a:r>
-            <a:endParaRPr lang="en-GB"/>
+            <a:endParaRPr lang="en-US" dirty="0"/>
           </a:p>
         </p:txBody>
       </p:sp>
@@ -1767,7 +3972,7 @@
           <a:p>
             <a:fld id="{69470609-49CB-42C8-82F9-8C98723F7026}" type="datetimeFigureOut">
               <a:rPr lang="en-GB" smtClean="0"/>
-              <a:t>16/03/2016</a:t>
+              <a:t>17/03/2016</a:t>
             </a:fld>
             <a:endParaRPr lang="en-GB"/>
           </a:p>
@@ -1818,7 +4023,7 @@
     </p:spTree>
     <p:extLst>
       <p:ext uri="{BB962C8B-B14F-4D97-AF65-F5344CB8AC3E}">
-        <p14:creationId xmlns:p14="http://schemas.microsoft.com/office/powerpoint/2010/main" val="2785326861"/>
+        <p14:creationId xmlns:p14="http://schemas.microsoft.com/office/powerpoint/2010/main" val="3326279618"/>
       </p:ext>
     </p:extLst>
   </p:cSld>
@@ -1855,16 +4060,21 @@
             <p:ph type="title"/>
           </p:nvPr>
         </p:nvSpPr>
-        <p:spPr/>
+        <p:spPr>
+          <a:xfrm>
+            <a:off x="609599" y="609600"/>
+            <a:ext cx="6347714" cy="1320800"/>
+          </a:xfrm>
+        </p:spPr>
         <p:txBody>
           <a:bodyPr/>
           <a:lstStyle/>
           <a:p>
             <a:r>
-              <a:rPr lang="en-US" smtClean="0"/>
+              <a:rPr lang="en-US"/>
               <a:t>Click to edit Master title style</a:t>
             </a:r>
-            <a:endParaRPr lang="en-GB"/>
+            <a:endParaRPr lang="en-US" dirty="0"/>
           </a:p>
         </p:txBody>
       </p:sp>
@@ -1885,7 +4095,7 @@
           <a:p>
             <a:fld id="{69470609-49CB-42C8-82F9-8C98723F7026}" type="datetimeFigureOut">
               <a:rPr lang="en-GB" smtClean="0"/>
-              <a:t>16/03/2016</a:t>
+              <a:t>17/03/2016</a:t>
             </a:fld>
             <a:endParaRPr lang="en-GB"/>
           </a:p>
@@ -1936,7 +4146,7 @@
     </p:spTree>
     <p:extLst>
       <p:ext uri="{BB962C8B-B14F-4D97-AF65-F5344CB8AC3E}">
-        <p14:creationId xmlns:p14="http://schemas.microsoft.com/office/powerpoint/2010/main" val="2794357722"/>
+        <p14:creationId xmlns:p14="http://schemas.microsoft.com/office/powerpoint/2010/main" val="1890289530"/>
       </p:ext>
     </p:extLst>
   </p:cSld>
@@ -1980,7 +4190,7 @@
           <a:p>
             <a:fld id="{69470609-49CB-42C8-82F9-8C98723F7026}" type="datetimeFigureOut">
               <a:rPr lang="en-GB" smtClean="0"/>
-              <a:t>16/03/2016</a:t>
+              <a:t>17/03/2016</a:t>
             </a:fld>
             <a:endParaRPr lang="en-GB"/>
           </a:p>
@@ -2031,7 +4241,7 @@
     </p:spTree>
     <p:extLst>
       <p:ext uri="{BB962C8B-B14F-4D97-AF65-F5344CB8AC3E}">
-        <p14:creationId xmlns:p14="http://schemas.microsoft.com/office/powerpoint/2010/main" val="807940928"/>
+        <p14:creationId xmlns:p14="http://schemas.microsoft.com/office/powerpoint/2010/main" val="1698908982"/>
       </p:ext>
     </p:extLst>
   </p:cSld>
@@ -2070,23 +4280,25 @@
         </p:nvSpPr>
         <p:spPr>
           <a:xfrm>
-            <a:off x="457200" y="273050"/>
-            <a:ext cx="3008313" cy="1162050"/>
+            <a:off x="609599" y="1498604"/>
+            <a:ext cx="2790182" cy="1278466"/>
           </a:xfrm>
         </p:spPr>
         <p:txBody>
-          <a:bodyPr anchor="b"/>
+          <a:bodyPr anchor="b">
+            <a:normAutofit/>
+          </a:bodyPr>
           <a:lstStyle>
-            <a:lvl1pPr algn="l">
-              <a:defRPr sz="2000" b="1"/>
+            <a:lvl1pPr>
+              <a:defRPr sz="2000"/>
             </a:lvl1pPr>
           </a:lstStyle>
           <a:p>
             <a:r>
-              <a:rPr lang="en-US" smtClean="0"/>
+              <a:rPr lang="en-US"/>
               <a:t>Click to edit Master title style</a:t>
             </a:r>
-            <a:endParaRPr lang="en-GB"/>
+            <a:endParaRPr lang="en-US" dirty="0"/>
           </a:p>
         </p:txBody>
       </p:sp>
@@ -2102,140 +4314,116 @@
         </p:nvSpPr>
         <p:spPr>
           <a:xfrm>
-            <a:off x="3575050" y="273050"/>
-            <a:ext cx="5111750" cy="5853113"/>
+            <a:off x="3571275" y="514925"/>
+            <a:ext cx="3386037" cy="5526437"/>
           </a:xfrm>
         </p:spPr>
         <p:txBody>
-          <a:bodyPr/>
+          <a:bodyPr>
+            <a:normAutofit/>
+          </a:bodyPr>
+          <a:lstStyle/>
+          <a:p>
+            <a:pPr lvl="0"/>
+            <a:r>
+              <a:rPr lang="en-US"/>
+              <a:t>Edit Master text styles</a:t>
+            </a:r>
+          </a:p>
+          <a:p>
+            <a:pPr lvl="1"/>
+            <a:r>
+              <a:rPr lang="en-US"/>
+              <a:t>Second level</a:t>
+            </a:r>
+          </a:p>
+          <a:p>
+            <a:pPr lvl="2"/>
+            <a:r>
+              <a:rPr lang="en-US"/>
+              <a:t>Third level</a:t>
+            </a:r>
+          </a:p>
+          <a:p>
+            <a:pPr lvl="3"/>
+            <a:r>
+              <a:rPr lang="en-US"/>
+              <a:t>Fourth level</a:t>
+            </a:r>
+          </a:p>
+          <a:p>
+            <a:pPr lvl="4"/>
+            <a:r>
+              <a:rPr lang="en-US"/>
+              <a:t>Fifth level</a:t>
+            </a:r>
+            <a:endParaRPr lang="en-US" dirty="0"/>
+          </a:p>
+        </p:txBody>
+      </p:sp>
+      <p:sp>
+        <p:nvSpPr>
+          <p:cNvPr id="4" name="Text Placeholder 3"/>
+          <p:cNvSpPr>
+            <a:spLocks noGrp="1"/>
+          </p:cNvSpPr>
+          <p:nvPr>
+            <p:ph type="body" sz="half" idx="2"/>
+          </p:nvPr>
+        </p:nvSpPr>
+        <p:spPr>
+          <a:xfrm>
+            <a:off x="609599" y="2777069"/>
+            <a:ext cx="2790182" cy="2584449"/>
+          </a:xfrm>
+        </p:spPr>
+        <p:txBody>
+          <a:bodyPr>
+            <a:normAutofit/>
+          </a:bodyPr>
           <a:lstStyle>
-            <a:lvl1pPr>
-              <a:defRPr sz="3200"/>
+            <a:lvl1pPr marL="0" indent="0">
+              <a:buNone/>
+              <a:defRPr sz="1400"/>
             </a:lvl1pPr>
-            <a:lvl2pPr>
-              <a:defRPr sz="2800"/>
+            <a:lvl2pPr marL="342900" indent="0">
+              <a:buNone/>
+              <a:defRPr sz="1050"/>
             </a:lvl2pPr>
-            <a:lvl3pPr>
-              <a:defRPr sz="2400"/>
+            <a:lvl3pPr marL="685800" indent="0">
+              <a:buNone/>
+              <a:defRPr sz="900"/>
             </a:lvl3pPr>
-            <a:lvl4pPr>
-              <a:defRPr sz="2000"/>
+            <a:lvl4pPr marL="1028700" indent="0">
+              <a:buNone/>
+              <a:defRPr sz="750"/>
             </a:lvl4pPr>
-            <a:lvl5pPr>
-              <a:defRPr sz="2000"/>
+            <a:lvl5pPr marL="1371600" indent="0">
+              <a:buNone/>
+              <a:defRPr sz="750"/>
             </a:lvl5pPr>
-            <a:lvl6pPr>
-              <a:defRPr sz="2000"/>
+            <a:lvl6pPr marL="1714500" indent="0">
+              <a:buNone/>
+              <a:defRPr sz="750"/>
             </a:lvl6pPr>
-            <a:lvl7pPr>
-              <a:defRPr sz="2000"/>
+            <a:lvl7pPr marL="2057400" indent="0">
+              <a:buNone/>
+              <a:defRPr sz="750"/>
             </a:lvl7pPr>
-            <a:lvl8pPr>
-              <a:defRPr sz="2000"/>
+            <a:lvl8pPr marL="2400300" indent="0">
+              <a:buNone/>
+              <a:defRPr sz="750"/>
             </a:lvl8pPr>
-            <a:lvl9pPr>
-              <a:defRPr sz="2000"/>
+            <a:lvl9pPr marL="2743200" indent="0">
+              <a:buNone/>
+              <a:defRPr sz="750"/>
             </a:lvl9pPr>
           </a:lstStyle>
           <a:p>
             <a:pPr lvl="0"/>
             <a:r>
-              <a:rPr lang="en-US" smtClean="0"/>
-              <a:t>Click to edit Master text styles</a:t>
-            </a:r>
-          </a:p>
-          <a:p>
-            <a:pPr lvl="1"/>
-            <a:r>
-              <a:rPr lang="en-US" smtClean="0"/>
-              <a:t>Second level</a:t>
-            </a:r>
-          </a:p>
-          <a:p>
-            <a:pPr lvl="2"/>
-            <a:r>
-              <a:rPr lang="en-US" smtClean="0"/>
-              <a:t>Third level</a:t>
-            </a:r>
-          </a:p>
-          <a:p>
-            <a:pPr lvl="3"/>
-            <a:r>
-              <a:rPr lang="en-US" smtClean="0"/>
-              <a:t>Fourth level</a:t>
-            </a:r>
-          </a:p>
-          <a:p>
-            <a:pPr lvl="4"/>
-            <a:r>
-              <a:rPr lang="en-US" smtClean="0"/>
-              <a:t>Fifth level</a:t>
-            </a:r>
-            <a:endParaRPr lang="en-GB"/>
-          </a:p>
-        </p:txBody>
-      </p:sp>
-      <p:sp>
-        <p:nvSpPr>
-          <p:cNvPr id="4" name="Text Placeholder 3"/>
-          <p:cNvSpPr>
-            <a:spLocks noGrp="1"/>
-          </p:cNvSpPr>
-          <p:nvPr>
-            <p:ph type="body" sz="half" idx="2"/>
-          </p:nvPr>
-        </p:nvSpPr>
-        <p:spPr>
-          <a:xfrm>
-            <a:off x="457200" y="1435100"/>
-            <a:ext cx="3008313" cy="4691063"/>
-          </a:xfrm>
-        </p:spPr>
-        <p:txBody>
-          <a:bodyPr/>
-          <a:lstStyle>
-            <a:lvl1pPr marL="0" indent="0">
-              <a:buNone/>
-              <a:defRPr sz="1400"/>
-            </a:lvl1pPr>
-            <a:lvl2pPr marL="457200" indent="0">
-              <a:buNone/>
-              <a:defRPr sz="1200"/>
-            </a:lvl2pPr>
-            <a:lvl3pPr marL="914400" indent="0">
-              <a:buNone/>
-              <a:defRPr sz="1000"/>
-            </a:lvl3pPr>
-            <a:lvl4pPr marL="1371600" indent="0">
-              <a:buNone/>
-              <a:defRPr sz="900"/>
-            </a:lvl4pPr>
-            <a:lvl5pPr marL="1828800" indent="0">
-              <a:buNone/>
-              <a:defRPr sz="900"/>
-            </a:lvl5pPr>
-            <a:lvl6pPr marL="2286000" indent="0">
-              <a:buNone/>
-              <a:defRPr sz="900"/>
-            </a:lvl6pPr>
-            <a:lvl7pPr marL="2743200" indent="0">
-              <a:buNone/>
-              <a:defRPr sz="900"/>
-            </a:lvl7pPr>
-            <a:lvl8pPr marL="3200400" indent="0">
-              <a:buNone/>
-              <a:defRPr sz="900"/>
-            </a:lvl8pPr>
-            <a:lvl9pPr marL="3657600" indent="0">
-              <a:buNone/>
-              <a:defRPr sz="900"/>
-            </a:lvl9pPr>
-          </a:lstStyle>
-          <a:p>
-            <a:pPr lvl="0"/>
-            <a:r>
-              <a:rPr lang="en-US" smtClean="0"/>
-              <a:t>Click to edit Master text styles</a:t>
+              <a:rPr lang="en-US"/>
+              <a:t>Edit Master text styles</a:t>
             </a:r>
           </a:p>
         </p:txBody>
@@ -2257,7 +4445,7 @@
           <a:p>
             <a:fld id="{69470609-49CB-42C8-82F9-8C98723F7026}" type="datetimeFigureOut">
               <a:rPr lang="en-GB" smtClean="0"/>
-              <a:t>16/03/2016</a:t>
+              <a:t>17/03/2016</a:t>
             </a:fld>
             <a:endParaRPr lang="en-GB"/>
           </a:p>
@@ -2308,7 +4496,7 @@
     </p:spTree>
     <p:extLst>
       <p:ext uri="{BB962C8B-B14F-4D97-AF65-F5344CB8AC3E}">
-        <p14:creationId xmlns:p14="http://schemas.microsoft.com/office/powerpoint/2010/main" val="3751634820"/>
+        <p14:creationId xmlns:p14="http://schemas.microsoft.com/office/powerpoint/2010/main" val="2045853064"/>
       </p:ext>
     </p:extLst>
   </p:cSld>
@@ -2347,23 +4535,25 @@
         </p:nvSpPr>
         <p:spPr>
           <a:xfrm>
-            <a:off x="1792288" y="4800600"/>
-            <a:ext cx="5486400" cy="566738"/>
+            <a:off x="609599" y="4800600"/>
+            <a:ext cx="6347714" cy="566738"/>
           </a:xfrm>
         </p:spPr>
         <p:txBody>
-          <a:bodyPr anchor="b"/>
+          <a:bodyPr anchor="b">
+            <a:normAutofit/>
+          </a:bodyPr>
           <a:lstStyle>
             <a:lvl1pPr algn="l">
-              <a:defRPr sz="2000" b="1"/>
+              <a:defRPr sz="2400" b="0"/>
             </a:lvl1pPr>
           </a:lstStyle>
           <a:p>
             <a:r>
-              <a:rPr lang="en-US" smtClean="0"/>
+              <a:rPr lang="en-US"/>
               <a:t>Click to edit Master title style</a:t>
             </a:r>
-            <a:endParaRPr lang="en-GB"/>
+            <a:endParaRPr lang="en-US" dirty="0"/>
           </a:p>
         </p:txBody>
       </p:sp>
@@ -2371,7 +4561,7 @@
         <p:nvSpPr>
           <p:cNvPr id="3" name="Picture Placeholder 2"/>
           <p:cNvSpPr>
-            <a:spLocks noGrp="1"/>
+            <a:spLocks noGrp="1" noChangeAspect="1"/>
           </p:cNvSpPr>
           <p:nvPr>
             <p:ph type="pic" idx="1"/>
@@ -2379,77 +4569,85 @@
         </p:nvSpPr>
         <p:spPr>
           <a:xfrm>
-            <a:off x="1792288" y="612775"/>
-            <a:ext cx="5486400" cy="4114800"/>
+            <a:off x="609599" y="609600"/>
+            <a:ext cx="6347714" cy="3845718"/>
           </a:xfrm>
         </p:spPr>
         <p:txBody>
-          <a:bodyPr/>
+          <a:bodyPr anchor="t">
+            <a:normAutofit/>
+          </a:bodyPr>
+          <a:lstStyle>
+            <a:lvl1pPr marL="0" indent="0" algn="ctr">
+              <a:buNone/>
+              <a:defRPr sz="1600"/>
+            </a:lvl1pPr>
+            <a:lvl2pPr marL="457200" indent="0">
+              <a:buNone/>
+              <a:defRPr sz="1600"/>
+            </a:lvl2pPr>
+            <a:lvl3pPr marL="914400" indent="0">
+              <a:buNone/>
+              <a:defRPr sz="1600"/>
+            </a:lvl3pPr>
+            <a:lvl4pPr marL="1371600" indent="0">
+              <a:buNone/>
+              <a:defRPr sz="1600"/>
+            </a:lvl4pPr>
+            <a:lvl5pPr marL="1828800" indent="0">
+              <a:buNone/>
+              <a:defRPr sz="1600"/>
+            </a:lvl5pPr>
+            <a:lvl6pPr marL="2286000" indent="0">
+              <a:buNone/>
+              <a:defRPr sz="1600"/>
+            </a:lvl6pPr>
+            <a:lvl7pPr marL="2743200" indent="0">
+              <a:buNone/>
+              <a:defRPr sz="1600"/>
+            </a:lvl7pPr>
+            <a:lvl8pPr marL="3200400" indent="0">
+              <a:buNone/>
+              <a:defRPr sz="1600"/>
+            </a:lvl8pPr>
+            <a:lvl9pPr marL="3657600" indent="0">
+              <a:buNone/>
+              <a:defRPr sz="1600"/>
+            </a:lvl9pPr>
+          </a:lstStyle>
+          <a:p>
+            <a:r>
+              <a:rPr lang="en-US"/>
+              <a:t>Click icon to add picture</a:t>
+            </a:r>
+            <a:endParaRPr lang="en-US" dirty="0"/>
+          </a:p>
+        </p:txBody>
+      </p:sp>
+      <p:sp>
+        <p:nvSpPr>
+          <p:cNvPr id="4" name="Text Placeholder 3"/>
+          <p:cNvSpPr>
+            <a:spLocks noGrp="1"/>
+          </p:cNvSpPr>
+          <p:nvPr>
+            <p:ph type="body" sz="half" idx="2"/>
+          </p:nvPr>
+        </p:nvSpPr>
+        <p:spPr>
+          <a:xfrm>
+            <a:off x="609599" y="5367338"/>
+            <a:ext cx="6347714" cy="674024"/>
+          </a:xfrm>
+        </p:spPr>
+        <p:txBody>
+          <a:bodyPr>
+            <a:normAutofit/>
+          </a:bodyPr>
           <a:lstStyle>
             <a:lvl1pPr marL="0" indent="0">
               <a:buNone/>
-              <a:defRPr sz="3200"/>
-            </a:lvl1pPr>
-            <a:lvl2pPr marL="457200" indent="0">
-              <a:buNone/>
-              <a:defRPr sz="2800"/>
-            </a:lvl2pPr>
-            <a:lvl3pPr marL="914400" indent="0">
-              <a:buNone/>
-              <a:defRPr sz="2400"/>
-            </a:lvl3pPr>
-            <a:lvl4pPr marL="1371600" indent="0">
-              <a:buNone/>
-              <a:defRPr sz="2000"/>
-            </a:lvl4pPr>
-            <a:lvl5pPr marL="1828800" indent="0">
-              <a:buNone/>
-              <a:defRPr sz="2000"/>
-            </a:lvl5pPr>
-            <a:lvl6pPr marL="2286000" indent="0">
-              <a:buNone/>
-              <a:defRPr sz="2000"/>
-            </a:lvl6pPr>
-            <a:lvl7pPr marL="2743200" indent="0">
-              <a:buNone/>
-              <a:defRPr sz="2000"/>
-            </a:lvl7pPr>
-            <a:lvl8pPr marL="3200400" indent="0">
-              <a:buNone/>
-              <a:defRPr sz="2000"/>
-            </a:lvl8pPr>
-            <a:lvl9pPr marL="3657600" indent="0">
-              <a:buNone/>
-              <a:defRPr sz="2000"/>
-            </a:lvl9pPr>
-          </a:lstStyle>
-          <a:p>
-            <a:endParaRPr lang="en-GB"/>
-          </a:p>
-        </p:txBody>
-      </p:sp>
-      <p:sp>
-        <p:nvSpPr>
-          <p:cNvPr id="4" name="Text Placeholder 3"/>
-          <p:cNvSpPr>
-            <a:spLocks noGrp="1"/>
-          </p:cNvSpPr>
-          <p:nvPr>
-            <p:ph type="body" sz="half" idx="2"/>
-          </p:nvPr>
-        </p:nvSpPr>
-        <p:spPr>
-          <a:xfrm>
-            <a:off x="1792288" y="5367338"/>
-            <a:ext cx="5486400" cy="804862"/>
-          </a:xfrm>
-        </p:spPr>
-        <p:txBody>
-          <a:bodyPr/>
-          <a:lstStyle>
-            <a:lvl1pPr marL="0" indent="0">
-              <a:buNone/>
-              <a:defRPr sz="1400"/>
+              <a:defRPr sz="1200"/>
             </a:lvl1pPr>
             <a:lvl2pPr marL="457200" indent="0">
               <a:buNone/>
@@ -2487,8 +4685,8 @@
           <a:p>
             <a:pPr lvl="0"/>
             <a:r>
-              <a:rPr lang="en-US" smtClean="0"/>
-              <a:t>Click to edit Master text styles</a:t>
+              <a:rPr lang="en-US"/>
+              <a:t>Edit Master text styles</a:t>
             </a:r>
           </a:p>
         </p:txBody>
@@ -2510,7 +4708,7 @@
           <a:p>
             <a:fld id="{69470609-49CB-42C8-82F9-8C98723F7026}" type="datetimeFigureOut">
               <a:rPr lang="en-GB" smtClean="0"/>
-              <a:t>16/03/2016</a:t>
+              <a:t>17/03/2016</a:t>
             </a:fld>
             <a:endParaRPr lang="en-GB"/>
           </a:p>
@@ -2561,7 +4759,7 @@
     </p:spTree>
     <p:extLst>
       <p:ext uri="{BB962C8B-B14F-4D97-AF65-F5344CB8AC3E}">
-        <p14:creationId xmlns:p14="http://schemas.microsoft.com/office/powerpoint/2010/main" val="804522535"/>
+        <p14:creationId xmlns:p14="http://schemas.microsoft.com/office/powerpoint/2010/main" val="1700845501"/>
       </p:ext>
     </p:extLst>
   </p:cSld>
@@ -2575,9 +4773,18 @@
 <p:sldMaster xmlns:a="http://schemas.openxmlformats.org/drawingml/2006/main" xmlns:r="http://schemas.openxmlformats.org/officeDocument/2006/relationships" xmlns:p="http://schemas.openxmlformats.org/presentationml/2006/main">
   <p:cSld>
     <p:bg>
-      <p:bgRef idx="1001">
-        <a:schemeClr val="bg1"/>
-      </p:bgRef>
+      <p:bgPr>
+        <a:blipFill dpi="0" rotWithShape="1">
+          <a:blip r:embed="rId18">
+            <a:lum/>
+          </a:blip>
+          <a:srcRect/>
+          <a:stretch>
+            <a:fillRect l="66000" t="11000" r="24000" b="78000"/>
+          </a:stretch>
+        </a:blipFill>
+        <a:effectLst/>
+      </p:bgPr>
     </p:bg>
     <p:spTree>
       <p:nvGrpSpPr>
@@ -2593,6 +4800,607 @@
           <a:chExt cx="0" cy="0"/>
         </a:xfrm>
       </p:grpSpPr>
+      <p:grpSp>
+        <p:nvGrpSpPr>
+          <p:cNvPr id="17" name="Group 16"/>
+          <p:cNvGrpSpPr/>
+          <p:nvPr/>
+        </p:nvGrpSpPr>
+        <p:grpSpPr>
+          <a:xfrm>
+            <a:off x="-8467" y="-8468"/>
+            <a:ext cx="9169805" cy="6874935"/>
+            <a:chOff x="-8467" y="-8468"/>
+            <a:chExt cx="9169805" cy="6874935"/>
+          </a:xfrm>
+        </p:grpSpPr>
+        <p:sp>
+          <p:nvSpPr>
+            <p:cNvPr id="7" name="Freeform 6"/>
+            <p:cNvSpPr/>
+            <p:nvPr/>
+          </p:nvSpPr>
+          <p:spPr>
+            <a:xfrm>
+              <a:off x="-8467" y="4013200"/>
+              <a:ext cx="457200" cy="2853267"/>
+            </a:xfrm>
+            <a:custGeom>
+              <a:avLst/>
+              <a:gdLst/>
+              <a:ahLst/>
+              <a:cxnLst/>
+              <a:rect l="l" t="t" r="r" b="b"/>
+              <a:pathLst>
+                <a:path w="457200" h="2853267">
+                  <a:moveTo>
+                    <a:pt x="0" y="0"/>
+                  </a:moveTo>
+                  <a:lnTo>
+                    <a:pt x="457200" y="2853267"/>
+                  </a:lnTo>
+                  <a:lnTo>
+                    <a:pt x="0" y="2844800"/>
+                  </a:lnTo>
+                  <a:cubicBezTo>
+                    <a:pt x="2822" y="1905000"/>
+                    <a:pt x="5645" y="965200"/>
+                    <a:pt x="0" y="0"/>
+                  </a:cubicBezTo>
+                  <a:close/>
+                </a:path>
+              </a:pathLst>
+            </a:custGeom>
+            <a:solidFill>
+              <a:schemeClr val="accent1">
+                <a:alpha val="85000"/>
+              </a:schemeClr>
+            </a:solidFill>
+            <a:ln>
+              <a:noFill/>
+            </a:ln>
+            <a:effectLst/>
+          </p:spPr>
+          <p:style>
+            <a:lnRef idx="1">
+              <a:schemeClr val="accent1"/>
+            </a:lnRef>
+            <a:fillRef idx="3">
+              <a:schemeClr val="accent1"/>
+            </a:fillRef>
+            <a:effectRef idx="2">
+              <a:schemeClr val="accent1"/>
+            </a:effectRef>
+            <a:fontRef idx="minor">
+              <a:schemeClr val="lt1"/>
+            </a:fontRef>
+          </p:style>
+        </p:sp>
+        <p:cxnSp>
+          <p:nvCxnSpPr>
+            <p:cNvPr id="8" name="Straight Connector 7"/>
+            <p:cNvCxnSpPr/>
+            <p:nvPr/>
+          </p:nvCxnSpPr>
+          <p:spPr>
+            <a:xfrm flipV="1">
+              <a:off x="5130830" y="4175605"/>
+              <a:ext cx="4022475" cy="2682396"/>
+            </a:xfrm>
+            <a:prstGeom prst="line">
+              <a:avLst/>
+            </a:prstGeom>
+            <a:ln w="9525">
+              <a:solidFill>
+                <a:schemeClr val="bg1">
+                  <a:lumMod val="85000"/>
+                </a:schemeClr>
+              </a:solidFill>
+            </a:ln>
+          </p:spPr>
+          <p:style>
+            <a:lnRef idx="2">
+              <a:schemeClr val="accent1"/>
+            </a:lnRef>
+            <a:fillRef idx="0">
+              <a:schemeClr val="accent1"/>
+            </a:fillRef>
+            <a:effectRef idx="1">
+              <a:schemeClr val="accent1"/>
+            </a:effectRef>
+            <a:fontRef idx="minor">
+              <a:schemeClr val="tx1"/>
+            </a:fontRef>
+          </p:style>
+        </p:cxnSp>
+        <p:cxnSp>
+          <p:nvCxnSpPr>
+            <p:cNvPr id="9" name="Straight Connector 8"/>
+            <p:cNvCxnSpPr/>
+            <p:nvPr/>
+          </p:nvCxnSpPr>
+          <p:spPr>
+            <a:xfrm>
+              <a:off x="7042707" y="0"/>
+              <a:ext cx="1219200" cy="6858000"/>
+            </a:xfrm>
+            <a:prstGeom prst="line">
+              <a:avLst/>
+            </a:prstGeom>
+            <a:ln w="9525">
+              <a:solidFill>
+                <a:schemeClr val="bg1">
+                  <a:lumMod val="75000"/>
+                </a:schemeClr>
+              </a:solidFill>
+            </a:ln>
+          </p:spPr>
+          <p:style>
+            <a:lnRef idx="2">
+              <a:schemeClr val="accent1"/>
+            </a:lnRef>
+            <a:fillRef idx="0">
+              <a:schemeClr val="accent1"/>
+            </a:fillRef>
+            <a:effectRef idx="1">
+              <a:schemeClr val="accent1"/>
+            </a:effectRef>
+            <a:fontRef idx="minor">
+              <a:schemeClr val="tx1"/>
+            </a:fontRef>
+          </p:style>
+        </p:cxnSp>
+        <p:sp>
+          <p:nvSpPr>
+            <p:cNvPr id="10" name="Freeform 9"/>
+            <p:cNvSpPr/>
+            <p:nvPr/>
+          </p:nvSpPr>
+          <p:spPr>
+            <a:xfrm>
+              <a:off x="6891896" y="1"/>
+              <a:ext cx="2269442" cy="6866466"/>
+            </a:xfrm>
+            <a:custGeom>
+              <a:avLst/>
+              <a:gdLst/>
+              <a:ahLst/>
+              <a:cxnLst/>
+              <a:rect l="l" t="t" r="r" b="b"/>
+              <a:pathLst>
+                <a:path w="2269442" h="6866466">
+                  <a:moveTo>
+                    <a:pt x="2023534" y="0"/>
+                  </a:moveTo>
+                  <a:lnTo>
+                    <a:pt x="0" y="6858000"/>
+                  </a:lnTo>
+                  <a:lnTo>
+                    <a:pt x="2269067" y="6866466"/>
+                  </a:lnTo>
+                  <a:cubicBezTo>
+                    <a:pt x="2271889" y="4580466"/>
+                    <a:pt x="2257778" y="2294466"/>
+                    <a:pt x="2260600" y="8466"/>
+                  </a:cubicBezTo>
+                  <a:lnTo>
+                    <a:pt x="2023534" y="0"/>
+                  </a:lnTo>
+                  <a:close/>
+                </a:path>
+              </a:pathLst>
+            </a:custGeom>
+            <a:solidFill>
+              <a:schemeClr val="accent1">
+                <a:alpha val="30000"/>
+              </a:schemeClr>
+            </a:solidFill>
+            <a:ln>
+              <a:noFill/>
+            </a:ln>
+            <a:effectLst/>
+          </p:spPr>
+          <p:style>
+            <a:lnRef idx="1">
+              <a:schemeClr val="accent1"/>
+            </a:lnRef>
+            <a:fillRef idx="3">
+              <a:schemeClr val="accent1"/>
+            </a:fillRef>
+            <a:effectRef idx="2">
+              <a:schemeClr val="accent1"/>
+            </a:effectRef>
+            <a:fontRef idx="minor">
+              <a:schemeClr val="lt1"/>
+            </a:fontRef>
+          </p:style>
+        </p:sp>
+        <p:sp>
+          <p:nvSpPr>
+            <p:cNvPr id="11" name="Freeform 10"/>
+            <p:cNvSpPr/>
+            <p:nvPr/>
+          </p:nvSpPr>
+          <p:spPr>
+            <a:xfrm>
+              <a:off x="7205158" y="-8467"/>
+              <a:ext cx="1948147" cy="6866467"/>
+            </a:xfrm>
+            <a:custGeom>
+              <a:avLst/>
+              <a:gdLst/>
+              <a:ahLst/>
+              <a:cxnLst/>
+              <a:rect l="l" t="t" r="r" b="b"/>
+              <a:pathLst>
+                <a:path w="1948147" h="6866467">
+                  <a:moveTo>
+                    <a:pt x="0" y="0"/>
+                  </a:moveTo>
+                  <a:lnTo>
+                    <a:pt x="1202267" y="6866467"/>
+                  </a:lnTo>
+                  <a:lnTo>
+                    <a:pt x="1947333" y="6866467"/>
+                  </a:lnTo>
+                  <a:cubicBezTo>
+                    <a:pt x="1944511" y="4577645"/>
+                    <a:pt x="1950155" y="2288822"/>
+                    <a:pt x="1947333" y="0"/>
+                  </a:cubicBezTo>
+                  <a:lnTo>
+                    <a:pt x="0" y="0"/>
+                  </a:lnTo>
+                  <a:close/>
+                </a:path>
+              </a:pathLst>
+            </a:custGeom>
+            <a:solidFill>
+              <a:schemeClr val="accent1">
+                <a:alpha val="20000"/>
+              </a:schemeClr>
+            </a:solidFill>
+            <a:ln>
+              <a:noFill/>
+            </a:ln>
+            <a:effectLst/>
+          </p:spPr>
+          <p:style>
+            <a:lnRef idx="1">
+              <a:schemeClr val="accent1"/>
+            </a:lnRef>
+            <a:fillRef idx="3">
+              <a:schemeClr val="accent1"/>
+            </a:fillRef>
+            <a:effectRef idx="2">
+              <a:schemeClr val="accent1"/>
+            </a:effectRef>
+            <a:fontRef idx="minor">
+              <a:schemeClr val="lt1"/>
+            </a:fontRef>
+          </p:style>
+        </p:sp>
+        <p:sp>
+          <p:nvSpPr>
+            <p:cNvPr id="12" name="Freeform 11"/>
+            <p:cNvSpPr/>
+            <p:nvPr/>
+          </p:nvSpPr>
+          <p:spPr>
+            <a:xfrm>
+              <a:off x="6637896" y="3920066"/>
+              <a:ext cx="2513565" cy="2937933"/>
+            </a:xfrm>
+            <a:custGeom>
+              <a:avLst/>
+              <a:gdLst/>
+              <a:ahLst/>
+              <a:cxnLst/>
+              <a:rect l="l" t="t" r="r" b="b"/>
+              <a:pathLst>
+                <a:path w="3259667" h="3810000">
+                  <a:moveTo>
+                    <a:pt x="0" y="3810000"/>
+                  </a:moveTo>
+                  <a:lnTo>
+                    <a:pt x="3251200" y="0"/>
+                  </a:lnTo>
+                  <a:cubicBezTo>
+                    <a:pt x="3254022" y="1270000"/>
+                    <a:pt x="3256845" y="2540000"/>
+                    <a:pt x="3259667" y="3810000"/>
+                  </a:cubicBezTo>
+                  <a:lnTo>
+                    <a:pt x="0" y="3810000"/>
+                  </a:lnTo>
+                  <a:close/>
+                </a:path>
+              </a:pathLst>
+            </a:custGeom>
+            <a:solidFill>
+              <a:schemeClr val="accent2">
+                <a:alpha val="72000"/>
+              </a:schemeClr>
+            </a:solidFill>
+            <a:ln>
+              <a:noFill/>
+            </a:ln>
+            <a:effectLst/>
+          </p:spPr>
+          <p:style>
+            <a:lnRef idx="1">
+              <a:schemeClr val="accent1"/>
+            </a:lnRef>
+            <a:fillRef idx="3">
+              <a:schemeClr val="accent1"/>
+            </a:fillRef>
+            <a:effectRef idx="2">
+              <a:schemeClr val="accent1"/>
+            </a:effectRef>
+            <a:fontRef idx="minor">
+              <a:schemeClr val="lt1"/>
+            </a:fontRef>
+          </p:style>
+        </p:sp>
+        <p:sp>
+          <p:nvSpPr>
+            <p:cNvPr id="13" name="Freeform 12"/>
+            <p:cNvSpPr/>
+            <p:nvPr/>
+          </p:nvSpPr>
+          <p:spPr>
+            <a:xfrm>
+              <a:off x="7010429" y="-8467"/>
+              <a:ext cx="2142876" cy="6866467"/>
+            </a:xfrm>
+            <a:custGeom>
+              <a:avLst/>
+              <a:gdLst/>
+              <a:ahLst/>
+              <a:cxnLst/>
+              <a:rect l="l" t="t" r="r" b="b"/>
+              <a:pathLst>
+                <a:path w="2853267" h="6866467">
+                  <a:moveTo>
+                    <a:pt x="0" y="0"/>
+                  </a:moveTo>
+                  <a:lnTo>
+                    <a:pt x="2472267" y="6866467"/>
+                  </a:lnTo>
+                  <a:lnTo>
+                    <a:pt x="2853267" y="6858000"/>
+                  </a:lnTo>
+                  <a:lnTo>
+                    <a:pt x="2853267" y="0"/>
+                  </a:lnTo>
+                  <a:lnTo>
+                    <a:pt x="0" y="0"/>
+                  </a:lnTo>
+                  <a:close/>
+                </a:path>
+              </a:pathLst>
+            </a:custGeom>
+            <a:solidFill>
+              <a:schemeClr val="accent2">
+                <a:lumMod val="75000"/>
+                <a:alpha val="70000"/>
+              </a:schemeClr>
+            </a:solidFill>
+            <a:ln>
+              <a:noFill/>
+            </a:ln>
+            <a:effectLst/>
+          </p:spPr>
+          <p:style>
+            <a:lnRef idx="1">
+              <a:schemeClr val="accent1"/>
+            </a:lnRef>
+            <a:fillRef idx="3">
+              <a:schemeClr val="accent1"/>
+            </a:fillRef>
+            <a:effectRef idx="2">
+              <a:schemeClr val="accent1"/>
+            </a:effectRef>
+            <a:fontRef idx="minor">
+              <a:schemeClr val="lt1"/>
+            </a:fontRef>
+          </p:style>
+        </p:sp>
+        <p:sp>
+          <p:nvSpPr>
+            <p:cNvPr id="14" name="Freeform 13"/>
+            <p:cNvSpPr/>
+            <p:nvPr/>
+          </p:nvSpPr>
+          <p:spPr>
+            <a:xfrm>
+              <a:off x="8295776" y="-8467"/>
+              <a:ext cx="857530" cy="6866467"/>
+            </a:xfrm>
+            <a:custGeom>
+              <a:avLst/>
+              <a:gdLst/>
+              <a:ahLst/>
+              <a:cxnLst/>
+              <a:rect l="l" t="t" r="r" b="b"/>
+              <a:pathLst>
+                <a:path w="1286933" h="6866467">
+                  <a:moveTo>
+                    <a:pt x="1016000" y="0"/>
+                  </a:moveTo>
+                  <a:lnTo>
+                    <a:pt x="0" y="6866467"/>
+                  </a:lnTo>
+                  <a:lnTo>
+                    <a:pt x="1286933" y="6866467"/>
+                  </a:lnTo>
+                  <a:cubicBezTo>
+                    <a:pt x="1284111" y="4577645"/>
+                    <a:pt x="1281288" y="2288822"/>
+                    <a:pt x="1278466" y="0"/>
+                  </a:cubicBezTo>
+                  <a:lnTo>
+                    <a:pt x="1016000" y="0"/>
+                  </a:lnTo>
+                  <a:close/>
+                </a:path>
+              </a:pathLst>
+            </a:custGeom>
+            <a:solidFill>
+              <a:schemeClr val="accent1">
+                <a:lumMod val="60000"/>
+                <a:lumOff val="40000"/>
+                <a:alpha val="70000"/>
+              </a:schemeClr>
+            </a:solidFill>
+            <a:ln>
+              <a:noFill/>
+            </a:ln>
+            <a:effectLst/>
+          </p:spPr>
+          <p:style>
+            <a:lnRef idx="1">
+              <a:schemeClr val="accent1"/>
+            </a:lnRef>
+            <a:fillRef idx="3">
+              <a:schemeClr val="accent1"/>
+            </a:fillRef>
+            <a:effectRef idx="2">
+              <a:schemeClr val="accent1"/>
+            </a:effectRef>
+            <a:fontRef idx="minor">
+              <a:schemeClr val="lt1"/>
+            </a:fontRef>
+          </p:style>
+        </p:sp>
+        <p:sp>
+          <p:nvSpPr>
+            <p:cNvPr id="15" name="Freeform 14"/>
+            <p:cNvSpPr/>
+            <p:nvPr/>
+          </p:nvSpPr>
+          <p:spPr>
+            <a:xfrm>
+              <a:off x="8077231" y="-8468"/>
+              <a:ext cx="1066770" cy="6866467"/>
+            </a:xfrm>
+            <a:custGeom>
+              <a:avLst/>
+              <a:gdLst/>
+              <a:ahLst/>
+              <a:cxnLst/>
+              <a:rect l="l" t="t" r="r" b="b"/>
+              <a:pathLst>
+                <a:path w="1270244" h="6866467">
+                  <a:moveTo>
+                    <a:pt x="0" y="0"/>
+                  </a:moveTo>
+                  <a:lnTo>
+                    <a:pt x="1117600" y="6866467"/>
+                  </a:lnTo>
+                  <a:lnTo>
+                    <a:pt x="1270000" y="6866467"/>
+                  </a:lnTo>
+                  <a:cubicBezTo>
+                    <a:pt x="1272822" y="4574822"/>
+                    <a:pt x="1250245" y="2291645"/>
+                    <a:pt x="1253067" y="0"/>
+                  </a:cubicBezTo>
+                  <a:lnTo>
+                    <a:pt x="0" y="0"/>
+                  </a:lnTo>
+                  <a:close/>
+                </a:path>
+              </a:pathLst>
+            </a:custGeom>
+            <a:solidFill>
+              <a:schemeClr val="accent1">
+                <a:alpha val="65000"/>
+              </a:schemeClr>
+            </a:solidFill>
+            <a:ln>
+              <a:noFill/>
+            </a:ln>
+            <a:effectLst/>
+          </p:spPr>
+          <p:style>
+            <a:lnRef idx="1">
+              <a:schemeClr val="accent1"/>
+            </a:lnRef>
+            <a:fillRef idx="3">
+              <a:schemeClr val="accent1"/>
+            </a:fillRef>
+            <a:effectRef idx="2">
+              <a:schemeClr val="accent1"/>
+            </a:effectRef>
+            <a:fontRef idx="minor">
+              <a:schemeClr val="lt1"/>
+            </a:fontRef>
+          </p:style>
+        </p:sp>
+        <p:sp>
+          <p:nvSpPr>
+            <p:cNvPr id="16" name="Freeform 15"/>
+            <p:cNvSpPr/>
+            <p:nvPr/>
+          </p:nvSpPr>
+          <p:spPr>
+            <a:xfrm>
+              <a:off x="8060297" y="4893733"/>
+              <a:ext cx="1094086" cy="1964267"/>
+            </a:xfrm>
+            <a:custGeom>
+              <a:avLst/>
+              <a:gdLst/>
+              <a:ahLst/>
+              <a:cxnLst/>
+              <a:rect l="l" t="t" r="r" b="b"/>
+              <a:pathLst>
+                <a:path w="1820333" h="3268133">
+                  <a:moveTo>
+                    <a:pt x="0" y="3268133"/>
+                  </a:moveTo>
+                  <a:lnTo>
+                    <a:pt x="1811866" y="0"/>
+                  </a:lnTo>
+                  <a:cubicBezTo>
+                    <a:pt x="1814688" y="1086555"/>
+                    <a:pt x="1817511" y="2173111"/>
+                    <a:pt x="1820333" y="3259666"/>
+                  </a:cubicBezTo>
+                  <a:lnTo>
+                    <a:pt x="0" y="3268133"/>
+                  </a:lnTo>
+                  <a:close/>
+                </a:path>
+              </a:pathLst>
+            </a:custGeom>
+            <a:solidFill>
+              <a:schemeClr val="accent1">
+                <a:alpha val="80000"/>
+              </a:schemeClr>
+            </a:solidFill>
+            <a:ln>
+              <a:noFill/>
+            </a:ln>
+            <a:effectLst/>
+          </p:spPr>
+          <p:style>
+            <a:lnRef idx="1">
+              <a:schemeClr val="accent1"/>
+            </a:lnRef>
+            <a:fillRef idx="3">
+              <a:schemeClr val="accent1"/>
+            </a:fillRef>
+            <a:effectRef idx="2">
+              <a:schemeClr val="accent1"/>
+            </a:effectRef>
+            <a:fontRef idx="minor">
+              <a:schemeClr val="lt1"/>
+            </a:fontRef>
+          </p:style>
+        </p:sp>
+      </p:grpSp>
       <p:sp>
         <p:nvSpPr>
           <p:cNvPr id="2" name="Title Placeholder 1"/>
@@ -2605,24 +5413,24 @@
         </p:nvSpPr>
         <p:spPr>
           <a:xfrm>
-            <a:off x="457200" y="274638"/>
-            <a:ext cx="8229600" cy="1143000"/>
+            <a:off x="609599" y="609600"/>
+            <a:ext cx="6347713" cy="1320800"/>
           </a:xfrm>
           <a:prstGeom prst="rect">
             <a:avLst/>
           </a:prstGeom>
         </p:spPr>
         <p:txBody>
-          <a:bodyPr vert="horz" lIns="91440" tIns="45720" rIns="91440" bIns="45720" rtlCol="0" anchor="ctr">
+          <a:bodyPr vert="horz" lIns="91440" tIns="45720" rIns="91440" bIns="45720" rtlCol="0" anchor="t">
             <a:normAutofit/>
           </a:bodyPr>
           <a:lstStyle/>
           <a:p>
             <a:r>
-              <a:rPr lang="en-US" smtClean="0"/>
+              <a:rPr lang="en-US"/>
               <a:t>Click to edit Master title style</a:t>
             </a:r>
-            <a:endParaRPr lang="en-GB"/>
+            <a:endParaRPr lang="en-US" dirty="0"/>
           </a:p>
         </p:txBody>
       </p:sp>
@@ -2638,8 +5446,8 @@
         </p:nvSpPr>
         <p:spPr>
           <a:xfrm>
-            <a:off x="457200" y="1600200"/>
-            <a:ext cx="8229600" cy="4525963"/>
+            <a:off x="609599" y="2160590"/>
+            <a:ext cx="6347714" cy="3880773"/>
           </a:xfrm>
           <a:prstGeom prst="rect">
             <a:avLst/>
@@ -2653,38 +5461,38 @@
           <a:p>
             <a:pPr lvl="0"/>
             <a:r>
-              <a:rPr lang="en-US" smtClean="0"/>
-              <a:t>Click to edit Master text styles</a:t>
+              <a:rPr lang="en-US"/>
+              <a:t>Edit Master text styles</a:t>
             </a:r>
           </a:p>
           <a:p>
             <a:pPr lvl="1"/>
             <a:r>
-              <a:rPr lang="en-US" smtClean="0"/>
+              <a:rPr lang="en-US"/>
               <a:t>Second level</a:t>
             </a:r>
           </a:p>
           <a:p>
             <a:pPr lvl="2"/>
             <a:r>
-              <a:rPr lang="en-US" smtClean="0"/>
+              <a:rPr lang="en-US"/>
               <a:t>Third level</a:t>
             </a:r>
           </a:p>
           <a:p>
             <a:pPr lvl="3"/>
             <a:r>
-              <a:rPr lang="en-US" smtClean="0"/>
+              <a:rPr lang="en-US"/>
               <a:t>Fourth level</a:t>
             </a:r>
           </a:p>
           <a:p>
             <a:pPr lvl="4"/>
             <a:r>
-              <a:rPr lang="en-US" smtClean="0"/>
+              <a:rPr lang="en-US"/>
               <a:t>Fifth level</a:t>
             </a:r>
-            <a:endParaRPr lang="en-GB"/>
+            <a:endParaRPr lang="en-US" dirty="0"/>
           </a:p>
         </p:txBody>
       </p:sp>
@@ -2700,8 +5508,8 @@
         </p:nvSpPr>
         <p:spPr>
           <a:xfrm>
-            <a:off x="457200" y="6356350"/>
-            <a:ext cx="2133600" cy="365125"/>
+            <a:off x="5405258" y="6041363"/>
+            <a:ext cx="684132" cy="365125"/>
           </a:xfrm>
           <a:prstGeom prst="rect">
             <a:avLst/>
@@ -2710,8 +5518,8 @@
         <p:txBody>
           <a:bodyPr vert="horz" lIns="91440" tIns="45720" rIns="91440" bIns="45720" rtlCol="0" anchor="ctr"/>
           <a:lstStyle>
-            <a:lvl1pPr algn="l">
-              <a:defRPr sz="1200">
+            <a:lvl1pPr algn="r">
+              <a:defRPr sz="900">
                 <a:solidFill>
                   <a:schemeClr val="tx1">
                     <a:tint val="75000"/>
@@ -2723,7 +5531,7 @@
           <a:p>
             <a:fld id="{69470609-49CB-42C8-82F9-8C98723F7026}" type="datetimeFigureOut">
               <a:rPr lang="en-GB" smtClean="0"/>
-              <a:t>16/03/2016</a:t>
+              <a:t>17/03/2016</a:t>
             </a:fld>
             <a:endParaRPr lang="en-GB"/>
           </a:p>
@@ -2741,8 +5549,8 @@
         </p:nvSpPr>
         <p:spPr>
           <a:xfrm>
-            <a:off x="3124200" y="6356350"/>
-            <a:ext cx="2895600" cy="365125"/>
+            <a:off x="609599" y="6041363"/>
+            <a:ext cx="4622973" cy="365125"/>
           </a:xfrm>
           <a:prstGeom prst="rect">
             <a:avLst/>
@@ -2751,8 +5559,8 @@
         <p:txBody>
           <a:bodyPr vert="horz" lIns="91440" tIns="45720" rIns="91440" bIns="45720" rtlCol="0" anchor="ctr"/>
           <a:lstStyle>
-            <a:lvl1pPr algn="ctr">
-              <a:defRPr sz="1200">
+            <a:lvl1pPr algn="l">
+              <a:defRPr sz="900">
                 <a:solidFill>
                   <a:schemeClr val="tx1">
                     <a:tint val="75000"/>
@@ -2778,8 +5586,8 @@
         </p:nvSpPr>
         <p:spPr>
           <a:xfrm>
-            <a:off x="6553200" y="6356350"/>
-            <a:ext cx="2133600" cy="365125"/>
+            <a:off x="6444676" y="6041363"/>
+            <a:ext cx="512638" cy="365125"/>
           </a:xfrm>
           <a:prstGeom prst="rect">
             <a:avLst/>
@@ -2789,11 +5597,9 @@
           <a:bodyPr vert="horz" lIns="91440" tIns="45720" rIns="91440" bIns="45720" rtlCol="0" anchor="ctr"/>
           <a:lstStyle>
             <a:lvl1pPr algn="r">
-              <a:defRPr sz="1200">
-                <a:solidFill>
-                  <a:schemeClr val="tx1">
-                    <a:tint val="75000"/>
-                  </a:schemeClr>
+              <a:defRPr sz="900">
+                <a:solidFill>
+                  <a:schemeClr val="accent1"/>
                 </a:solidFill>
               </a:defRPr>
             </a:lvl1pPr>
@@ -2810,171 +5616,322 @@
     </p:spTree>
     <p:extLst>
       <p:ext uri="{BB962C8B-B14F-4D97-AF65-F5344CB8AC3E}">
-        <p14:creationId xmlns:p14="http://schemas.microsoft.com/office/powerpoint/2010/main" val="1787360054"/>
+        <p14:creationId xmlns:p14="http://schemas.microsoft.com/office/powerpoint/2010/main" val="1990819772"/>
       </p:ext>
     </p:extLst>
   </p:cSld>
   <p:clrMap bg1="lt1" tx1="dk1" bg2="lt2" tx2="dk2" accent1="accent1" accent2="accent2" accent3="accent3" accent4="accent4" accent5="accent5" accent6="accent6" hlink="hlink" folHlink="folHlink"/>
   <p:sldLayoutIdLst>
-    <p:sldLayoutId id="2147483649" r:id="rId1"/>
-    <p:sldLayoutId id="2147483650" r:id="rId2"/>
-    <p:sldLayoutId id="2147483651" r:id="rId3"/>
-    <p:sldLayoutId id="2147483652" r:id="rId4"/>
-    <p:sldLayoutId id="2147483653" r:id="rId5"/>
-    <p:sldLayoutId id="2147483654" r:id="rId6"/>
-    <p:sldLayoutId id="2147483655" r:id="rId7"/>
-    <p:sldLayoutId id="2147483656" r:id="rId8"/>
-    <p:sldLayoutId id="2147483657" r:id="rId9"/>
-    <p:sldLayoutId id="2147483658" r:id="rId10"/>
-    <p:sldLayoutId id="2147483659" r:id="rId11"/>
+    <p:sldLayoutId id="2147483678" r:id="rId1"/>
+    <p:sldLayoutId id="2147483679" r:id="rId2"/>
+    <p:sldLayoutId id="2147483680" r:id="rId3"/>
+    <p:sldLayoutId id="2147483681" r:id="rId4"/>
+    <p:sldLayoutId id="2147483682" r:id="rId5"/>
+    <p:sldLayoutId id="2147483683" r:id="rId6"/>
+    <p:sldLayoutId id="2147483684" r:id="rId7"/>
+    <p:sldLayoutId id="2147483685" r:id="rId8"/>
+    <p:sldLayoutId id="2147483686" r:id="rId9"/>
+    <p:sldLayoutId id="2147483687" r:id="rId10"/>
+    <p:sldLayoutId id="2147483688" r:id="rId11"/>
+    <p:sldLayoutId id="2147483689" r:id="rId12"/>
+    <p:sldLayoutId id="2147483690" r:id="rId13"/>
+    <p:sldLayoutId id="2147483691" r:id="rId14"/>
+    <p:sldLayoutId id="2147483692" r:id="rId15"/>
+    <p:sldLayoutId id="2147483693" r:id="rId16"/>
   </p:sldLayoutIdLst>
   <p:txStyles>
     <p:titleStyle>
-      <a:lvl1pPr algn="ctr" defTabSz="914400" rtl="0" eaLnBrk="1" latinLnBrk="0" hangingPunct="1">
+      <a:lvl1pPr algn="l" defTabSz="457200" rtl="0" eaLnBrk="1" latinLnBrk="0" hangingPunct="1">
         <a:spcBef>
           <a:spcPct val="0"/>
         </a:spcBef>
         <a:buNone/>
-        <a:defRPr sz="4400" kern="1200">
+        <a:defRPr sz="3600" kern="1200">
           <a:solidFill>
-            <a:schemeClr val="tx1"/>
+            <a:schemeClr val="accent1"/>
           </a:solidFill>
           <a:latin typeface="+mj-lt"/>
           <a:ea typeface="+mj-ea"/>
           <a:cs typeface="+mj-cs"/>
         </a:defRPr>
       </a:lvl1pPr>
+      <a:lvl2pPr eaLnBrk="1" hangingPunct="1">
+        <a:defRPr>
+          <a:solidFill>
+            <a:schemeClr val="tx2"/>
+          </a:solidFill>
+        </a:defRPr>
+      </a:lvl2pPr>
+      <a:lvl3pPr eaLnBrk="1" hangingPunct="1">
+        <a:defRPr>
+          <a:solidFill>
+            <a:schemeClr val="tx2"/>
+          </a:solidFill>
+        </a:defRPr>
+      </a:lvl3pPr>
+      <a:lvl4pPr eaLnBrk="1" hangingPunct="1">
+        <a:defRPr>
+          <a:solidFill>
+            <a:schemeClr val="tx2"/>
+          </a:solidFill>
+        </a:defRPr>
+      </a:lvl4pPr>
+      <a:lvl5pPr eaLnBrk="1" hangingPunct="1">
+        <a:defRPr>
+          <a:solidFill>
+            <a:schemeClr val="tx2"/>
+          </a:solidFill>
+        </a:defRPr>
+      </a:lvl5pPr>
+      <a:lvl6pPr eaLnBrk="1" hangingPunct="1">
+        <a:defRPr>
+          <a:solidFill>
+            <a:schemeClr val="tx2"/>
+          </a:solidFill>
+        </a:defRPr>
+      </a:lvl6pPr>
+      <a:lvl7pPr eaLnBrk="1" hangingPunct="1">
+        <a:defRPr>
+          <a:solidFill>
+            <a:schemeClr val="tx2"/>
+          </a:solidFill>
+        </a:defRPr>
+      </a:lvl7pPr>
+      <a:lvl8pPr eaLnBrk="1" hangingPunct="1">
+        <a:defRPr>
+          <a:solidFill>
+            <a:schemeClr val="tx2"/>
+          </a:solidFill>
+        </a:defRPr>
+      </a:lvl8pPr>
+      <a:lvl9pPr eaLnBrk="1" hangingPunct="1">
+        <a:defRPr>
+          <a:solidFill>
+            <a:schemeClr val="tx2"/>
+          </a:solidFill>
+        </a:defRPr>
+      </a:lvl9pPr>
     </p:titleStyle>
     <p:bodyStyle>
-      <a:lvl1pPr marL="342900" indent="-342900" algn="l" defTabSz="914400" rtl="0" eaLnBrk="1" latinLnBrk="0" hangingPunct="1">
+      <a:lvl1pPr marL="342900" indent="-342900" algn="l" defTabSz="457200" rtl="0" eaLnBrk="1" latinLnBrk="0" hangingPunct="1">
         <a:spcBef>
-          <a:spcPct val="20000"/>
+          <a:spcPts val="1000"/>
         </a:spcBef>
-        <a:buFont typeface="Arial" pitchFamily="34" charset="0"/>
-        <a:buChar char="•"/>
-        <a:defRPr sz="3200" kern="1200">
+        <a:spcAft>
+          <a:spcPts val="0"/>
+        </a:spcAft>
+        <a:buClr>
+          <a:schemeClr val="accent1"/>
+        </a:buClr>
+        <a:buSzPct val="80000"/>
+        <a:buFont typeface="Wingdings 3" charset="2"/>
+        <a:buChar char=""/>
+        <a:defRPr sz="1800" kern="1200">
           <a:solidFill>
-            <a:schemeClr val="tx1"/>
+            <a:schemeClr val="tx1">
+              <a:lumMod val="75000"/>
+              <a:lumOff val="25000"/>
+            </a:schemeClr>
           </a:solidFill>
           <a:latin typeface="+mn-lt"/>
           <a:ea typeface="+mn-ea"/>
           <a:cs typeface="+mn-cs"/>
         </a:defRPr>
       </a:lvl1pPr>
-      <a:lvl2pPr marL="742950" indent="-285750" algn="l" defTabSz="914400" rtl="0" eaLnBrk="1" latinLnBrk="0" hangingPunct="1">
+      <a:lvl2pPr marL="742950" indent="-285750" algn="l" defTabSz="457200" rtl="0" eaLnBrk="1" latinLnBrk="0" hangingPunct="1">
         <a:spcBef>
-          <a:spcPct val="20000"/>
+          <a:spcPts val="1000"/>
         </a:spcBef>
-        <a:buFont typeface="Arial" pitchFamily="34" charset="0"/>
-        <a:buChar char="–"/>
-        <a:defRPr sz="2800" kern="1200">
+        <a:spcAft>
+          <a:spcPts val="0"/>
+        </a:spcAft>
+        <a:buClr>
+          <a:schemeClr val="accent1"/>
+        </a:buClr>
+        <a:buSzPct val="80000"/>
+        <a:buFont typeface="Wingdings 3" charset="2"/>
+        <a:buChar char=""/>
+        <a:defRPr sz="1600" kern="1200">
           <a:solidFill>
-            <a:schemeClr val="tx1"/>
+            <a:schemeClr val="tx1">
+              <a:lumMod val="75000"/>
+              <a:lumOff val="25000"/>
+            </a:schemeClr>
           </a:solidFill>
           <a:latin typeface="+mn-lt"/>
           <a:ea typeface="+mn-ea"/>
           <a:cs typeface="+mn-cs"/>
         </a:defRPr>
       </a:lvl2pPr>
-      <a:lvl3pPr marL="1143000" indent="-228600" algn="l" defTabSz="914400" rtl="0" eaLnBrk="1" latinLnBrk="0" hangingPunct="1">
+      <a:lvl3pPr marL="1143000" indent="-228600" algn="l" defTabSz="457200" rtl="0" eaLnBrk="1" latinLnBrk="0" hangingPunct="1">
         <a:spcBef>
-          <a:spcPct val="20000"/>
+          <a:spcPts val="1000"/>
         </a:spcBef>
-        <a:buFont typeface="Arial" pitchFamily="34" charset="0"/>
-        <a:buChar char="•"/>
-        <a:defRPr sz="2400" kern="1200">
+        <a:spcAft>
+          <a:spcPts val="0"/>
+        </a:spcAft>
+        <a:buClr>
+          <a:schemeClr val="accent1"/>
+        </a:buClr>
+        <a:buSzPct val="80000"/>
+        <a:buFont typeface="Wingdings 3" charset="2"/>
+        <a:buChar char=""/>
+        <a:defRPr sz="1400" kern="1200">
           <a:solidFill>
-            <a:schemeClr val="tx1"/>
+            <a:schemeClr val="tx1">
+              <a:lumMod val="75000"/>
+              <a:lumOff val="25000"/>
+            </a:schemeClr>
           </a:solidFill>
           <a:latin typeface="+mn-lt"/>
           <a:ea typeface="+mn-ea"/>
           <a:cs typeface="+mn-cs"/>
         </a:defRPr>
       </a:lvl3pPr>
-      <a:lvl4pPr marL="1600200" indent="-228600" algn="l" defTabSz="914400" rtl="0" eaLnBrk="1" latinLnBrk="0" hangingPunct="1">
+      <a:lvl4pPr marL="1600200" indent="-228600" algn="l" defTabSz="457200" rtl="0" eaLnBrk="1" latinLnBrk="0" hangingPunct="1">
         <a:spcBef>
-          <a:spcPct val="20000"/>
+          <a:spcPts val="1000"/>
         </a:spcBef>
-        <a:buFont typeface="Arial" pitchFamily="34" charset="0"/>
-        <a:buChar char="–"/>
-        <a:defRPr sz="2000" kern="1200">
+        <a:spcAft>
+          <a:spcPts val="0"/>
+        </a:spcAft>
+        <a:buClr>
+          <a:schemeClr val="accent1"/>
+        </a:buClr>
+        <a:buSzPct val="80000"/>
+        <a:buFont typeface="Wingdings 3" charset="2"/>
+        <a:buChar char=""/>
+        <a:defRPr sz="1200" kern="1200">
           <a:solidFill>
-            <a:schemeClr val="tx1"/>
+            <a:schemeClr val="tx1">
+              <a:lumMod val="75000"/>
+              <a:lumOff val="25000"/>
+            </a:schemeClr>
           </a:solidFill>
           <a:latin typeface="+mn-lt"/>
           <a:ea typeface="+mn-ea"/>
           <a:cs typeface="+mn-cs"/>
         </a:defRPr>
       </a:lvl4pPr>
-      <a:lvl5pPr marL="2057400" indent="-228600" algn="l" defTabSz="914400" rtl="0" eaLnBrk="1" latinLnBrk="0" hangingPunct="1">
+      <a:lvl5pPr marL="2057400" indent="-228600" algn="l" defTabSz="457200" rtl="0" eaLnBrk="1" latinLnBrk="0" hangingPunct="1">
         <a:spcBef>
-          <a:spcPct val="20000"/>
+          <a:spcPts val="1000"/>
         </a:spcBef>
-        <a:buFont typeface="Arial" pitchFamily="34" charset="0"/>
-        <a:buChar char="»"/>
-        <a:defRPr sz="2000" kern="1200">
+        <a:spcAft>
+          <a:spcPts val="0"/>
+        </a:spcAft>
+        <a:buClr>
+          <a:schemeClr val="accent1"/>
+        </a:buClr>
+        <a:buSzPct val="80000"/>
+        <a:buFont typeface="Wingdings 3" charset="2"/>
+        <a:buChar char=""/>
+        <a:defRPr sz="1200" kern="1200">
           <a:solidFill>
-            <a:schemeClr val="tx1"/>
+            <a:schemeClr val="tx1">
+              <a:lumMod val="75000"/>
+              <a:lumOff val="25000"/>
+            </a:schemeClr>
           </a:solidFill>
           <a:latin typeface="+mn-lt"/>
           <a:ea typeface="+mn-ea"/>
           <a:cs typeface="+mn-cs"/>
         </a:defRPr>
       </a:lvl5pPr>
-      <a:lvl6pPr marL="2514600" indent="-228600" algn="l" defTabSz="914400" rtl="0" eaLnBrk="1" latinLnBrk="0" hangingPunct="1">
+      <a:lvl6pPr marL="2514600" indent="-228600" algn="l" defTabSz="457200" rtl="0" eaLnBrk="1" latinLnBrk="0" hangingPunct="1">
         <a:spcBef>
-          <a:spcPct val="20000"/>
+          <a:spcPts val="1000"/>
         </a:spcBef>
-        <a:buFont typeface="Arial" pitchFamily="34" charset="0"/>
-        <a:buChar char="•"/>
-        <a:defRPr sz="2000" kern="1200">
+        <a:spcAft>
+          <a:spcPts val="0"/>
+        </a:spcAft>
+        <a:buClr>
+          <a:schemeClr val="accent1"/>
+        </a:buClr>
+        <a:buSzPct val="80000"/>
+        <a:buFont typeface="Wingdings 3" charset="2"/>
+        <a:buChar char=""/>
+        <a:defRPr sz="1200" kern="1200">
           <a:solidFill>
-            <a:schemeClr val="tx1"/>
+            <a:schemeClr val="tx1">
+              <a:lumMod val="75000"/>
+              <a:lumOff val="25000"/>
+            </a:schemeClr>
           </a:solidFill>
           <a:latin typeface="+mn-lt"/>
           <a:ea typeface="+mn-ea"/>
           <a:cs typeface="+mn-cs"/>
         </a:defRPr>
       </a:lvl6pPr>
-      <a:lvl7pPr marL="2971800" indent="-228600" algn="l" defTabSz="914400" rtl="0" eaLnBrk="1" latinLnBrk="0" hangingPunct="1">
+      <a:lvl7pPr marL="2971800" indent="-228600" algn="l" defTabSz="457200" rtl="0" eaLnBrk="1" latinLnBrk="0" hangingPunct="1">
         <a:spcBef>
-          <a:spcPct val="20000"/>
+          <a:spcPts val="1000"/>
         </a:spcBef>
-        <a:buFont typeface="Arial" pitchFamily="34" charset="0"/>
-        <a:buChar char="•"/>
-        <a:defRPr sz="2000" kern="1200">
+        <a:spcAft>
+          <a:spcPts val="0"/>
+        </a:spcAft>
+        <a:buClr>
+          <a:schemeClr val="accent1"/>
+        </a:buClr>
+        <a:buSzPct val="80000"/>
+        <a:buFont typeface="Wingdings 3" charset="2"/>
+        <a:buChar char=""/>
+        <a:defRPr sz="1200" kern="1200">
           <a:solidFill>
-            <a:schemeClr val="tx1"/>
+            <a:schemeClr val="tx1">
+              <a:lumMod val="75000"/>
+              <a:lumOff val="25000"/>
+            </a:schemeClr>
           </a:solidFill>
           <a:latin typeface="+mn-lt"/>
           <a:ea typeface="+mn-ea"/>
           <a:cs typeface="+mn-cs"/>
         </a:defRPr>
       </a:lvl7pPr>
-      <a:lvl8pPr marL="3429000" indent="-228600" algn="l" defTabSz="914400" rtl="0" eaLnBrk="1" latinLnBrk="0" hangingPunct="1">
+      <a:lvl8pPr marL="3429000" indent="-228600" algn="l" defTabSz="457200" rtl="0" eaLnBrk="1" latinLnBrk="0" hangingPunct="1">
         <a:spcBef>
-          <a:spcPct val="20000"/>
+          <a:spcPts val="1000"/>
         </a:spcBef>
-        <a:buFont typeface="Arial" pitchFamily="34" charset="0"/>
-        <a:buChar char="•"/>
-        <a:defRPr sz="2000" kern="1200">
+        <a:spcAft>
+          <a:spcPts val="0"/>
+        </a:spcAft>
+        <a:buClr>
+          <a:schemeClr val="accent1"/>
+        </a:buClr>
+        <a:buSzPct val="80000"/>
+        <a:buFont typeface="Wingdings 3" charset="2"/>
+        <a:buChar char=""/>
+        <a:defRPr sz="1200" kern="1200">
           <a:solidFill>
-            <a:schemeClr val="tx1"/>
+            <a:schemeClr val="tx1">
+              <a:lumMod val="75000"/>
+              <a:lumOff val="25000"/>
+            </a:schemeClr>
           </a:solidFill>
           <a:latin typeface="+mn-lt"/>
           <a:ea typeface="+mn-ea"/>
           <a:cs typeface="+mn-cs"/>
         </a:defRPr>
       </a:lvl8pPr>
-      <a:lvl9pPr marL="3886200" indent="-228600" algn="l" defTabSz="914400" rtl="0" eaLnBrk="1" latinLnBrk="0" hangingPunct="1">
+      <a:lvl9pPr marL="3886200" indent="-228600" algn="l" defTabSz="457200" rtl="0" eaLnBrk="1" latinLnBrk="0" hangingPunct="1">
         <a:spcBef>
-          <a:spcPct val="20000"/>
+          <a:spcPts val="1000"/>
         </a:spcBef>
-        <a:buFont typeface="Arial" pitchFamily="34" charset="0"/>
-        <a:buChar char="•"/>
-        <a:defRPr sz="2000" kern="1200">
+        <a:spcAft>
+          <a:spcPts val="0"/>
+        </a:spcAft>
+        <a:buClr>
+          <a:schemeClr val="accent1"/>
+        </a:buClr>
+        <a:buSzPct val="80000"/>
+        <a:buFont typeface="Wingdings 3" charset="2"/>
+        <a:buChar char=""/>
+        <a:defRPr sz="1200" kern="1200">
           <a:solidFill>
-            <a:schemeClr val="tx1"/>
+            <a:schemeClr val="tx1">
+              <a:lumMod val="75000"/>
+              <a:lumOff val="25000"/>
+            </a:schemeClr>
           </a:solidFill>
           <a:latin typeface="+mn-lt"/>
           <a:ea typeface="+mn-ea"/>
@@ -2986,7 +5943,7 @@
       <a:defPPr>
         <a:defRPr lang="en-US"/>
       </a:defPPr>
-      <a:lvl1pPr marL="0" algn="l" defTabSz="914400" rtl="0" eaLnBrk="1" latinLnBrk="0" hangingPunct="1">
+      <a:lvl1pPr marL="0" algn="l" defTabSz="457200" rtl="0" eaLnBrk="1" latinLnBrk="0" hangingPunct="1">
         <a:defRPr sz="1800" kern="1200">
           <a:solidFill>
             <a:schemeClr val="tx1"/>
@@ -2996,7 +5953,7 @@
           <a:cs typeface="+mn-cs"/>
         </a:defRPr>
       </a:lvl1pPr>
-      <a:lvl2pPr marL="457200" algn="l" defTabSz="914400" rtl="0" eaLnBrk="1" latinLnBrk="0" hangingPunct="1">
+      <a:lvl2pPr marL="457200" algn="l" defTabSz="457200" rtl="0" eaLnBrk="1" latinLnBrk="0" hangingPunct="1">
         <a:defRPr sz="1800" kern="1200">
           <a:solidFill>
             <a:schemeClr val="tx1"/>
@@ -3006,7 +5963,7 @@
           <a:cs typeface="+mn-cs"/>
         </a:defRPr>
       </a:lvl2pPr>
-      <a:lvl3pPr marL="914400" algn="l" defTabSz="914400" rtl="0" eaLnBrk="1" latinLnBrk="0" hangingPunct="1">
+      <a:lvl3pPr marL="914400" algn="l" defTabSz="457200" rtl="0" eaLnBrk="1" latinLnBrk="0" hangingPunct="1">
         <a:defRPr sz="1800" kern="1200">
           <a:solidFill>
             <a:schemeClr val="tx1"/>
@@ -3016,7 +5973,7 @@
           <a:cs typeface="+mn-cs"/>
         </a:defRPr>
       </a:lvl3pPr>
-      <a:lvl4pPr marL="1371600" algn="l" defTabSz="914400" rtl="0" eaLnBrk="1" latinLnBrk="0" hangingPunct="1">
+      <a:lvl4pPr marL="1371600" algn="l" defTabSz="457200" rtl="0" eaLnBrk="1" latinLnBrk="0" hangingPunct="1">
         <a:defRPr sz="1800" kern="1200">
           <a:solidFill>
             <a:schemeClr val="tx1"/>
@@ -3026,7 +5983,7 @@
           <a:cs typeface="+mn-cs"/>
         </a:defRPr>
       </a:lvl4pPr>
-      <a:lvl5pPr marL="1828800" algn="l" defTabSz="914400" rtl="0" eaLnBrk="1" latinLnBrk="0" hangingPunct="1">
+      <a:lvl5pPr marL="1828800" algn="l" defTabSz="457200" rtl="0" eaLnBrk="1" latinLnBrk="0" hangingPunct="1">
         <a:defRPr sz="1800" kern="1200">
           <a:solidFill>
             <a:schemeClr val="tx1"/>
@@ -3036,7 +5993,7 @@
           <a:cs typeface="+mn-cs"/>
         </a:defRPr>
       </a:lvl5pPr>
-      <a:lvl6pPr marL="2286000" algn="l" defTabSz="914400" rtl="0" eaLnBrk="1" latinLnBrk="0" hangingPunct="1">
+      <a:lvl6pPr marL="2286000" algn="l" defTabSz="457200" rtl="0" eaLnBrk="1" latinLnBrk="0" hangingPunct="1">
         <a:defRPr sz="1800" kern="1200">
           <a:solidFill>
             <a:schemeClr val="tx1"/>
@@ -3046,7 +6003,7 @@
           <a:cs typeface="+mn-cs"/>
         </a:defRPr>
       </a:lvl6pPr>
-      <a:lvl7pPr marL="2743200" algn="l" defTabSz="914400" rtl="0" eaLnBrk="1" latinLnBrk="0" hangingPunct="1">
+      <a:lvl7pPr marL="2743200" algn="l" defTabSz="457200" rtl="0" eaLnBrk="1" latinLnBrk="0" hangingPunct="1">
         <a:defRPr sz="1800" kern="1200">
           <a:solidFill>
             <a:schemeClr val="tx1"/>
@@ -3056,7 +6013,7 @@
           <a:cs typeface="+mn-cs"/>
         </a:defRPr>
       </a:lvl7pPr>
-      <a:lvl8pPr marL="3200400" algn="l" defTabSz="914400" rtl="0" eaLnBrk="1" latinLnBrk="0" hangingPunct="1">
+      <a:lvl8pPr marL="3200400" algn="l" defTabSz="457200" rtl="0" eaLnBrk="1" latinLnBrk="0" hangingPunct="1">
         <a:defRPr sz="1800" kern="1200">
           <a:solidFill>
             <a:schemeClr val="tx1"/>
@@ -3066,7 +6023,7 @@
           <a:cs typeface="+mn-cs"/>
         </a:defRPr>
       </a:lvl8pPr>
-      <a:lvl9pPr marL="3657600" algn="l" defTabSz="914400" rtl="0" eaLnBrk="1" latinLnBrk="0" hangingPunct="1">
+      <a:lvl9pPr marL="3657600" algn="l" defTabSz="457200" rtl="0" eaLnBrk="1" latinLnBrk="0" hangingPunct="1">
         <a:defRPr sz="1800" kern="1200">
           <a:solidFill>
             <a:schemeClr val="tx1"/>
@@ -3111,7 +6068,7 @@
         <p:spPr>
           <a:xfrm>
             <a:off x="685800" y="476673"/>
-            <a:ext cx="7772400" cy="1152127"/>
+            <a:ext cx="6262464" cy="1152127"/>
           </a:xfrm>
         </p:spPr>
         <p:txBody>
@@ -3120,11 +6077,12 @@
           </a:bodyPr>
           <a:lstStyle/>
           <a:p>
-            <a:r>
-              <a:rPr lang="en-GB" dirty="0" err="1" smtClean="0"/>
-              <a:t>Afgrænsning</a:t>
-            </a:r>
-            <a:endParaRPr lang="en-GB" dirty="0"/>
+            <a:pPr algn="ctr"/>
+            <a:r>
+              <a:rPr lang="en-GB" sz="3600" dirty="0" err="1"/>
+              <a:t>Introduktion</a:t>
+            </a:r>
+            <a:endParaRPr lang="en-GB" sz="3600" dirty="0"/>
           </a:p>
         </p:txBody>
       </p:sp>
@@ -3152,335 +6110,7 @@
               <a:buFont typeface="Arial" pitchFamily="34" charset="0"/>
               <a:buChar char="•"/>
             </a:pPr>
-            <a:r>
-              <a:rPr lang="en-GB" dirty="0" smtClean="0">
-                <a:solidFill>
-                  <a:schemeClr val="tx1"/>
-                </a:solidFill>
-              </a:rPr>
-              <a:t>Vi </a:t>
-            </a:r>
-            <a:r>
-              <a:rPr lang="en-GB" dirty="0" err="1" smtClean="0">
-                <a:solidFill>
-                  <a:schemeClr val="tx1"/>
-                </a:solidFill>
-              </a:rPr>
-              <a:t>har</a:t>
-            </a:r>
-            <a:r>
-              <a:rPr lang="en-GB" dirty="0" smtClean="0">
-                <a:solidFill>
-                  <a:schemeClr val="tx1"/>
-                </a:solidFill>
-              </a:rPr>
-              <a:t> </a:t>
-            </a:r>
-            <a:r>
-              <a:rPr lang="en-GB" dirty="0" err="1" smtClean="0">
-                <a:solidFill>
-                  <a:schemeClr val="tx1"/>
-                </a:solidFill>
-              </a:rPr>
-              <a:t>valgt</a:t>
-            </a:r>
-            <a:r>
-              <a:rPr lang="en-GB" dirty="0" smtClean="0">
-                <a:solidFill>
-                  <a:schemeClr val="tx1"/>
-                </a:solidFill>
-              </a:rPr>
-              <a:t> at </a:t>
-            </a:r>
-            <a:r>
-              <a:rPr lang="en-GB" dirty="0" err="1" smtClean="0">
-                <a:solidFill>
-                  <a:schemeClr val="tx1"/>
-                </a:solidFill>
-              </a:rPr>
-              <a:t>afgrænse</a:t>
-            </a:r>
-            <a:r>
-              <a:rPr lang="en-GB" dirty="0" smtClean="0">
-                <a:solidFill>
-                  <a:schemeClr val="tx1"/>
-                </a:solidFill>
-              </a:rPr>
-              <a:t> </a:t>
-            </a:r>
-            <a:r>
-              <a:rPr lang="en-GB" dirty="0" err="1" smtClean="0">
-                <a:solidFill>
-                  <a:schemeClr val="tx1"/>
-                </a:solidFill>
-              </a:rPr>
-              <a:t>os</a:t>
-            </a:r>
-            <a:r>
-              <a:rPr lang="en-GB" dirty="0" smtClean="0">
-                <a:solidFill>
-                  <a:schemeClr val="tx1"/>
-                </a:solidFill>
-              </a:rPr>
-              <a:t> </a:t>
-            </a:r>
-            <a:r>
-              <a:rPr lang="en-GB" dirty="0" err="1" smtClean="0">
-                <a:solidFill>
-                  <a:schemeClr val="tx1"/>
-                </a:solidFill>
-              </a:rPr>
-              <a:t>til</a:t>
-            </a:r>
-            <a:r>
-              <a:rPr lang="en-GB" dirty="0" smtClean="0">
-                <a:solidFill>
-                  <a:schemeClr val="tx1"/>
-                </a:solidFill>
-              </a:rPr>
-              <a:t> at lave en </a:t>
-            </a:r>
-            <a:r>
-              <a:rPr lang="en-GB" dirty="0" err="1" smtClean="0">
-                <a:solidFill>
-                  <a:schemeClr val="tx1"/>
-                </a:solidFill>
-              </a:rPr>
-              <a:t>oversigt</a:t>
-            </a:r>
-            <a:r>
-              <a:rPr lang="en-GB" dirty="0" smtClean="0">
-                <a:solidFill>
-                  <a:schemeClr val="tx1"/>
-                </a:solidFill>
-              </a:rPr>
-              <a:t> over </a:t>
-            </a:r>
-            <a:r>
-              <a:rPr lang="en-GB" dirty="0" err="1" smtClean="0">
-                <a:solidFill>
-                  <a:schemeClr val="tx1"/>
-                </a:solidFill>
-              </a:rPr>
-              <a:t>børnene</a:t>
-            </a:r>
-            <a:r>
-              <a:rPr lang="en-GB" dirty="0">
-                <a:solidFill>
-                  <a:schemeClr val="tx1"/>
-                </a:solidFill>
-              </a:rPr>
-              <a:t> </a:t>
-            </a:r>
-            <a:r>
-              <a:rPr lang="en-GB" dirty="0" smtClean="0">
-                <a:solidFill>
-                  <a:schemeClr val="tx1"/>
-                </a:solidFill>
-              </a:rPr>
-              <a:t>med </a:t>
-            </a:r>
-            <a:r>
-              <a:rPr lang="en-GB" dirty="0" err="1" smtClean="0">
-                <a:solidFill>
-                  <a:schemeClr val="tx1"/>
-                </a:solidFill>
-              </a:rPr>
-              <a:t>mulighed</a:t>
-            </a:r>
-            <a:r>
-              <a:rPr lang="en-GB" dirty="0" smtClean="0">
-                <a:solidFill>
-                  <a:schemeClr val="tx1"/>
-                </a:solidFill>
-              </a:rPr>
-              <a:t> for at se </a:t>
-            </a:r>
-            <a:r>
-              <a:rPr lang="en-GB" dirty="0" err="1" smtClean="0">
-                <a:solidFill>
-                  <a:schemeClr val="tx1"/>
-                </a:solidFill>
-              </a:rPr>
-              <a:t>deres</a:t>
-            </a:r>
-            <a:r>
-              <a:rPr lang="en-GB" dirty="0" smtClean="0">
-                <a:solidFill>
-                  <a:schemeClr val="tx1"/>
-                </a:solidFill>
-              </a:rPr>
-              <a:t> </a:t>
-            </a:r>
-            <a:r>
-              <a:rPr lang="en-GB" dirty="0" smtClean="0">
-                <a:solidFill>
-                  <a:schemeClr val="tx1"/>
-                </a:solidFill>
-              </a:rPr>
-              <a:t>information, </a:t>
-            </a:r>
-            <a:r>
-              <a:rPr lang="en-GB" dirty="0" err="1" smtClean="0">
-                <a:solidFill>
-                  <a:schemeClr val="tx1"/>
-                </a:solidFill>
-              </a:rPr>
-              <a:t>og</a:t>
-            </a:r>
-            <a:r>
-              <a:rPr lang="en-GB" dirty="0" smtClean="0">
-                <a:solidFill>
-                  <a:schemeClr val="tx1"/>
-                </a:solidFill>
-              </a:rPr>
-              <a:t> en </a:t>
-            </a:r>
-            <a:r>
-              <a:rPr lang="en-GB" dirty="0" err="1" smtClean="0">
-                <a:solidFill>
-                  <a:schemeClr val="tx1"/>
-                </a:solidFill>
-              </a:rPr>
-              <a:t>venteliste</a:t>
-            </a:r>
-            <a:r>
-              <a:rPr lang="en-GB" dirty="0" smtClean="0">
-                <a:solidFill>
-                  <a:schemeClr val="tx1"/>
-                </a:solidFill>
-              </a:rPr>
-              <a:t> </a:t>
-            </a:r>
-            <a:r>
-              <a:rPr lang="en-GB" dirty="0" err="1" smtClean="0">
-                <a:solidFill>
-                  <a:schemeClr val="tx1"/>
-                </a:solidFill>
-              </a:rPr>
-              <a:t>hvor</a:t>
-            </a:r>
-            <a:r>
-              <a:rPr lang="en-GB" dirty="0" smtClean="0">
-                <a:solidFill>
-                  <a:schemeClr val="tx1"/>
-                </a:solidFill>
-              </a:rPr>
-              <a:t> </a:t>
-            </a:r>
-            <a:r>
-              <a:rPr lang="en-GB" dirty="0" err="1" smtClean="0">
-                <a:solidFill>
-                  <a:schemeClr val="tx1"/>
-                </a:solidFill>
-              </a:rPr>
-              <a:t>det</a:t>
-            </a:r>
-            <a:r>
-              <a:rPr lang="en-GB" dirty="0" smtClean="0">
-                <a:solidFill>
-                  <a:schemeClr val="tx1"/>
-                </a:solidFill>
-              </a:rPr>
-              <a:t> </a:t>
-            </a:r>
-            <a:r>
-              <a:rPr lang="en-GB" dirty="0" err="1" smtClean="0">
-                <a:solidFill>
-                  <a:schemeClr val="tx1"/>
-                </a:solidFill>
-              </a:rPr>
-              <a:t>er</a:t>
-            </a:r>
-            <a:r>
-              <a:rPr lang="en-GB" dirty="0" smtClean="0">
-                <a:solidFill>
-                  <a:schemeClr val="tx1"/>
-                </a:solidFill>
-              </a:rPr>
-              <a:t> </a:t>
-            </a:r>
-            <a:r>
-              <a:rPr lang="en-GB" dirty="0" err="1" smtClean="0">
-                <a:solidFill>
-                  <a:schemeClr val="tx1"/>
-                </a:solidFill>
-              </a:rPr>
-              <a:t>muligt</a:t>
-            </a:r>
-            <a:r>
-              <a:rPr lang="en-GB" dirty="0" smtClean="0">
-                <a:solidFill>
-                  <a:schemeClr val="tx1"/>
-                </a:solidFill>
-              </a:rPr>
-              <a:t> at </a:t>
-            </a:r>
-            <a:r>
-              <a:rPr lang="en-GB" dirty="0" err="1" smtClean="0">
-                <a:solidFill>
-                  <a:schemeClr val="tx1"/>
-                </a:solidFill>
-              </a:rPr>
-              <a:t>tilføje</a:t>
-            </a:r>
-            <a:r>
-              <a:rPr lang="en-GB" dirty="0" smtClean="0">
-                <a:solidFill>
-                  <a:schemeClr val="tx1"/>
-                </a:solidFill>
-              </a:rPr>
-              <a:t> </a:t>
-            </a:r>
-            <a:r>
-              <a:rPr lang="en-GB" dirty="0" err="1" smtClean="0">
-                <a:solidFill>
-                  <a:schemeClr val="tx1"/>
-                </a:solidFill>
-              </a:rPr>
-              <a:t>børn</a:t>
-            </a:r>
-            <a:r>
-              <a:rPr lang="en-GB" dirty="0" smtClean="0">
-                <a:solidFill>
-                  <a:schemeClr val="tx1"/>
-                </a:solidFill>
-              </a:rPr>
-              <a:t> </a:t>
-            </a:r>
-            <a:r>
-              <a:rPr lang="en-GB" dirty="0" err="1" smtClean="0">
-                <a:solidFill>
-                  <a:schemeClr val="tx1"/>
-                </a:solidFill>
-              </a:rPr>
-              <a:t>til</a:t>
-            </a:r>
-            <a:r>
-              <a:rPr lang="en-GB" dirty="0" smtClean="0">
-                <a:solidFill>
-                  <a:schemeClr val="tx1"/>
-                </a:solidFill>
-              </a:rPr>
-              <a:t> </a:t>
-            </a:r>
-            <a:r>
-              <a:rPr lang="en-GB" dirty="0" err="1" smtClean="0">
-                <a:solidFill>
-                  <a:schemeClr val="tx1"/>
-                </a:solidFill>
-              </a:rPr>
-              <a:t>børnehaven</a:t>
-            </a:r>
-            <a:r>
-              <a:rPr lang="en-GB" dirty="0" smtClean="0">
-                <a:solidFill>
-                  <a:schemeClr val="tx1"/>
-                </a:solidFill>
-              </a:rPr>
-              <a:t>.</a:t>
-            </a:r>
-            <a:endParaRPr lang="en-GB" dirty="0" smtClean="0">
+            <a:endParaRPr lang="en-GB" dirty="0">
               <a:solidFill>
                 <a:schemeClr val="tx1"/>
               </a:solidFill>
@@ -3491,25 +6121,44 @@
               <a:buFont typeface="Arial" pitchFamily="34" charset="0"/>
               <a:buChar char="•"/>
             </a:pPr>
-            <a:endParaRPr lang="en-GB" dirty="0" smtClean="0">
+            <a:endParaRPr lang="en-GB" dirty="0">
               <a:solidFill>
                 <a:schemeClr val="tx1"/>
               </a:solidFill>
             </a:endParaRPr>
           </a:p>
-          <a:p>
-            <a:pPr marL="457200" indent="-457200" algn="l">
-              <a:buFont typeface="Arial" pitchFamily="34" charset="0"/>
-              <a:buChar char="•"/>
-            </a:pPr>
-            <a:endParaRPr lang="en-GB" dirty="0" smtClean="0">
-              <a:solidFill>
-                <a:schemeClr val="tx1"/>
-              </a:solidFill>
-            </a:endParaRPr>
-          </a:p>
-        </p:txBody>
-      </p:sp>
+        </p:txBody>
+      </p:sp>
+      <p:pic>
+        <p:nvPicPr>
+          <p:cNvPr id="5" name="Picture 4"/>
+          <p:cNvPicPr>
+            <a:picLocks noChangeAspect="1"/>
+          </p:cNvPicPr>
+          <p:nvPr/>
+        </p:nvPicPr>
+        <p:blipFill>
+          <a:blip r:embed="rId2">
+            <a:extLst>
+              <a:ext uri="{28A0092B-C50C-407E-A947-70E740481C1C}">
+                <a14:useLocalDpi xmlns:a14="http://schemas.microsoft.com/office/drawing/2010/main" val="0"/>
+              </a:ext>
+            </a:extLst>
+          </a:blip>
+          <a:stretch>
+            <a:fillRect/>
+          </a:stretch>
+        </p:blipFill>
+        <p:spPr>
+          <a:xfrm>
+            <a:off x="755576" y="1268760"/>
+            <a:ext cx="5722388" cy="5202171"/>
+          </a:xfrm>
+          <a:prstGeom prst="rect">
+            <a:avLst/>
+          </a:prstGeom>
+        </p:spPr>
+      </p:pic>
     </p:spTree>
     <p:extLst>
       <p:ext uri="{BB962C8B-B14F-4D97-AF65-F5344CB8AC3E}">
@@ -3552,22 +6201,12 @@
         </p:nvSpPr>
         <p:spPr/>
         <p:txBody>
-          <a:bodyPr>
-            <a:normAutofit/>
-          </a:bodyPr>
-          <a:lstStyle/>
-          <a:p>
-            <a:r>
-              <a:rPr lang="en-GB" dirty="0" smtClean="0"/>
-              <a:t>Paper-Prototype(1. </a:t>
-            </a:r>
-            <a:r>
-              <a:rPr lang="en-GB" dirty="0" err="1" smtClean="0"/>
-              <a:t>udkast</a:t>
-            </a:r>
-            <a:r>
-              <a:rPr lang="en-GB" dirty="0" smtClean="0"/>
-              <a:t>)</a:t>
+          <a:bodyPr/>
+          <a:lstStyle/>
+          <a:p>
+            <a:r>
+              <a:rPr lang="en-GB" dirty="0" err="1"/>
+              <a:t>Afgrænsning</a:t>
             </a:r>
             <a:endParaRPr lang="en-GB" dirty="0"/>
           </a:p>
@@ -3589,222 +6228,356 @@
           <a:lstStyle/>
           <a:p>
             <a:r>
-              <a:rPr lang="en-GB" dirty="0" smtClean="0"/>
-              <a:t>I </a:t>
-            </a:r>
-            <a:r>
-              <a:rPr lang="en-GB" dirty="0" err="1" smtClean="0"/>
-              <a:t>første</a:t>
-            </a:r>
-            <a:r>
-              <a:rPr lang="en-GB" dirty="0" smtClean="0"/>
+              <a:rPr lang="en-GB" dirty="0">
+                <a:solidFill>
+                  <a:schemeClr val="tx1"/>
+                </a:solidFill>
+              </a:rPr>
+              <a:t>Vi </a:t>
+            </a:r>
+            <a:r>
+              <a:rPr lang="en-GB" dirty="0" err="1">
+                <a:solidFill>
+                  <a:schemeClr val="tx1"/>
+                </a:solidFill>
+              </a:rPr>
+              <a:t>har</a:t>
+            </a:r>
+            <a:r>
+              <a:rPr lang="en-GB" dirty="0">
+                <a:solidFill>
+                  <a:schemeClr val="tx1"/>
+                </a:solidFill>
+              </a:rPr>
               <a:t> </a:t>
             </a:r>
             <a:r>
-              <a:rPr lang="en-GB" dirty="0" err="1" smtClean="0"/>
-              <a:t>udkast</a:t>
-            </a:r>
-            <a:r>
-              <a:rPr lang="en-GB" dirty="0" smtClean="0"/>
+              <a:rPr lang="en-GB" dirty="0" err="1">
+                <a:solidFill>
+                  <a:schemeClr val="tx1"/>
+                </a:solidFill>
+              </a:rPr>
+              <a:t>valgt</a:t>
+            </a:r>
+            <a:r>
+              <a:rPr lang="en-GB" dirty="0">
+                <a:solidFill>
+                  <a:schemeClr val="tx1"/>
+                </a:solidFill>
+              </a:rPr>
+              <a:t> at </a:t>
+            </a:r>
+            <a:r>
+              <a:rPr lang="en-GB" dirty="0" err="1">
+                <a:solidFill>
+                  <a:schemeClr val="tx1"/>
+                </a:solidFill>
+              </a:rPr>
+              <a:t>afgrænse</a:t>
+            </a:r>
+            <a:r>
+              <a:rPr lang="en-GB" dirty="0">
+                <a:solidFill>
+                  <a:schemeClr val="tx1"/>
+                </a:solidFill>
+              </a:rPr>
               <a:t> </a:t>
             </a:r>
             <a:r>
-              <a:rPr lang="en-GB" dirty="0" err="1" smtClean="0"/>
-              <a:t>af</a:t>
-            </a:r>
-            <a:r>
-              <a:rPr lang="en-GB" dirty="0" smtClean="0"/>
+              <a:rPr lang="en-GB" dirty="0" err="1">
+                <a:solidFill>
+                  <a:schemeClr val="tx1"/>
+                </a:solidFill>
+              </a:rPr>
+              <a:t>os</a:t>
+            </a:r>
+            <a:r>
+              <a:rPr lang="en-GB" dirty="0">
+                <a:solidFill>
+                  <a:schemeClr val="tx1"/>
+                </a:solidFill>
+              </a:rPr>
               <a:t> </a:t>
             </a:r>
             <a:r>
-              <a:rPr lang="en-GB" dirty="0" err="1" smtClean="0"/>
-              <a:t>vores</a:t>
-            </a:r>
-            <a:r>
-              <a:rPr lang="en-GB" dirty="0" smtClean="0"/>
-              <a:t> paper-prototype </a:t>
-            </a:r>
-            <a:r>
-              <a:rPr lang="en-GB" dirty="0" err="1" smtClean="0"/>
-              <a:t>havde</a:t>
-            </a:r>
-            <a:r>
-              <a:rPr lang="en-GB" dirty="0" smtClean="0"/>
-              <a:t> vi </a:t>
-            </a:r>
-            <a:r>
-              <a:rPr lang="en-GB" dirty="0" err="1" smtClean="0"/>
-              <a:t>tilføjet</a:t>
-            </a:r>
-            <a:r>
-              <a:rPr lang="en-GB" dirty="0" smtClean="0"/>
+              <a:rPr lang="en-GB" dirty="0" err="1">
+                <a:solidFill>
+                  <a:schemeClr val="tx1"/>
+                </a:solidFill>
+              </a:rPr>
+              <a:t>til</a:t>
+            </a:r>
+            <a:r>
+              <a:rPr lang="en-GB" dirty="0">
+                <a:solidFill>
+                  <a:schemeClr val="tx1"/>
+                </a:solidFill>
+              </a:rPr>
+              <a:t> at lave </a:t>
+            </a:r>
+            <a:r>
+              <a:rPr lang="en-GB" dirty="0" err="1">
+                <a:solidFill>
+                  <a:schemeClr val="tx1"/>
+                </a:solidFill>
+              </a:rPr>
+              <a:t>en</a:t>
+            </a:r>
+            <a:r>
+              <a:rPr lang="en-GB" dirty="0">
+                <a:solidFill>
+                  <a:schemeClr val="tx1"/>
+                </a:solidFill>
+              </a:rPr>
               <a:t> </a:t>
             </a:r>
             <a:r>
-              <a:rPr lang="en-GB" dirty="0" err="1" smtClean="0"/>
-              <a:t>ventelisten</a:t>
-            </a:r>
-            <a:r>
-              <a:rPr lang="en-GB" dirty="0" smtClean="0"/>
+              <a:rPr lang="en-GB" dirty="0" err="1">
+                <a:solidFill>
+                  <a:schemeClr val="tx1"/>
+                </a:solidFill>
+              </a:rPr>
+              <a:t>oversigt</a:t>
+            </a:r>
+            <a:r>
+              <a:rPr lang="en-GB" dirty="0">
+                <a:solidFill>
+                  <a:schemeClr val="tx1"/>
+                </a:solidFill>
+              </a:rPr>
+              <a:t> over </a:t>
+            </a:r>
+            <a:r>
+              <a:rPr lang="en-GB" dirty="0" err="1">
+                <a:solidFill>
+                  <a:schemeClr val="tx1"/>
+                </a:solidFill>
+              </a:rPr>
+              <a:t>børnene</a:t>
+            </a:r>
+            <a:r>
+              <a:rPr lang="en-GB" dirty="0">
+                <a:solidFill>
+                  <a:schemeClr val="tx1"/>
+                </a:solidFill>
+              </a:rPr>
+              <a:t> med </a:t>
+            </a:r>
+            <a:r>
+              <a:rPr lang="en-GB" dirty="0" err="1">
+                <a:solidFill>
+                  <a:schemeClr val="tx1"/>
+                </a:solidFill>
+              </a:rPr>
+              <a:t>mulighed</a:t>
+            </a:r>
+            <a:r>
+              <a:rPr lang="en-GB" dirty="0">
+                <a:solidFill>
+                  <a:schemeClr val="tx1"/>
+                </a:solidFill>
+              </a:rPr>
+              <a:t> for at se </a:t>
+            </a:r>
+            <a:r>
+              <a:rPr lang="en-GB" dirty="0" err="1">
+                <a:solidFill>
+                  <a:schemeClr val="tx1"/>
+                </a:solidFill>
+              </a:rPr>
+              <a:t>deres</a:t>
+            </a:r>
+            <a:r>
+              <a:rPr lang="en-GB" dirty="0">
+                <a:solidFill>
+                  <a:schemeClr val="tx1"/>
+                </a:solidFill>
+              </a:rPr>
+              <a:t> information, </a:t>
+            </a:r>
+            <a:r>
+              <a:rPr lang="en-GB" dirty="0" err="1">
+                <a:solidFill>
+                  <a:schemeClr val="tx1"/>
+                </a:solidFill>
+              </a:rPr>
+              <a:t>og</a:t>
+            </a:r>
+            <a:r>
+              <a:rPr lang="en-GB" dirty="0">
+                <a:solidFill>
+                  <a:schemeClr val="tx1"/>
+                </a:solidFill>
+              </a:rPr>
               <a:t> </a:t>
             </a:r>
             <a:r>
-              <a:rPr lang="en-GB" dirty="0" err="1" smtClean="0"/>
+              <a:rPr lang="en-GB" dirty="0" err="1">
+                <a:solidFill>
+                  <a:schemeClr val="tx1"/>
+                </a:solidFill>
+              </a:rPr>
+              <a:t>en</a:t>
+            </a:r>
+            <a:r>
+              <a:rPr lang="en-GB" dirty="0">
+                <a:solidFill>
+                  <a:schemeClr val="tx1"/>
+                </a:solidFill>
+              </a:rPr>
+              <a:t> </a:t>
+            </a:r>
+            <a:r>
+              <a:rPr lang="en-GB" dirty="0" err="1">
+                <a:solidFill>
+                  <a:schemeClr val="tx1"/>
+                </a:solidFill>
+              </a:rPr>
+              <a:t>venteliste</a:t>
+            </a:r>
+            <a:r>
+              <a:rPr lang="en-GB" dirty="0">
+                <a:solidFill>
+                  <a:schemeClr val="tx1"/>
+                </a:solidFill>
+              </a:rPr>
+              <a:t> </a:t>
+            </a:r>
+            <a:r>
+              <a:rPr lang="en-GB" dirty="0" err="1">
+                <a:solidFill>
+                  <a:schemeClr val="tx1"/>
+                </a:solidFill>
+              </a:rPr>
+              <a:t>hvor</a:t>
+            </a:r>
+            <a:r>
+              <a:rPr lang="en-GB" dirty="0">
+                <a:solidFill>
+                  <a:schemeClr val="tx1"/>
+                </a:solidFill>
+              </a:rPr>
+              <a:t> </a:t>
+            </a:r>
+            <a:r>
+              <a:rPr lang="en-GB" dirty="0" err="1">
+                <a:solidFill>
+                  <a:schemeClr val="tx1"/>
+                </a:solidFill>
+              </a:rPr>
+              <a:t>det</a:t>
+            </a:r>
+            <a:r>
+              <a:rPr lang="en-GB" dirty="0">
+                <a:solidFill>
+                  <a:schemeClr val="tx1"/>
+                </a:solidFill>
+              </a:rPr>
+              <a:t> </a:t>
+            </a:r>
+            <a:r>
+              <a:rPr lang="en-GB" dirty="0" err="1">
+                <a:solidFill>
+                  <a:schemeClr val="tx1"/>
+                </a:solidFill>
+              </a:rPr>
+              <a:t>er</a:t>
+            </a:r>
+            <a:r>
+              <a:rPr lang="en-GB" dirty="0">
+                <a:solidFill>
+                  <a:schemeClr val="tx1"/>
+                </a:solidFill>
+              </a:rPr>
+              <a:t> </a:t>
+            </a:r>
+            <a:r>
+              <a:rPr lang="en-GB" dirty="0" err="1">
+                <a:solidFill>
+                  <a:schemeClr val="tx1"/>
+                </a:solidFill>
+              </a:rPr>
+              <a:t>muligt</a:t>
+            </a:r>
+            <a:r>
+              <a:rPr lang="en-GB" dirty="0">
+                <a:solidFill>
+                  <a:schemeClr val="tx1"/>
+                </a:solidFill>
+              </a:rPr>
+              <a:t> at </a:t>
+            </a:r>
+            <a:r>
+              <a:rPr lang="en-GB" dirty="0" err="1">
+                <a:solidFill>
+                  <a:schemeClr val="tx1"/>
+                </a:solidFill>
+              </a:rPr>
+              <a:t>tilføje</a:t>
+            </a:r>
+            <a:r>
+              <a:rPr lang="en-GB" dirty="0">
+                <a:solidFill>
+                  <a:schemeClr val="tx1"/>
+                </a:solidFill>
+              </a:rPr>
+              <a:t> </a:t>
+            </a:r>
+            <a:r>
+              <a:rPr lang="en-GB" dirty="0" err="1">
+                <a:solidFill>
+                  <a:schemeClr val="tx1"/>
+                </a:solidFill>
+              </a:rPr>
+              <a:t>børn</a:t>
+            </a:r>
+            <a:r>
+              <a:rPr lang="en-GB" dirty="0">
+                <a:solidFill>
+                  <a:schemeClr val="tx1"/>
+                </a:solidFill>
+              </a:rPr>
+              <a:t> </a:t>
+            </a:r>
+            <a:r>
+              <a:rPr lang="en-GB" dirty="0" err="1">
+                <a:solidFill>
+                  <a:schemeClr val="tx1"/>
+                </a:solidFill>
+              </a:rPr>
               <a:t>til</a:t>
             </a:r>
             <a:r>
-              <a:rPr lang="en-GB" dirty="0" smtClean="0"/>
+              <a:rPr lang="en-GB" dirty="0">
+                <a:solidFill>
+                  <a:schemeClr val="tx1"/>
+                </a:solidFill>
+              </a:rPr>
               <a:t> </a:t>
             </a:r>
             <a:r>
-              <a:rPr lang="en-GB" dirty="0" err="1" smtClean="0"/>
-              <a:t>børnelisten</a:t>
-            </a:r>
-            <a:r>
-              <a:rPr lang="en-GB" dirty="0" smtClean="0"/>
+              <a:rPr lang="en-GB" dirty="0" err="1">
+                <a:solidFill>
+                  <a:schemeClr val="tx1"/>
+                </a:solidFill>
+              </a:rPr>
+              <a:t>børnehaven</a:t>
+            </a:r>
+            <a:r>
+              <a:rPr lang="en-GB" dirty="0">
+                <a:solidFill>
+                  <a:schemeClr val="tx1"/>
+                </a:solidFill>
+              </a:rPr>
               <a:t>.</a:t>
             </a:r>
-          </a:p>
-          <a:p>
-            <a:r>
-              <a:rPr lang="en-GB" dirty="0" err="1" smtClean="0"/>
-              <a:t>Forsøgspersonen</a:t>
-            </a:r>
-            <a:r>
-              <a:rPr lang="en-GB" dirty="0" smtClean="0"/>
-              <a:t> </a:t>
-            </a:r>
-            <a:r>
-              <a:rPr lang="en-GB" dirty="0" err="1" smtClean="0"/>
-              <a:t>spurgte</a:t>
-            </a:r>
-            <a:r>
-              <a:rPr lang="en-GB" dirty="0" smtClean="0"/>
-              <a:t> </a:t>
-            </a:r>
-            <a:r>
-              <a:rPr lang="en-GB" dirty="0" err="1" smtClean="0"/>
-              <a:t>ind</a:t>
-            </a:r>
-            <a:r>
-              <a:rPr lang="en-GB" dirty="0" smtClean="0"/>
-              <a:t> </a:t>
-            </a:r>
-            <a:r>
-              <a:rPr lang="en-GB" dirty="0" err="1" smtClean="0"/>
-              <a:t>til</a:t>
-            </a:r>
-            <a:r>
-              <a:rPr lang="en-GB" dirty="0" smtClean="0"/>
-              <a:t> </a:t>
-            </a:r>
-            <a:r>
-              <a:rPr lang="en-GB" dirty="0" err="1" smtClean="0"/>
-              <a:t>ventelisten</a:t>
-            </a:r>
-            <a:r>
-              <a:rPr lang="en-GB" dirty="0" smtClean="0"/>
-              <a:t> </a:t>
-            </a:r>
-            <a:r>
-              <a:rPr lang="en-GB" dirty="0" err="1" smtClean="0"/>
-              <a:t>og</a:t>
-            </a:r>
-            <a:r>
-              <a:rPr lang="en-GB" dirty="0"/>
-              <a:t> </a:t>
-            </a:r>
-            <a:r>
-              <a:rPr lang="en-GB" dirty="0" err="1" smtClean="0"/>
-              <a:t>hvordan</a:t>
-            </a:r>
-            <a:r>
-              <a:rPr lang="en-GB" dirty="0" smtClean="0"/>
-              <a:t> vi </a:t>
-            </a:r>
-            <a:r>
-              <a:rPr lang="en-GB" dirty="0" err="1" smtClean="0"/>
-              <a:t>sorterede</a:t>
-            </a:r>
-            <a:r>
-              <a:rPr lang="en-GB" dirty="0" smtClean="0"/>
-              <a:t> </a:t>
-            </a:r>
-            <a:r>
-              <a:rPr lang="en-GB" dirty="0" err="1" smtClean="0"/>
-              <a:t>imellem</a:t>
-            </a:r>
-            <a:r>
-              <a:rPr lang="en-GB" dirty="0" smtClean="0"/>
-              <a:t> </a:t>
-            </a:r>
-            <a:r>
-              <a:rPr lang="en-GB" dirty="0" err="1" smtClean="0"/>
-              <a:t>dem.</a:t>
-            </a:r>
-            <a:endParaRPr lang="en-GB" dirty="0" smtClean="0"/>
-          </a:p>
-          <a:p>
-            <a:r>
-              <a:rPr lang="en-GB" dirty="0" smtClean="0"/>
-              <a:t>Vi </a:t>
-            </a:r>
-            <a:r>
-              <a:rPr lang="en-GB" dirty="0" err="1" smtClean="0"/>
-              <a:t>indså</a:t>
-            </a:r>
-            <a:r>
-              <a:rPr lang="en-GB" dirty="0" smtClean="0"/>
-              <a:t> at </a:t>
-            </a:r>
-            <a:r>
-              <a:rPr lang="en-GB" dirty="0" err="1" smtClean="0"/>
-              <a:t>ventelisten</a:t>
-            </a:r>
-            <a:r>
-              <a:rPr lang="en-GB" dirty="0" smtClean="0"/>
-              <a:t> </a:t>
-            </a:r>
-            <a:r>
-              <a:rPr lang="en-GB" dirty="0" err="1" smtClean="0"/>
-              <a:t>måtte</a:t>
-            </a:r>
-            <a:r>
-              <a:rPr lang="en-GB" dirty="0" smtClean="0"/>
-              <a:t> </a:t>
-            </a:r>
-            <a:r>
-              <a:rPr lang="en-GB" dirty="0" err="1" smtClean="0"/>
-              <a:t>være</a:t>
-            </a:r>
-            <a:r>
-              <a:rPr lang="en-GB" dirty="0" smtClean="0"/>
-              <a:t> en </a:t>
-            </a:r>
-            <a:r>
-              <a:rPr lang="en-GB" dirty="0" err="1" smtClean="0"/>
-              <a:t>liste</a:t>
-            </a:r>
-            <a:r>
-              <a:rPr lang="en-GB" dirty="0" smtClean="0"/>
-              <a:t> </a:t>
-            </a:r>
-            <a:r>
-              <a:rPr lang="en-GB" smtClean="0"/>
-              <a:t>for </a:t>
-            </a:r>
-            <a:r>
-              <a:rPr lang="en-GB" smtClean="0"/>
-              <a:t>sig.</a:t>
-            </a:r>
-            <a:endParaRPr lang="en-GB" dirty="0" smtClean="0"/>
           </a:p>
         </p:txBody>
       </p:sp>
     </p:spTree>
     <p:extLst>
       <p:ext uri="{BB962C8B-B14F-4D97-AF65-F5344CB8AC3E}">
-        <p14:creationId xmlns:p14="http://schemas.microsoft.com/office/powerpoint/2010/main" val="3292194883"/>
+        <p14:creationId xmlns:p14="http://schemas.microsoft.com/office/powerpoint/2010/main" val="2472071048"/>
       </p:ext>
     </p:extLst>
   </p:cSld>
@@ -3841,50 +6614,253 @@
             <p:ph type="title"/>
           </p:nvPr>
         </p:nvSpPr>
+        <p:spPr>
+          <a:xfrm>
+            <a:off x="609600" y="609600"/>
+            <a:ext cx="6347714" cy="1320800"/>
+          </a:xfrm>
+        </p:spPr>
+        <p:txBody>
+          <a:bodyPr>
+            <a:normAutofit/>
+          </a:bodyPr>
+          <a:lstStyle/>
+          <a:p>
+            <a:r>
+              <a:rPr lang="en-GB" dirty="0"/>
+              <a:t>Paper-Prototype 1</a:t>
+            </a:r>
+          </a:p>
+        </p:txBody>
+      </p:sp>
+      <p:sp>
+        <p:nvSpPr>
+          <p:cNvPr id="3" name="Content Placeholder 2"/>
+          <p:cNvSpPr>
+            <a:spLocks noGrp="1"/>
+          </p:cNvSpPr>
+          <p:nvPr>
+            <p:ph idx="1"/>
+          </p:nvPr>
+        </p:nvSpPr>
         <p:spPr/>
         <p:txBody>
           <a:bodyPr/>
           <a:lstStyle/>
           <a:p>
             <a:r>
-              <a:rPr lang="en-GB" dirty="0" smtClean="0"/>
-              <a:t>Paper-Prototype(2. </a:t>
-            </a:r>
-            <a:r>
-              <a:rPr lang="en-GB" dirty="0" err="1" smtClean="0"/>
+              <a:rPr lang="en-GB" dirty="0"/>
+              <a:t>I </a:t>
+            </a:r>
+            <a:r>
+              <a:rPr lang="en-GB" dirty="0" err="1"/>
+              <a:t>første</a:t>
+            </a:r>
+            <a:r>
+              <a:rPr lang="en-GB" dirty="0"/>
+              <a:t> </a:t>
+            </a:r>
+            <a:r>
+              <a:rPr lang="en-GB" dirty="0" err="1"/>
               <a:t>udkast</a:t>
             </a:r>
             <a:r>
-              <a:rPr lang="en-GB" dirty="0" smtClean="0"/>
-              <a:t>)</a:t>
+              <a:rPr lang="en-GB" dirty="0"/>
+              <a:t> </a:t>
+            </a:r>
+            <a:r>
+              <a:rPr lang="en-GB" dirty="0" err="1"/>
+              <a:t>af</a:t>
+            </a:r>
+            <a:r>
+              <a:rPr lang="en-GB" dirty="0"/>
+              <a:t> </a:t>
+            </a:r>
+            <a:r>
+              <a:rPr lang="en-GB" dirty="0" err="1"/>
+              <a:t>vores</a:t>
+            </a:r>
+            <a:r>
+              <a:rPr lang="en-GB" dirty="0"/>
+              <a:t> paper-prototype </a:t>
+            </a:r>
+            <a:r>
+              <a:rPr lang="en-GB" dirty="0" err="1"/>
+              <a:t>havde</a:t>
+            </a:r>
+            <a:r>
+              <a:rPr lang="en-GB" dirty="0"/>
+              <a:t> vi </a:t>
+            </a:r>
+            <a:r>
+              <a:rPr lang="en-GB" dirty="0" err="1"/>
+              <a:t>tilføjet</a:t>
+            </a:r>
+            <a:r>
+              <a:rPr lang="en-GB" dirty="0"/>
+              <a:t> </a:t>
+            </a:r>
+            <a:r>
+              <a:rPr lang="en-GB" dirty="0" err="1"/>
+              <a:t>ventelisten</a:t>
+            </a:r>
+            <a:r>
+              <a:rPr lang="en-GB" dirty="0"/>
+              <a:t> </a:t>
+            </a:r>
+            <a:r>
+              <a:rPr lang="en-GB" dirty="0" err="1"/>
+              <a:t>til</a:t>
+            </a:r>
+            <a:r>
+              <a:rPr lang="en-GB" dirty="0"/>
+              <a:t> </a:t>
+            </a:r>
+            <a:r>
+              <a:rPr lang="en-GB" dirty="0" err="1"/>
+              <a:t>børnelisten</a:t>
+            </a:r>
+            <a:r>
+              <a:rPr lang="en-GB" dirty="0"/>
+              <a:t>.</a:t>
+            </a:r>
+          </a:p>
+          <a:p>
+            <a:r>
+              <a:rPr lang="en-GB" dirty="0" err="1"/>
+              <a:t>Forsøgspersonen</a:t>
+            </a:r>
+            <a:r>
+              <a:rPr lang="en-GB" dirty="0"/>
+              <a:t> </a:t>
+            </a:r>
+            <a:r>
+              <a:rPr lang="en-GB" dirty="0" err="1"/>
+              <a:t>spurgte</a:t>
+            </a:r>
+            <a:r>
+              <a:rPr lang="en-GB" dirty="0"/>
+              <a:t> </a:t>
+            </a:r>
+            <a:r>
+              <a:rPr lang="en-GB" dirty="0" err="1"/>
+              <a:t>ind</a:t>
+            </a:r>
+            <a:r>
+              <a:rPr lang="en-GB" dirty="0"/>
+              <a:t> </a:t>
+            </a:r>
+            <a:r>
+              <a:rPr lang="en-GB" dirty="0" err="1"/>
+              <a:t>til</a:t>
+            </a:r>
+            <a:r>
+              <a:rPr lang="en-GB" dirty="0"/>
+              <a:t> </a:t>
+            </a:r>
+            <a:r>
+              <a:rPr lang="en-GB" dirty="0" err="1"/>
+              <a:t>ventelisten</a:t>
+            </a:r>
+            <a:r>
+              <a:rPr lang="en-GB" dirty="0"/>
+              <a:t> </a:t>
+            </a:r>
+            <a:r>
+              <a:rPr lang="en-GB" dirty="0" err="1"/>
+              <a:t>og</a:t>
+            </a:r>
+            <a:r>
+              <a:rPr lang="en-GB" dirty="0"/>
+              <a:t> </a:t>
+            </a:r>
+            <a:r>
+              <a:rPr lang="en-GB" dirty="0" err="1"/>
+              <a:t>hvordan</a:t>
+            </a:r>
+            <a:r>
+              <a:rPr lang="en-GB" dirty="0"/>
+              <a:t> vi </a:t>
+            </a:r>
+            <a:r>
+              <a:rPr lang="en-GB" dirty="0" err="1"/>
+              <a:t>sorterede</a:t>
+            </a:r>
+            <a:r>
+              <a:rPr lang="en-GB" dirty="0"/>
+              <a:t> </a:t>
+            </a:r>
+            <a:r>
+              <a:rPr lang="en-GB" dirty="0" err="1"/>
+              <a:t>imellem</a:t>
+            </a:r>
+            <a:r>
+              <a:rPr lang="en-GB" dirty="0"/>
+              <a:t> </a:t>
+            </a:r>
+            <a:r>
+              <a:rPr lang="en-GB" dirty="0" err="1"/>
+              <a:t>dem.</a:t>
             </a:r>
             <a:endParaRPr lang="en-GB" dirty="0"/>
           </a:p>
-        </p:txBody>
-      </p:sp>
-      <p:sp>
-        <p:nvSpPr>
-          <p:cNvPr id="3" name="Content Placeholder 2"/>
-          <p:cNvSpPr>
-            <a:spLocks noGrp="1"/>
-          </p:cNvSpPr>
-          <p:nvPr>
-            <p:ph idx="1"/>
-          </p:nvPr>
-        </p:nvSpPr>
-        <p:spPr/>
-        <p:txBody>
-          <a:bodyPr/>
-          <a:lstStyle/>
-          <a:p>
-            <a:endParaRPr lang="en-GB"/>
+          <a:p>
+            <a:r>
+              <a:rPr lang="en-GB" dirty="0"/>
+              <a:t>Vi </a:t>
+            </a:r>
+            <a:r>
+              <a:rPr lang="en-GB" dirty="0" err="1"/>
+              <a:t>indså</a:t>
+            </a:r>
+            <a:r>
+              <a:rPr lang="en-GB" dirty="0"/>
+              <a:t> at </a:t>
+            </a:r>
+            <a:r>
+              <a:rPr lang="en-GB" dirty="0" err="1"/>
+              <a:t>ventelisten</a:t>
+            </a:r>
+            <a:r>
+              <a:rPr lang="en-GB" dirty="0"/>
+              <a:t> </a:t>
+            </a:r>
+            <a:r>
+              <a:rPr lang="en-GB" dirty="0" err="1"/>
+              <a:t>måtte</a:t>
+            </a:r>
+            <a:r>
+              <a:rPr lang="en-GB" dirty="0"/>
+              <a:t> </a:t>
+            </a:r>
+            <a:r>
+              <a:rPr lang="en-GB" dirty="0" err="1"/>
+              <a:t>være</a:t>
+            </a:r>
+            <a:r>
+              <a:rPr lang="en-GB" dirty="0"/>
+              <a:t> en </a:t>
+            </a:r>
+            <a:r>
+              <a:rPr lang="en-GB" dirty="0" err="1"/>
+              <a:t>liste</a:t>
+            </a:r>
+            <a:r>
+              <a:rPr lang="en-GB" dirty="0"/>
+              <a:t> </a:t>
+            </a:r>
+            <a:r>
+              <a:rPr lang="en-GB"/>
+              <a:t>for sig.</a:t>
+            </a:r>
+            <a:endParaRPr lang="en-GB" dirty="0"/>
           </a:p>
         </p:txBody>
       </p:sp>
     </p:spTree>
     <p:extLst>
       <p:ext uri="{BB962C8B-B14F-4D97-AF65-F5344CB8AC3E}">
-        <p14:creationId xmlns:p14="http://schemas.microsoft.com/office/powerpoint/2010/main" val="513607891"/>
+        <p14:creationId xmlns:p14="http://schemas.microsoft.com/office/powerpoint/2010/main" val="3292194883"/>
       </p:ext>
     </p:extLst>
   </p:cSld>
@@ -3927,14 +6903,205 @@
           <a:lstStyle/>
           <a:p>
             <a:r>
-              <a:rPr lang="en-GB" dirty="0" err="1" smtClean="0"/>
+              <a:rPr lang="en-GB" dirty="0"/>
+              <a:t>Paper-Prototype 2</a:t>
+            </a:r>
+          </a:p>
+        </p:txBody>
+      </p:sp>
+      <p:sp>
+        <p:nvSpPr>
+          <p:cNvPr id="3" name="Content Placeholder 2"/>
+          <p:cNvSpPr>
+            <a:spLocks noGrp="1"/>
+          </p:cNvSpPr>
+          <p:nvPr>
+            <p:ph idx="1"/>
+          </p:nvPr>
+        </p:nvSpPr>
+        <p:spPr/>
+        <p:txBody>
+          <a:bodyPr/>
+          <a:lstStyle/>
+          <a:p>
+            <a:endParaRPr lang="en-GB"/>
+          </a:p>
+        </p:txBody>
+      </p:sp>
+    </p:spTree>
+    <p:extLst>
+      <p:ext uri="{BB962C8B-B14F-4D97-AF65-F5344CB8AC3E}">
+        <p14:creationId xmlns:p14="http://schemas.microsoft.com/office/powerpoint/2010/main" val="513607891"/>
+      </p:ext>
+    </p:extLst>
+  </p:cSld>
+  <p:clrMapOvr>
+    <a:masterClrMapping/>
+  </p:clrMapOvr>
+</p:sld>
+</file>
+
+<file path=ppt/slides/slide5.xml><?xml version="1.0" encoding="utf-8"?>
+<p:sld xmlns:a="http://schemas.openxmlformats.org/drawingml/2006/main" xmlns:r="http://schemas.openxmlformats.org/officeDocument/2006/relationships" xmlns:p="http://schemas.openxmlformats.org/presentationml/2006/main">
+  <p:cSld>
+    <p:spTree>
+      <p:nvGrpSpPr>
+        <p:cNvPr id="1" name=""/>
+        <p:cNvGrpSpPr/>
+        <p:nvPr/>
+      </p:nvGrpSpPr>
+      <p:grpSpPr>
+        <a:xfrm>
+          <a:off x="0" y="0"/>
+          <a:ext cx="0" cy="0"/>
+          <a:chOff x="0" y="0"/>
+          <a:chExt cx="0" cy="0"/>
+        </a:xfrm>
+      </p:grpSpPr>
+      <p:sp>
+        <p:nvSpPr>
+          <p:cNvPr id="2" name="Title 1"/>
+          <p:cNvSpPr>
+            <a:spLocks noGrp="1"/>
+          </p:cNvSpPr>
+          <p:nvPr>
+            <p:ph type="title"/>
+          </p:nvPr>
+        </p:nvSpPr>
+        <p:spPr/>
+        <p:txBody>
+          <a:bodyPr/>
+          <a:lstStyle/>
+          <a:p>
+            <a:r>
+              <a:rPr lang="en-GB" dirty="0" err="1"/>
+              <a:t>Brugerafprøvning</a:t>
+            </a:r>
+            <a:endParaRPr lang="en-GB" dirty="0"/>
+          </a:p>
+        </p:txBody>
+      </p:sp>
+      <p:sp>
+        <p:nvSpPr>
+          <p:cNvPr id="3" name="Content Placeholder 2"/>
+          <p:cNvSpPr>
+            <a:spLocks noGrp="1"/>
+          </p:cNvSpPr>
+          <p:nvPr>
+            <p:ph idx="1"/>
+          </p:nvPr>
+        </p:nvSpPr>
+        <p:spPr/>
+        <p:txBody>
+          <a:bodyPr/>
+          <a:lstStyle/>
+          <a:p>
+            <a:r>
+              <a:rPr lang="en-GB" dirty="0"/>
+              <a:t>(</a:t>
+            </a:r>
+            <a:r>
+              <a:rPr lang="en-GB" dirty="0" err="1"/>
+              <a:t>Opgaver</a:t>
+            </a:r>
+            <a:r>
+              <a:rPr lang="en-GB" dirty="0"/>
+              <a:t> der </a:t>
+            </a:r>
+            <a:r>
+              <a:rPr lang="en-GB" dirty="0" err="1"/>
+              <a:t>blev</a:t>
+            </a:r>
+            <a:r>
+              <a:rPr lang="en-GB" dirty="0"/>
+              <a:t> </a:t>
+            </a:r>
+            <a:r>
+              <a:rPr lang="en-GB" dirty="0" err="1"/>
+              <a:t>givet</a:t>
+            </a:r>
+            <a:r>
+              <a:rPr lang="en-GB" dirty="0"/>
+              <a:t> </a:t>
+            </a:r>
+            <a:r>
+              <a:rPr lang="en-GB" dirty="0" err="1"/>
+              <a:t>ud</a:t>
+            </a:r>
+            <a:r>
+              <a:rPr lang="en-GB" dirty="0"/>
+              <a:t>)</a:t>
+            </a:r>
+          </a:p>
+          <a:p>
+            <a:r>
+              <a:rPr lang="en-GB" dirty="0"/>
+              <a:t>(</a:t>
+            </a:r>
+            <a:r>
+              <a:rPr lang="en-GB" dirty="0" err="1"/>
+              <a:t>Resultater</a:t>
+            </a:r>
+            <a:r>
+              <a:rPr lang="en-GB" dirty="0"/>
+              <a:t>)</a:t>
+            </a:r>
+          </a:p>
+        </p:txBody>
+      </p:sp>
+    </p:spTree>
+    <p:extLst>
+      <p:ext uri="{BB962C8B-B14F-4D97-AF65-F5344CB8AC3E}">
+        <p14:creationId xmlns:p14="http://schemas.microsoft.com/office/powerpoint/2010/main" val="2225442750"/>
+      </p:ext>
+    </p:extLst>
+  </p:cSld>
+  <p:clrMapOvr>
+    <a:masterClrMapping/>
+  </p:clrMapOvr>
+</p:sld>
+</file>
+
+<file path=ppt/slides/slide6.xml><?xml version="1.0" encoding="utf-8"?>
+<p:sld xmlns:a="http://schemas.openxmlformats.org/drawingml/2006/main" xmlns:r="http://schemas.openxmlformats.org/officeDocument/2006/relationships" xmlns:p="http://schemas.openxmlformats.org/presentationml/2006/main">
+  <p:cSld>
+    <p:spTree>
+      <p:nvGrpSpPr>
+        <p:cNvPr id="1" name=""/>
+        <p:cNvGrpSpPr/>
+        <p:nvPr/>
+      </p:nvGrpSpPr>
+      <p:grpSpPr>
+        <a:xfrm>
+          <a:off x="0" y="0"/>
+          <a:ext cx="0" cy="0"/>
+          <a:chOff x="0" y="0"/>
+          <a:chExt cx="0" cy="0"/>
+        </a:xfrm>
+      </p:grpSpPr>
+      <p:sp>
+        <p:nvSpPr>
+          <p:cNvPr id="2" name="Title 1"/>
+          <p:cNvSpPr>
+            <a:spLocks noGrp="1"/>
+          </p:cNvSpPr>
+          <p:nvPr>
+            <p:ph type="title"/>
+          </p:nvPr>
+        </p:nvSpPr>
+        <p:spPr/>
+        <p:txBody>
+          <a:bodyPr/>
+          <a:lstStyle/>
+          <a:p>
+            <a:r>
+              <a:rPr lang="en-GB" dirty="0" err="1"/>
               <a:t>Activitets</a:t>
             </a:r>
             <a:r>
-              <a:rPr lang="en-GB" dirty="0" smtClean="0"/>
+              <a:rPr lang="en-GB" dirty="0"/>
               <a:t> Diagram</a:t>
             </a:r>
-            <a:endParaRPr lang="en-GB" dirty="0"/>
           </a:p>
         </p:txBody>
       </p:sp>
@@ -3970,10 +7137,154 @@
 </p:sld>
 </file>
 
+<file path=ppt/slides/slide7.xml><?xml version="1.0" encoding="utf-8"?>
+<p:sld xmlns:a="http://schemas.openxmlformats.org/drawingml/2006/main" xmlns:r="http://schemas.openxmlformats.org/officeDocument/2006/relationships" xmlns:p="http://schemas.openxmlformats.org/presentationml/2006/main">
+  <p:cSld>
+    <p:spTree>
+      <p:nvGrpSpPr>
+        <p:cNvPr id="1" name=""/>
+        <p:cNvGrpSpPr/>
+        <p:nvPr/>
+      </p:nvGrpSpPr>
+      <p:grpSpPr>
+        <a:xfrm>
+          <a:off x="0" y="0"/>
+          <a:ext cx="0" cy="0"/>
+          <a:chOff x="0" y="0"/>
+          <a:chExt cx="0" cy="0"/>
+        </a:xfrm>
+      </p:grpSpPr>
+      <p:sp>
+        <p:nvSpPr>
+          <p:cNvPr id="2" name="Title 1"/>
+          <p:cNvSpPr>
+            <a:spLocks noGrp="1"/>
+          </p:cNvSpPr>
+          <p:nvPr>
+            <p:ph type="title"/>
+          </p:nvPr>
+        </p:nvSpPr>
+        <p:spPr/>
+        <p:txBody>
+          <a:bodyPr/>
+          <a:lstStyle/>
+          <a:p>
+            <a:r>
+              <a:rPr lang="en-GB" dirty="0" err="1"/>
+              <a:t>Kode</a:t>
+            </a:r>
+            <a:endParaRPr lang="en-GB" dirty="0"/>
+          </a:p>
+        </p:txBody>
+      </p:sp>
+      <p:sp>
+        <p:nvSpPr>
+          <p:cNvPr id="6" name="Content Placeholder 5"/>
+          <p:cNvSpPr>
+            <a:spLocks noGrp="1"/>
+          </p:cNvSpPr>
+          <p:nvPr>
+            <p:ph idx="1"/>
+          </p:nvPr>
+        </p:nvSpPr>
+        <p:spPr/>
+        <p:txBody>
+          <a:bodyPr/>
+          <a:lstStyle/>
+          <a:p>
+            <a:endParaRPr lang="en-GB"/>
+          </a:p>
+        </p:txBody>
+      </p:sp>
+    </p:spTree>
+    <p:extLst>
+      <p:ext uri="{BB962C8B-B14F-4D97-AF65-F5344CB8AC3E}">
+        <p14:creationId xmlns:p14="http://schemas.microsoft.com/office/powerpoint/2010/main" val="2092252325"/>
+      </p:ext>
+    </p:extLst>
+  </p:cSld>
+  <p:clrMapOvr>
+    <a:masterClrMapping/>
+  </p:clrMapOvr>
+</p:sld>
+</file>
+
+<file path=ppt/slides/slide8.xml><?xml version="1.0" encoding="utf-8"?>
+<p:sld xmlns:a="http://schemas.openxmlformats.org/drawingml/2006/main" xmlns:r="http://schemas.openxmlformats.org/officeDocument/2006/relationships" xmlns:p="http://schemas.openxmlformats.org/presentationml/2006/main">
+  <p:cSld>
+    <p:spTree>
+      <p:nvGrpSpPr>
+        <p:cNvPr id="1" name=""/>
+        <p:cNvGrpSpPr/>
+        <p:nvPr/>
+      </p:nvGrpSpPr>
+      <p:grpSpPr>
+        <a:xfrm>
+          <a:off x="0" y="0"/>
+          <a:ext cx="0" cy="0"/>
+          <a:chOff x="0" y="0"/>
+          <a:chExt cx="0" cy="0"/>
+        </a:xfrm>
+      </p:grpSpPr>
+      <p:sp>
+        <p:nvSpPr>
+          <p:cNvPr id="2" name="Title 1"/>
+          <p:cNvSpPr>
+            <a:spLocks noGrp="1"/>
+          </p:cNvSpPr>
+          <p:nvPr>
+            <p:ph type="title"/>
+          </p:nvPr>
+        </p:nvSpPr>
+        <p:spPr/>
+        <p:txBody>
+          <a:bodyPr/>
+          <a:lstStyle/>
+          <a:p>
+            <a:r>
+              <a:rPr lang="en-GB" dirty="0" err="1"/>
+              <a:t>Konklusion</a:t>
+            </a:r>
+            <a:endParaRPr lang="en-GB" dirty="0"/>
+          </a:p>
+        </p:txBody>
+      </p:sp>
+      <p:sp>
+        <p:nvSpPr>
+          <p:cNvPr id="3" name="Content Placeholder 2"/>
+          <p:cNvSpPr>
+            <a:spLocks noGrp="1"/>
+          </p:cNvSpPr>
+          <p:nvPr>
+            <p:ph idx="1"/>
+          </p:nvPr>
+        </p:nvSpPr>
+        <p:spPr/>
+        <p:txBody>
+          <a:bodyPr/>
+          <a:lstStyle/>
+          <a:p>
+            <a:endParaRPr lang="en-GB"/>
+          </a:p>
+        </p:txBody>
+      </p:sp>
+    </p:spTree>
+    <p:extLst>
+      <p:ext uri="{BB962C8B-B14F-4D97-AF65-F5344CB8AC3E}">
+        <p14:creationId xmlns:p14="http://schemas.microsoft.com/office/powerpoint/2010/main" val="1290032340"/>
+      </p:ext>
+    </p:extLst>
+  </p:cSld>
+  <p:clrMapOvr>
+    <a:masterClrMapping/>
+  </p:clrMapOvr>
+</p:sld>
+</file>
+
 <file path=ppt/theme/theme1.xml><?xml version="1.0" encoding="utf-8"?>
-<a:theme xmlns:a="http://schemas.openxmlformats.org/drawingml/2006/main" name="Office Theme">
+<a:theme xmlns:a="http://schemas.openxmlformats.org/drawingml/2006/main" name="Facet">
   <a:themeElements>
-    <a:clrScheme name="Office">
+    <a:clrScheme name="Facet">
       <a:dk1>
         <a:sysClr val="windowText" lastClr="000000"/>
       </a:dk1>
@@ -3981,52 +7292,52 @@
         <a:sysClr val="window" lastClr="FFFFFF"/>
       </a:lt1>
       <a:dk2>
-        <a:srgbClr val="1F497D"/>
+        <a:srgbClr val="2C3C43"/>
       </a:dk2>
       <a:lt2>
-        <a:srgbClr val="EEECE1"/>
+        <a:srgbClr val="EBEBEB"/>
       </a:lt2>
       <a:accent1>
-        <a:srgbClr val="4F81BD"/>
+        <a:srgbClr val="90C226"/>
       </a:accent1>
       <a:accent2>
-        <a:srgbClr val="C0504D"/>
+        <a:srgbClr val="54A021"/>
       </a:accent2>
       <a:accent3>
-        <a:srgbClr val="9BBB59"/>
+        <a:srgbClr val="E6B91E"/>
       </a:accent3>
       <a:accent4>
-        <a:srgbClr val="8064A2"/>
+        <a:srgbClr val="E76618"/>
       </a:accent4>
       <a:accent5>
-        <a:srgbClr val="4BACC6"/>
+        <a:srgbClr val="C42F1A"/>
       </a:accent5>
       <a:accent6>
-        <a:srgbClr val="F79646"/>
+        <a:srgbClr val="918655"/>
       </a:accent6>
       <a:hlink>
-        <a:srgbClr val="0000FF"/>
+        <a:srgbClr val="99CA3C"/>
       </a:hlink>
       <a:folHlink>
-        <a:srgbClr val="800080"/>
+        <a:srgbClr val="B9D181"/>
       </a:folHlink>
     </a:clrScheme>
-    <a:fontScheme name="Office">
+    <a:fontScheme name="Facet">
       <a:majorFont>
-        <a:latin typeface="Calibri"/>
+        <a:latin typeface="Trebuchet MS" panose="020B0603020202020204"/>
         <a:ea typeface=""/>
         <a:cs typeface=""/>
-        <a:font script="Jpan" typeface="ＭＳ Ｐゴシック"/>
+        <a:font script="Jpan" typeface="メイリオ"/>
         <a:font script="Hang" typeface="맑은 고딕"/>
-        <a:font script="Hans" typeface="宋体"/>
-        <a:font script="Hant" typeface="新細明體"/>
-        <a:font script="Arab" typeface="Times New Roman"/>
-        <a:font script="Hebr" typeface="Times New Roman"/>
-        <a:font script="Thai" typeface="Angsana New"/>
+        <a:font script="Hans" typeface="方正姚体"/>
+        <a:font script="Hant" typeface="微軟正黑體"/>
+        <a:font script="Arab" typeface="Tahoma"/>
+        <a:font script="Hebr" typeface="Arial"/>
+        <a:font script="Thai" typeface="Cordia New"/>
         <a:font script="Ethi" typeface="Nyala"/>
         <a:font script="Beng" typeface="Vrinda"/>
         <a:font script="Gujr" typeface="Shruti"/>
-        <a:font script="Khmr" typeface="MoolBoran"/>
+        <a:font script="Khmr" typeface="DaunPenh"/>
         <a:font script="Knda" typeface="Tunga"/>
         <a:font script="Guru" typeface="Raavi"/>
         <a:font script="Cans" typeface="Euphemia"/>
@@ -4043,21 +7354,21 @@
         <a:font script="Laoo" typeface="DokChampa"/>
         <a:font script="Sinh" typeface="Iskoola Pota"/>
         <a:font script="Mong" typeface="Mongolian Baiti"/>
-        <a:font script="Viet" typeface="Times New Roman"/>
+        <a:font script="Viet" typeface="Tahoma"/>
         <a:font script="Uigh" typeface="Microsoft Uighur"/>
         <a:font script="Geor" typeface="Sylfaen"/>
       </a:majorFont>
       <a:minorFont>
-        <a:latin typeface="Calibri"/>
+        <a:latin typeface="Trebuchet MS" panose="020B0603020202020204"/>
         <a:ea typeface=""/>
         <a:cs typeface=""/>
-        <a:font script="Jpan" typeface="ＭＳ Ｐゴシック"/>
-        <a:font script="Hang" typeface="맑은 고딕"/>
-        <a:font script="Hans" typeface="宋体"/>
-        <a:font script="Hant" typeface="新細明體"/>
-        <a:font script="Arab" typeface="Arial"/>
-        <a:font script="Hebr" typeface="Arial"/>
-        <a:font script="Thai" typeface="Cordia New"/>
+        <a:font script="Jpan" typeface="メイリオ"/>
+        <a:font script="Hang" typeface="HY그래픽M"/>
+        <a:font script="Hans" typeface="华文新魏"/>
+        <a:font script="Hant" typeface="微軟正黑體"/>
+        <a:font script="Arab" typeface="Tahoma"/>
+        <a:font script="Hebr" typeface="Gisha"/>
+        <a:font script="Thai" typeface="IrisUPC"/>
         <a:font script="Ethi" typeface="Nyala"/>
         <a:font script="Beng" typeface="Vrinda"/>
         <a:font script="Gujr" typeface="Shruti"/>
@@ -4083,7 +7394,7 @@
         <a:font script="Geor" typeface="Sylfaen"/>
       </a:minorFont>
     </a:fontScheme>
-    <a:fmtScheme name="Office">
+    <a:fmtScheme name="Facet">
       <a:fillStyleLst>
         <a:solidFill>
           <a:schemeClr val="phClr"/>
@@ -4092,66 +7403,50 @@
           <a:gsLst>
             <a:gs pos="0">
               <a:schemeClr val="phClr">
-                <a:tint val="50000"/>
-                <a:satMod val="300000"/>
+                <a:tint val="65000"/>
+                <a:lumMod val="110000"/>
               </a:schemeClr>
             </a:gs>
-            <a:gs pos="35000">
+            <a:gs pos="88000">
               <a:schemeClr val="phClr">
-                <a:tint val="37000"/>
-                <a:satMod val="300000"/>
-              </a:schemeClr>
-            </a:gs>
-            <a:gs pos="100000">
-              <a:schemeClr val="phClr">
-                <a:tint val="15000"/>
-                <a:satMod val="350000"/>
+                <a:tint val="90000"/>
               </a:schemeClr>
             </a:gs>
           </a:gsLst>
-          <a:lin ang="16200000" scaled="1"/>
+          <a:lin ang="5400000" scaled="0"/>
         </a:gradFill>
         <a:gradFill rotWithShape="1">
           <a:gsLst>
             <a:gs pos="0">
               <a:schemeClr val="phClr">
-                <a:shade val="51000"/>
-                <a:satMod val="130000"/>
+                <a:tint val="96000"/>
+                <a:lumMod val="100000"/>
               </a:schemeClr>
             </a:gs>
-            <a:gs pos="80000">
-              <a:schemeClr val="phClr">
-                <a:shade val="93000"/>
-                <a:satMod val="130000"/>
-              </a:schemeClr>
-            </a:gs>
-            <a:gs pos="100000">
+            <a:gs pos="78000">
               <a:schemeClr val="phClr">
                 <a:shade val="94000"/>
-                <a:satMod val="135000"/>
+                <a:lumMod val="94000"/>
               </a:schemeClr>
             </a:gs>
           </a:gsLst>
-          <a:lin ang="16200000" scaled="0"/>
+          <a:lin ang="5400000" scaled="0"/>
         </a:gradFill>
       </a:fillStyleLst>
       <a:lnStyleLst>
-        <a:ln w="9525" cap="flat" cmpd="sng" algn="ctr">
-          <a:solidFill>
-            <a:schemeClr val="phClr">
-              <a:shade val="95000"/>
-              <a:satMod val="105000"/>
-            </a:schemeClr>
-          </a:solidFill>
-          <a:prstDash val="solid"/>
-        </a:ln>
-        <a:ln w="25400" cap="flat" cmpd="sng" algn="ctr">
+        <a:ln w="12700" cap="rnd" cmpd="sng" algn="ctr">
           <a:solidFill>
             <a:schemeClr val="phClr"/>
           </a:solidFill>
           <a:prstDash val="solid"/>
         </a:ln>
-        <a:ln w="38100" cap="flat" cmpd="sng" algn="ctr">
+        <a:ln w="19050" cap="rnd" cmpd="sng" algn="ctr">
+          <a:solidFill>
+            <a:schemeClr val="phClr"/>
+          </a:solidFill>
+          <a:prstDash val="solid"/>
+        </a:ln>
+        <a:ln w="25400" cap="rnd" cmpd="sng" algn="ctr">
           <a:solidFill>
             <a:schemeClr val="phClr"/>
           </a:solidFill>
@@ -4160,17 +7455,11 @@
       </a:lnStyleLst>
       <a:effectStyleLst>
         <a:effectStyle>
-          <a:effectLst>
-            <a:outerShdw blurRad="40000" dist="20000" dir="5400000" rotWithShape="0">
-              <a:srgbClr val="000000">
-                <a:alpha val="38000"/>
-              </a:srgbClr>
-            </a:outerShdw>
-          </a:effectLst>
+          <a:effectLst/>
         </a:effectStyle>
         <a:effectStyle>
           <a:effectLst>
-            <a:outerShdw blurRad="40000" dist="23000" dir="5400000" rotWithShape="0">
+            <a:outerShdw blurRad="38100" dist="25400" dir="5400000" rotWithShape="0">
               <a:srgbClr val="000000">
                 <a:alpha val="35000"/>
               </a:srgbClr>
@@ -4179,7 +7468,7 @@
         </a:effectStyle>
         <a:effectStyle>
           <a:effectLst>
-            <a:outerShdw blurRad="40000" dist="23000" dir="5400000" rotWithShape="0">
+            <a:outerShdw blurRad="50800" dist="38100" dir="5400000" rotWithShape="0">
               <a:srgbClr val="000000">
                 <a:alpha val="35000"/>
               </a:srgbClr>
@@ -4189,12 +7478,10 @@
             <a:camera prst="orthographicFront">
               <a:rot lat="0" lon="0" rev="0"/>
             </a:camera>
-            <a:lightRig rig="threePt" dir="t">
-              <a:rot lat="0" lon="0" rev="1200000"/>
-            </a:lightRig>
+            <a:lightRig rig="threePt" dir="tl"/>
           </a:scene3d>
-          <a:sp3d>
-            <a:bevelT w="63500" h="25400"/>
+          <a:sp3d prstMaterial="plastic">
+            <a:bevelT w="0" h="0"/>
           </a:sp3d>
         </a:effectStyle>
       </a:effectStyleLst>
@@ -4206,45 +7493,36 @@
           <a:gsLst>
             <a:gs pos="0">
               <a:schemeClr val="phClr">
-                <a:tint val="40000"/>
-                <a:satMod val="350000"/>
+                <a:tint val="90000"/>
+                <a:lumMod val="104000"/>
               </a:schemeClr>
             </a:gs>
-            <a:gs pos="40000">
+            <a:gs pos="94000">
               <a:schemeClr val="phClr">
-                <a:tint val="45000"/>
-                <a:shade val="99000"/>
-                <a:satMod val="350000"/>
-              </a:schemeClr>
-            </a:gs>
-            <a:gs pos="100000">
-              <a:schemeClr val="phClr">
-                <a:shade val="20000"/>
-                <a:satMod val="255000"/>
+                <a:shade val="96000"/>
+                <a:lumMod val="82000"/>
               </a:schemeClr>
             </a:gs>
           </a:gsLst>
-          <a:path path="circle">
-            <a:fillToRect l="50000" t="-80000" r="50000" b="180000"/>
-          </a:path>
+          <a:lin ang="5400000" scaled="0"/>
         </a:gradFill>
         <a:gradFill rotWithShape="1">
           <a:gsLst>
             <a:gs pos="0">
               <a:schemeClr val="phClr">
-                <a:tint val="80000"/>
-                <a:satMod val="300000"/>
+                <a:tint val="90000"/>
+                <a:lumMod val="110000"/>
               </a:schemeClr>
             </a:gs>
             <a:gs pos="100000">
               <a:schemeClr val="phClr">
-                <a:shade val="30000"/>
-                <a:satMod val="200000"/>
+                <a:shade val="94000"/>
+                <a:lumMod val="96000"/>
               </a:schemeClr>
             </a:gs>
           </a:gsLst>
           <a:path path="circle">
-            <a:fillToRect l="50000" t="50000" r="50000" b="50000"/>
+            <a:fillToRect l="50000" t="50000" r="100000" b="100000"/>
           </a:path>
         </a:gradFill>
       </a:bgFillStyleLst>
@@ -4252,5 +7530,10 @@
   </a:themeElements>
   <a:objectDefaults/>
   <a:extraClrSchemeLst/>
+  <a:extLst>
+    <a:ext uri="{05A4C25C-085E-4340-85A3-A5531E510DB2}">
+      <thm15:themeFamily xmlns:thm15="http://schemas.microsoft.com/office/thememl/2012/main" name="Facet" id="{C0C680CD-088A-49FC-A102-D699147F32B2}" vid="{CFBC31BA-B70F-4F30-BCAA-4F3011E16C4D}"/>
+    </a:ext>
+  </a:extLst>
 </a:theme>
 </file>
--- a/Dias.pptx
+++ b/Dias.pptx
@@ -8,11 +8,15 @@
     <p:sldId id="256" r:id="rId2"/>
     <p:sldId id="263" r:id="rId3"/>
     <p:sldId id="257" r:id="rId4"/>
-    <p:sldId id="258" r:id="rId5"/>
-    <p:sldId id="261" r:id="rId6"/>
-    <p:sldId id="259" r:id="rId7"/>
-    <p:sldId id="262" r:id="rId8"/>
-    <p:sldId id="260" r:id="rId9"/>
+    <p:sldId id="266" r:id="rId5"/>
+    <p:sldId id="265" r:id="rId6"/>
+    <p:sldId id="258" r:id="rId7"/>
+    <p:sldId id="269" r:id="rId8"/>
+    <p:sldId id="268" r:id="rId9"/>
+    <p:sldId id="267" r:id="rId10"/>
+    <p:sldId id="270" r:id="rId11"/>
+    <p:sldId id="261" r:id="rId12"/>
+    <p:sldId id="259" r:id="rId13"/>
   </p:sldIdLst>
   <p:sldSz cx="9144000" cy="6858000" type="screen4x3"/>
   <p:notesSz cx="6858000" cy="9144000"/>
@@ -4780,7 +4784,7 @@
           </a:blip>
           <a:srcRect/>
           <a:stretch>
-            <a:fillRect l="66000" t="11000" r="24000" b="78000"/>
+            <a:fillRect l="66000" t="9000" r="24000" b="80000"/>
           </a:stretch>
         </a:blipFill>
         <a:effectLst/>
@@ -6127,15 +6131,396 @@
               </a:solidFill>
             </a:endParaRPr>
           </a:p>
+          <a:p>
+            <a:pPr marL="457200" indent="-457200" algn="l">
+              <a:buFont typeface="Arial" pitchFamily="34" charset="0"/>
+              <a:buChar char="•"/>
+            </a:pPr>
+            <a:endParaRPr lang="en-GB" dirty="0">
+              <a:solidFill>
+                <a:schemeClr val="tx1"/>
+              </a:solidFill>
+            </a:endParaRPr>
+          </a:p>
+          <a:p>
+            <a:pPr marL="457200" indent="-457200" algn="l">
+              <a:buFont typeface="Arial" pitchFamily="34" charset="0"/>
+              <a:buChar char="•"/>
+            </a:pPr>
+            <a:endParaRPr lang="en-GB" dirty="0">
+              <a:solidFill>
+                <a:schemeClr val="tx1"/>
+              </a:solidFill>
+            </a:endParaRPr>
+          </a:p>
+          <a:p>
+            <a:pPr marL="457200" indent="-457200" algn="l">
+              <a:buFont typeface="Arial" pitchFamily="34" charset="0"/>
+              <a:buChar char="•"/>
+            </a:pPr>
+            <a:endParaRPr lang="en-GB" dirty="0">
+              <a:solidFill>
+                <a:schemeClr val="tx1"/>
+              </a:solidFill>
+            </a:endParaRPr>
+          </a:p>
+          <a:p>
+            <a:pPr marL="457200" indent="-457200" algn="l">
+              <a:buFont typeface="Arial" pitchFamily="34" charset="0"/>
+              <a:buChar char="•"/>
+            </a:pPr>
+            <a:endParaRPr lang="en-GB" dirty="0">
+              <a:solidFill>
+                <a:schemeClr val="tx1"/>
+              </a:solidFill>
+            </a:endParaRPr>
+          </a:p>
+          <a:p>
+            <a:pPr marL="457200" indent="-457200" algn="l">
+              <a:buFont typeface="Arial" pitchFamily="34" charset="0"/>
+              <a:buChar char="•"/>
+            </a:pPr>
+            <a:endParaRPr lang="en-GB" dirty="0">
+              <a:solidFill>
+                <a:schemeClr val="tx1"/>
+              </a:solidFill>
+            </a:endParaRPr>
+          </a:p>
+          <a:p>
+            <a:pPr marL="457200" indent="-457200" algn="l">
+              <a:buFont typeface="Arial" pitchFamily="34" charset="0"/>
+              <a:buChar char="•"/>
+            </a:pPr>
+            <a:endParaRPr lang="en-GB" dirty="0">
+              <a:solidFill>
+                <a:schemeClr val="tx1"/>
+              </a:solidFill>
+            </a:endParaRPr>
+          </a:p>
+          <a:p>
+            <a:pPr marL="457200" indent="-457200" algn="l">
+              <a:buFont typeface="Arial" pitchFamily="34" charset="0"/>
+              <a:buChar char="•"/>
+            </a:pPr>
+            <a:r>
+              <a:rPr lang="en-GB" dirty="0" err="1">
+                <a:solidFill>
+                  <a:schemeClr val="tx1"/>
+                </a:solidFill>
+              </a:rPr>
+              <a:t>Af</a:t>
+            </a:r>
+            <a:r>
+              <a:rPr lang="en-GB" dirty="0">
+                <a:solidFill>
+                  <a:schemeClr val="tx1"/>
+                </a:solidFill>
+              </a:rPr>
+              <a:t> Anders, </a:t>
+            </a:r>
+            <a:r>
+              <a:rPr lang="en-GB" dirty="0" err="1">
+                <a:solidFill>
+                  <a:schemeClr val="tx1"/>
+                </a:solidFill>
+              </a:rPr>
+              <a:t>Bardur</a:t>
+            </a:r>
+            <a:r>
+              <a:rPr lang="en-GB" dirty="0">
+                <a:solidFill>
+                  <a:schemeClr val="tx1"/>
+                </a:solidFill>
+              </a:rPr>
+              <a:t>, Joaquim &amp; Thomas</a:t>
+            </a:r>
+          </a:p>
+        </p:txBody>
+      </p:sp>
+    </p:spTree>
+    <p:extLst>
+      <p:ext uri="{BB962C8B-B14F-4D97-AF65-F5344CB8AC3E}">
+        <p14:creationId xmlns:p14="http://schemas.microsoft.com/office/powerpoint/2010/main" val="531348853"/>
+      </p:ext>
+    </p:extLst>
+  </p:cSld>
+  <p:clrMapOvr>
+    <a:masterClrMapping/>
+  </p:clrMapOvr>
+</p:sld>
+</file>
+
+<file path=ppt/slides/slide10.xml><?xml version="1.0" encoding="utf-8"?>
+<p:sld xmlns:a="http://schemas.openxmlformats.org/drawingml/2006/main" xmlns:r="http://schemas.openxmlformats.org/officeDocument/2006/relationships" xmlns:p="http://schemas.openxmlformats.org/presentationml/2006/main">
+  <p:cSld>
+    <p:spTree>
+      <p:nvGrpSpPr>
+        <p:cNvPr id="1" name=""/>
+        <p:cNvGrpSpPr/>
+        <p:nvPr/>
+      </p:nvGrpSpPr>
+      <p:grpSpPr>
+        <a:xfrm>
+          <a:off x="0" y="0"/>
+          <a:ext cx="0" cy="0"/>
+          <a:chOff x="0" y="0"/>
+          <a:chExt cx="0" cy="0"/>
+        </a:xfrm>
+      </p:grpSpPr>
+      <p:sp>
+        <p:nvSpPr>
+          <p:cNvPr id="2" name="Title 1"/>
+          <p:cNvSpPr>
+            <a:spLocks noGrp="1"/>
+          </p:cNvSpPr>
+          <p:nvPr>
+            <p:ph type="title"/>
+          </p:nvPr>
+        </p:nvSpPr>
+        <p:spPr/>
+        <p:txBody>
+          <a:bodyPr/>
+          <a:lstStyle/>
+          <a:p>
+            <a:endParaRPr lang="en-GB"/>
+          </a:p>
+        </p:txBody>
+      </p:sp>
+      <p:sp>
+        <p:nvSpPr>
+          <p:cNvPr id="4" name="Text Placeholder 3"/>
+          <p:cNvSpPr>
+            <a:spLocks noGrp="1"/>
+          </p:cNvSpPr>
+          <p:nvPr>
+            <p:ph type="body" sz="half" idx="2"/>
+          </p:nvPr>
+        </p:nvSpPr>
+        <p:spPr/>
+        <p:txBody>
+          <a:bodyPr/>
+          <a:lstStyle/>
+          <a:p>
+            <a:endParaRPr lang="en-GB"/>
+          </a:p>
         </p:txBody>
       </p:sp>
       <p:pic>
         <p:nvPicPr>
-          <p:cNvPr id="5" name="Picture 4"/>
+          <p:cNvPr id="7" name="Picture Placeholder 6"/>
           <p:cNvPicPr>
-            <a:picLocks noChangeAspect="1"/>
+            <a:picLocks noGrp="1" noChangeAspect="1"/>
           </p:cNvPicPr>
-          <p:nvPr/>
+          <p:nvPr>
+            <p:ph type="pic" idx="1"/>
+          </p:nvPr>
+        </p:nvPicPr>
+        <p:blipFill>
+          <a:blip r:embed="rId2" cstate="print">
+            <a:extLst>
+              <a:ext uri="{28A0092B-C50C-407E-A947-70E740481C1C}">
+                <a14:useLocalDpi xmlns:a14="http://schemas.microsoft.com/office/drawing/2010/main" val="0"/>
+              </a:ext>
+            </a:extLst>
+          </a:blip>
+          <a:srcRect l="4588" r="4588"/>
+          <a:stretch>
+            <a:fillRect/>
+          </a:stretch>
+        </p:blipFill>
+        <p:spPr>
+          <a:xfrm rot="16200000">
+            <a:off x="1862138" y="-642938"/>
+            <a:ext cx="3844925" cy="6350001"/>
+          </a:xfrm>
+        </p:spPr>
+      </p:pic>
+    </p:spTree>
+    <p:extLst>
+      <p:ext uri="{BB962C8B-B14F-4D97-AF65-F5344CB8AC3E}">
+        <p14:creationId xmlns:p14="http://schemas.microsoft.com/office/powerpoint/2010/main" val="2836353267"/>
+      </p:ext>
+    </p:extLst>
+  </p:cSld>
+  <p:clrMapOvr>
+    <a:masterClrMapping/>
+  </p:clrMapOvr>
+</p:sld>
+</file>
+
+<file path=ppt/slides/slide11.xml><?xml version="1.0" encoding="utf-8"?>
+<p:sld xmlns:a="http://schemas.openxmlformats.org/drawingml/2006/main" xmlns:r="http://schemas.openxmlformats.org/officeDocument/2006/relationships" xmlns:p="http://schemas.openxmlformats.org/presentationml/2006/main">
+  <p:cSld>
+    <p:spTree>
+      <p:nvGrpSpPr>
+        <p:cNvPr id="1" name=""/>
+        <p:cNvGrpSpPr/>
+        <p:nvPr/>
+      </p:nvGrpSpPr>
+      <p:grpSpPr>
+        <a:xfrm>
+          <a:off x="0" y="0"/>
+          <a:ext cx="0" cy="0"/>
+          <a:chOff x="0" y="0"/>
+          <a:chExt cx="0" cy="0"/>
+        </a:xfrm>
+      </p:grpSpPr>
+      <p:sp>
+        <p:nvSpPr>
+          <p:cNvPr id="2" name="Title 1"/>
+          <p:cNvSpPr>
+            <a:spLocks noGrp="1"/>
+          </p:cNvSpPr>
+          <p:nvPr>
+            <p:ph type="title"/>
+          </p:nvPr>
+        </p:nvSpPr>
+        <p:spPr/>
+        <p:txBody>
+          <a:bodyPr/>
+          <a:lstStyle/>
+          <a:p>
+            <a:r>
+              <a:rPr lang="en-GB" dirty="0" err="1"/>
+              <a:t>Brugerafprøvning</a:t>
+            </a:r>
+            <a:endParaRPr lang="en-GB" dirty="0"/>
+          </a:p>
+        </p:txBody>
+      </p:sp>
+      <p:sp>
+        <p:nvSpPr>
+          <p:cNvPr id="3" name="Content Placeholder 2"/>
+          <p:cNvSpPr>
+            <a:spLocks noGrp="1"/>
+          </p:cNvSpPr>
+          <p:nvPr>
+            <p:ph idx="1"/>
+          </p:nvPr>
+        </p:nvSpPr>
+        <p:spPr/>
+        <p:txBody>
+          <a:bodyPr/>
+          <a:lstStyle/>
+          <a:p>
+            <a:r>
+              <a:rPr lang="en-GB" dirty="0"/>
+              <a:t>(</a:t>
+            </a:r>
+            <a:r>
+              <a:rPr lang="en-GB" dirty="0" err="1"/>
+              <a:t>Opgaver</a:t>
+            </a:r>
+            <a:r>
+              <a:rPr lang="en-GB" dirty="0"/>
+              <a:t> der </a:t>
+            </a:r>
+            <a:r>
+              <a:rPr lang="en-GB" dirty="0" err="1"/>
+              <a:t>blev</a:t>
+            </a:r>
+            <a:r>
+              <a:rPr lang="en-GB" dirty="0"/>
+              <a:t> </a:t>
+            </a:r>
+            <a:r>
+              <a:rPr lang="en-GB" dirty="0" err="1"/>
+              <a:t>givet</a:t>
+            </a:r>
+            <a:r>
+              <a:rPr lang="en-GB" dirty="0"/>
+              <a:t> </a:t>
+            </a:r>
+            <a:r>
+              <a:rPr lang="en-GB" dirty="0" err="1"/>
+              <a:t>ud</a:t>
+            </a:r>
+            <a:r>
+              <a:rPr lang="en-GB" dirty="0"/>
+              <a:t>)</a:t>
+            </a:r>
+          </a:p>
+          <a:p>
+            <a:r>
+              <a:rPr lang="en-GB" dirty="0"/>
+              <a:t>(</a:t>
+            </a:r>
+            <a:r>
+              <a:rPr lang="en-GB" dirty="0" err="1"/>
+              <a:t>Resultater</a:t>
+            </a:r>
+            <a:r>
+              <a:rPr lang="en-GB" dirty="0"/>
+              <a:t>)</a:t>
+            </a:r>
+          </a:p>
+        </p:txBody>
+      </p:sp>
+    </p:spTree>
+    <p:extLst>
+      <p:ext uri="{BB962C8B-B14F-4D97-AF65-F5344CB8AC3E}">
+        <p14:creationId xmlns:p14="http://schemas.microsoft.com/office/powerpoint/2010/main" val="2225442750"/>
+      </p:ext>
+    </p:extLst>
+  </p:cSld>
+  <p:clrMapOvr>
+    <a:masterClrMapping/>
+  </p:clrMapOvr>
+</p:sld>
+</file>
+
+<file path=ppt/slides/slide12.xml><?xml version="1.0" encoding="utf-8"?>
+<p:sld xmlns:a="http://schemas.openxmlformats.org/drawingml/2006/main" xmlns:r="http://schemas.openxmlformats.org/officeDocument/2006/relationships" xmlns:p="http://schemas.openxmlformats.org/presentationml/2006/main">
+  <p:cSld>
+    <p:spTree>
+      <p:nvGrpSpPr>
+        <p:cNvPr id="1" name=""/>
+        <p:cNvGrpSpPr/>
+        <p:nvPr/>
+      </p:nvGrpSpPr>
+      <p:grpSpPr>
+        <a:xfrm>
+          <a:off x="0" y="0"/>
+          <a:ext cx="0" cy="0"/>
+          <a:chOff x="0" y="0"/>
+          <a:chExt cx="0" cy="0"/>
+        </a:xfrm>
+      </p:grpSpPr>
+      <p:sp>
+        <p:nvSpPr>
+          <p:cNvPr id="2" name="Title 1"/>
+          <p:cNvSpPr>
+            <a:spLocks noGrp="1"/>
+          </p:cNvSpPr>
+          <p:nvPr>
+            <p:ph type="title"/>
+          </p:nvPr>
+        </p:nvSpPr>
+        <p:spPr/>
+        <p:txBody>
+          <a:bodyPr/>
+          <a:lstStyle/>
+          <a:p>
+            <a:r>
+              <a:rPr lang="en-GB" dirty="0" err="1"/>
+              <a:t>Aktivitets</a:t>
+            </a:r>
+            <a:r>
+              <a:rPr lang="en-GB" dirty="0"/>
+              <a:t> Diagram</a:t>
+            </a:r>
+          </a:p>
+        </p:txBody>
+      </p:sp>
+      <p:pic>
+        <p:nvPicPr>
+          <p:cNvPr id="4" name="Content Placeholder 3"/>
+          <p:cNvPicPr>
+            <a:picLocks noGrp="1" noChangeAspect="1"/>
+          </p:cNvPicPr>
+          <p:nvPr>
+            <p:ph idx="1"/>
+          </p:nvPr>
         </p:nvPicPr>
         <p:blipFill>
           <a:blip r:embed="rId2">
@@ -6151,18 +6536,15 @@
         </p:blipFill>
         <p:spPr>
           <a:xfrm>
-            <a:off x="755576" y="1268760"/>
-            <a:ext cx="5722388" cy="5202171"/>
+            <a:off x="887657" y="2160588"/>
+            <a:ext cx="5792298" cy="3881437"/>
           </a:xfrm>
-          <a:prstGeom prst="rect">
-            <a:avLst/>
-          </a:prstGeom>
         </p:spPr>
       </p:pic>
     </p:spTree>
     <p:extLst>
       <p:ext uri="{BB962C8B-B14F-4D97-AF65-F5344CB8AC3E}">
-        <p14:creationId xmlns:p14="http://schemas.microsoft.com/office/powerpoint/2010/main" val="531348853"/>
+        <p14:creationId xmlns:p14="http://schemas.microsoft.com/office/powerpoint/2010/main" val="835519421"/>
       </p:ext>
     </p:extLst>
   </p:cSld>
@@ -6227,117 +6609,23 @@
           <a:bodyPr/>
           <a:lstStyle/>
           <a:p>
-            <a:r>
-              <a:rPr lang="en-GB" dirty="0">
+            <a:pPr marL="0" indent="0">
+              <a:buNone/>
+            </a:pPr>
+            <a:endParaRPr lang="en-GB" dirty="0">
+              <a:solidFill>
+                <a:schemeClr val="tx1"/>
+              </a:solidFill>
+            </a:endParaRPr>
+          </a:p>
+          <a:p>
+            <a:r>
+              <a:rPr lang="en-GB" dirty="0" err="1">
                 <a:solidFill>
                   <a:schemeClr val="tx1"/>
                 </a:solidFill>
               </a:rPr>
-              <a:t>Vi </a:t>
-            </a:r>
-            <a:r>
-              <a:rPr lang="en-GB" dirty="0" err="1">
-                <a:solidFill>
-                  <a:schemeClr val="tx1"/>
-                </a:solidFill>
-              </a:rPr>
-              <a:t>har</a:t>
-            </a:r>
-            <a:r>
-              <a:rPr lang="en-GB" dirty="0">
-                <a:solidFill>
-                  <a:schemeClr val="tx1"/>
-                </a:solidFill>
-              </a:rPr>
-              <a:t> </a:t>
-            </a:r>
-            <a:r>
-              <a:rPr lang="en-GB" dirty="0" err="1">
-                <a:solidFill>
-                  <a:schemeClr val="tx1"/>
-                </a:solidFill>
-              </a:rPr>
-              <a:t>valgt</a:t>
-            </a:r>
-            <a:r>
-              <a:rPr lang="en-GB" dirty="0">
-                <a:solidFill>
-                  <a:schemeClr val="tx1"/>
-                </a:solidFill>
-              </a:rPr>
-              <a:t> at </a:t>
-            </a:r>
-            <a:r>
-              <a:rPr lang="en-GB" dirty="0" err="1">
-                <a:solidFill>
-                  <a:schemeClr val="tx1"/>
-                </a:solidFill>
-              </a:rPr>
-              <a:t>afgrænse</a:t>
-            </a:r>
-            <a:r>
-              <a:rPr lang="en-GB" dirty="0">
-                <a:solidFill>
-                  <a:schemeClr val="tx1"/>
-                </a:solidFill>
-              </a:rPr>
-              <a:t> </a:t>
-            </a:r>
-            <a:r>
-              <a:rPr lang="en-GB" dirty="0" err="1">
-                <a:solidFill>
-                  <a:schemeClr val="tx1"/>
-                </a:solidFill>
-              </a:rPr>
-              <a:t>os</a:t>
-            </a:r>
-            <a:r>
-              <a:rPr lang="en-GB" dirty="0">
-                <a:solidFill>
-                  <a:schemeClr val="tx1"/>
-                </a:solidFill>
-              </a:rPr>
-              <a:t> </a:t>
-            </a:r>
-            <a:r>
-              <a:rPr lang="en-GB" dirty="0" err="1">
-                <a:solidFill>
-                  <a:schemeClr val="tx1"/>
-                </a:solidFill>
-              </a:rPr>
-              <a:t>til</a:t>
-            </a:r>
-            <a:r>
-              <a:rPr lang="en-GB" dirty="0">
-                <a:solidFill>
-                  <a:schemeClr val="tx1"/>
-                </a:solidFill>
-              </a:rPr>
-              <a:t> at lave </a:t>
-            </a:r>
-            <a:r>
-              <a:rPr lang="en-GB" dirty="0" err="1">
-                <a:solidFill>
-                  <a:schemeClr val="tx1"/>
-                </a:solidFill>
-              </a:rPr>
-              <a:t>en</a:t>
-            </a:r>
-            <a:r>
-              <a:rPr lang="en-GB" dirty="0">
-                <a:solidFill>
-                  <a:schemeClr val="tx1"/>
-                </a:solidFill>
-              </a:rPr>
-              <a:t> </a:t>
-            </a:r>
-            <a:r>
-              <a:rPr lang="en-GB" dirty="0" err="1">
-                <a:solidFill>
-                  <a:schemeClr val="tx1"/>
-                </a:solidFill>
-              </a:rPr>
-              <a:t>oversigt</a:t>
+              <a:t>Oversigt</a:t>
             </a:r>
             <a:r>
               <a:rPr lang="en-GB" dirty="0">
@@ -6361,15 +6649,31 @@
                   <a:schemeClr val="tx1"/>
                 </a:solidFill>
               </a:rPr>
-              <a:t> med </a:t>
-            </a:r>
+              <a:t>.</a:t>
+            </a:r>
+          </a:p>
+          <a:p>
+            <a:endParaRPr lang="en-GB" dirty="0">
+              <a:solidFill>
+                <a:schemeClr val="tx1"/>
+              </a:solidFill>
+            </a:endParaRPr>
+          </a:p>
+          <a:p>
+            <a:endParaRPr lang="en-GB" dirty="0">
+              <a:solidFill>
+                <a:schemeClr val="tx1"/>
+              </a:solidFill>
+            </a:endParaRPr>
+          </a:p>
+          <a:p>
             <a:r>
               <a:rPr lang="en-GB" dirty="0" err="1">
                 <a:solidFill>
                   <a:schemeClr val="tx1"/>
                 </a:solidFill>
               </a:rPr>
-              <a:t>mulighed</a:t>
+              <a:t>Venteliste</a:t>
             </a:r>
             <a:r>
               <a:rPr lang="en-GB" dirty="0">
@@ -6377,199 +6681,7 @@
                   <a:schemeClr val="tx1"/>
                 </a:solidFill>
               </a:rPr>
-              <a:t> for at se </a:t>
-            </a:r>
-            <a:r>
-              <a:rPr lang="en-GB" dirty="0" err="1">
-                <a:solidFill>
-                  <a:schemeClr val="tx1"/>
-                </a:solidFill>
-              </a:rPr>
-              <a:t>deres</a:t>
-            </a:r>
-            <a:r>
-              <a:rPr lang="en-GB" dirty="0">
-                <a:solidFill>
-                  <a:schemeClr val="tx1"/>
-                </a:solidFill>
-              </a:rPr>
-              <a:t> information, </a:t>
-            </a:r>
-            <a:r>
-              <a:rPr lang="en-GB" dirty="0" err="1">
-                <a:solidFill>
-                  <a:schemeClr val="tx1"/>
-                </a:solidFill>
-              </a:rPr>
-              <a:t>og</a:t>
-            </a:r>
-            <a:r>
-              <a:rPr lang="en-GB" dirty="0">
-                <a:solidFill>
-                  <a:schemeClr val="tx1"/>
-                </a:solidFill>
-              </a:rPr>
-              <a:t> </a:t>
-            </a:r>
-            <a:r>
-              <a:rPr lang="en-GB" dirty="0" err="1">
-                <a:solidFill>
-                  <a:schemeClr val="tx1"/>
-                </a:solidFill>
-              </a:rPr>
-              <a:t>en</a:t>
-            </a:r>
-            <a:r>
-              <a:rPr lang="en-GB" dirty="0">
-                <a:solidFill>
-                  <a:schemeClr val="tx1"/>
-                </a:solidFill>
-              </a:rPr>
-              <a:t> </a:t>
-            </a:r>
-            <a:r>
-              <a:rPr lang="en-GB" dirty="0" err="1">
-                <a:solidFill>
-                  <a:schemeClr val="tx1"/>
-                </a:solidFill>
-              </a:rPr>
-              <a:t>venteliste</a:t>
-            </a:r>
-            <a:r>
-              <a:rPr lang="en-GB" dirty="0">
-                <a:solidFill>
-                  <a:schemeClr val="tx1"/>
-                </a:solidFill>
-              </a:rPr>
-              <a:t> </a:t>
-            </a:r>
-            <a:r>
-              <a:rPr lang="en-GB" dirty="0" err="1">
-                <a:solidFill>
-                  <a:schemeClr val="tx1"/>
-                </a:solidFill>
-              </a:rPr>
-              <a:t>hvor</a:t>
-            </a:r>
-            <a:r>
-              <a:rPr lang="en-GB" dirty="0">
-                <a:solidFill>
-                  <a:schemeClr val="tx1"/>
-                </a:solidFill>
-              </a:rPr>
-              <a:t> </a:t>
-            </a:r>
-            <a:r>
-              <a:rPr lang="en-GB" dirty="0" err="1">
-                <a:solidFill>
-                  <a:schemeClr val="tx1"/>
-                </a:solidFill>
-              </a:rPr>
-              <a:t>det</a:t>
-            </a:r>
-            <a:r>
-              <a:rPr lang="en-GB" dirty="0">
-                <a:solidFill>
-                  <a:schemeClr val="tx1"/>
-                </a:solidFill>
-              </a:rPr>
-              <a:t> </a:t>
-            </a:r>
-            <a:r>
-              <a:rPr lang="en-GB" dirty="0" err="1">
-                <a:solidFill>
-                  <a:schemeClr val="tx1"/>
-                </a:solidFill>
-              </a:rPr>
-              <a:t>er</a:t>
-            </a:r>
-            <a:r>
-              <a:rPr lang="en-GB" dirty="0">
-                <a:solidFill>
-                  <a:schemeClr val="tx1"/>
-                </a:solidFill>
-              </a:rPr>
-              <a:t> </a:t>
-            </a:r>
-            <a:r>
-              <a:rPr lang="en-GB" dirty="0" err="1">
-                <a:solidFill>
-                  <a:schemeClr val="tx1"/>
-                </a:solidFill>
-              </a:rPr>
-              <a:t>muligt</a:t>
-            </a:r>
-            <a:r>
-              <a:rPr lang="en-GB" dirty="0">
-                <a:solidFill>
-                  <a:schemeClr val="tx1"/>
-                </a:solidFill>
-              </a:rPr>
-              <a:t> at </a:t>
-            </a:r>
-            <a:r>
-              <a:rPr lang="en-GB" dirty="0" err="1">
-                <a:solidFill>
-                  <a:schemeClr val="tx1"/>
-                </a:solidFill>
-              </a:rPr>
-              <a:t>tilføje</a:t>
-            </a:r>
-            <a:r>
-              <a:rPr lang="en-GB" dirty="0">
-                <a:solidFill>
-                  <a:schemeClr val="tx1"/>
-                </a:solidFill>
-              </a:rPr>
-              <a:t> </a:t>
-            </a:r>
-            <a:r>
-              <a:rPr lang="en-GB" dirty="0" err="1">
-                <a:solidFill>
-                  <a:schemeClr val="tx1"/>
-                </a:solidFill>
-              </a:rPr>
-              <a:t>børn</a:t>
-            </a:r>
-            <a:r>
-              <a:rPr lang="en-GB" dirty="0">
-                <a:solidFill>
-                  <a:schemeClr val="tx1"/>
-                </a:solidFill>
-              </a:rPr>
-              <a:t> </a:t>
-            </a:r>
-            <a:r>
-              <a:rPr lang="en-GB" dirty="0" err="1">
-                <a:solidFill>
-                  <a:schemeClr val="tx1"/>
-                </a:solidFill>
-              </a:rPr>
-              <a:t>til</a:t>
-            </a:r>
-            <a:r>
-              <a:rPr lang="en-GB" dirty="0">
-                <a:solidFill>
-                  <a:schemeClr val="tx1"/>
-                </a:solidFill>
-              </a:rPr>
-              <a:t> </a:t>
-            </a:r>
-            <a:r>
-              <a:rPr lang="en-GB" dirty="0" err="1">
-                <a:solidFill>
-                  <a:schemeClr val="tx1"/>
-                </a:solidFill>
-              </a:rPr>
-              <a:t>børnehaven</a:t>
-            </a:r>
-            <a:r>
-              <a:rPr lang="en-GB" dirty="0">
-                <a:solidFill>
-                  <a:schemeClr val="tx1"/>
-                </a:solidFill>
-              </a:rPr>
-              <a:t>.</a:t>
+              <a:t>. </a:t>
             </a:r>
           </a:p>
         </p:txBody>
@@ -6648,211 +6760,6 @@
           <a:bodyPr/>
           <a:lstStyle/>
           <a:p>
-            <a:r>
-              <a:rPr lang="en-GB" dirty="0"/>
-              <a:t>I </a:t>
-            </a:r>
-            <a:r>
-              <a:rPr lang="en-GB" dirty="0" err="1"/>
-              <a:t>første</a:t>
-            </a:r>
-            <a:r>
-              <a:rPr lang="en-GB" dirty="0"/>
-              <a:t> </a:t>
-            </a:r>
-            <a:r>
-              <a:rPr lang="en-GB" dirty="0" err="1"/>
-              <a:t>udkast</a:t>
-            </a:r>
-            <a:r>
-              <a:rPr lang="en-GB" dirty="0"/>
-              <a:t> </a:t>
-            </a:r>
-            <a:r>
-              <a:rPr lang="en-GB" dirty="0" err="1"/>
-              <a:t>af</a:t>
-            </a:r>
-            <a:r>
-              <a:rPr lang="en-GB" dirty="0"/>
-              <a:t> </a:t>
-            </a:r>
-            <a:r>
-              <a:rPr lang="en-GB" dirty="0" err="1"/>
-              <a:t>vores</a:t>
-            </a:r>
-            <a:r>
-              <a:rPr lang="en-GB" dirty="0"/>
-              <a:t> paper-prototype </a:t>
-            </a:r>
-            <a:r>
-              <a:rPr lang="en-GB" dirty="0" err="1"/>
-              <a:t>havde</a:t>
-            </a:r>
-            <a:r>
-              <a:rPr lang="en-GB" dirty="0"/>
-              <a:t> vi </a:t>
-            </a:r>
-            <a:r>
-              <a:rPr lang="en-GB" dirty="0" err="1"/>
-              <a:t>tilføjet</a:t>
-            </a:r>
-            <a:r>
-              <a:rPr lang="en-GB" dirty="0"/>
-              <a:t> </a:t>
-            </a:r>
-            <a:r>
-              <a:rPr lang="en-GB" dirty="0" err="1"/>
-              <a:t>ventelisten</a:t>
-            </a:r>
-            <a:r>
-              <a:rPr lang="en-GB" dirty="0"/>
-              <a:t> </a:t>
-            </a:r>
-            <a:r>
-              <a:rPr lang="en-GB" dirty="0" err="1"/>
-              <a:t>til</a:t>
-            </a:r>
-            <a:r>
-              <a:rPr lang="en-GB" dirty="0"/>
-              <a:t> </a:t>
-            </a:r>
-            <a:r>
-              <a:rPr lang="en-GB" dirty="0" err="1"/>
-              <a:t>børnelisten</a:t>
-            </a:r>
-            <a:r>
-              <a:rPr lang="en-GB" dirty="0"/>
-              <a:t>.</a:t>
-            </a:r>
-          </a:p>
-          <a:p>
-            <a:r>
-              <a:rPr lang="en-GB" dirty="0" err="1"/>
-              <a:t>Forsøgspersonen</a:t>
-            </a:r>
-            <a:r>
-              <a:rPr lang="en-GB" dirty="0"/>
-              <a:t> </a:t>
-            </a:r>
-            <a:r>
-              <a:rPr lang="en-GB" dirty="0" err="1"/>
-              <a:t>spurgte</a:t>
-            </a:r>
-            <a:r>
-              <a:rPr lang="en-GB" dirty="0"/>
-              <a:t> </a:t>
-            </a:r>
-            <a:r>
-              <a:rPr lang="en-GB" dirty="0" err="1"/>
-              <a:t>ind</a:t>
-            </a:r>
-            <a:r>
-              <a:rPr lang="en-GB" dirty="0"/>
-              <a:t> </a:t>
-            </a:r>
-            <a:r>
-              <a:rPr lang="en-GB" dirty="0" err="1"/>
-              <a:t>til</a:t>
-            </a:r>
-            <a:r>
-              <a:rPr lang="en-GB" dirty="0"/>
-              <a:t> </a:t>
-            </a:r>
-            <a:r>
-              <a:rPr lang="en-GB" dirty="0" err="1"/>
-              <a:t>ventelisten</a:t>
-            </a:r>
-            <a:r>
-              <a:rPr lang="en-GB" dirty="0"/>
-              <a:t> </a:t>
-            </a:r>
-            <a:r>
-              <a:rPr lang="en-GB" dirty="0" err="1"/>
-              <a:t>og</a:t>
-            </a:r>
-            <a:r>
-              <a:rPr lang="en-GB" dirty="0"/>
-              <a:t> </a:t>
-            </a:r>
-            <a:r>
-              <a:rPr lang="en-GB" dirty="0" err="1"/>
-              <a:t>hvordan</a:t>
-            </a:r>
-            <a:r>
-              <a:rPr lang="en-GB" dirty="0"/>
-              <a:t> vi </a:t>
-            </a:r>
-            <a:r>
-              <a:rPr lang="en-GB" dirty="0" err="1"/>
-              <a:t>sorterede</a:t>
-            </a:r>
-            <a:r>
-              <a:rPr lang="en-GB" dirty="0"/>
-              <a:t> </a:t>
-            </a:r>
-            <a:r>
-              <a:rPr lang="en-GB" dirty="0" err="1"/>
-              <a:t>imellem</a:t>
-            </a:r>
-            <a:r>
-              <a:rPr lang="en-GB" dirty="0"/>
-              <a:t> </a:t>
-            </a:r>
-            <a:r>
-              <a:rPr lang="en-GB" dirty="0" err="1"/>
-              <a:t>dem.</a:t>
-            </a:r>
-            <a:endParaRPr lang="en-GB" dirty="0"/>
-          </a:p>
-          <a:p>
-            <a:r>
-              <a:rPr lang="en-GB" dirty="0"/>
-              <a:t>Vi </a:t>
-            </a:r>
-            <a:r>
-              <a:rPr lang="en-GB" dirty="0" err="1"/>
-              <a:t>indså</a:t>
-            </a:r>
-            <a:r>
-              <a:rPr lang="en-GB" dirty="0"/>
-              <a:t> at </a:t>
-            </a:r>
-            <a:r>
-              <a:rPr lang="en-GB" dirty="0" err="1"/>
-              <a:t>ventelisten</a:t>
-            </a:r>
-            <a:r>
-              <a:rPr lang="en-GB" dirty="0"/>
-              <a:t> </a:t>
-            </a:r>
-            <a:r>
-              <a:rPr lang="en-GB" dirty="0" err="1"/>
-              <a:t>måtte</a:t>
-            </a:r>
-            <a:r>
-              <a:rPr lang="en-GB" dirty="0"/>
-              <a:t> </a:t>
-            </a:r>
-            <a:r>
-              <a:rPr lang="en-GB" dirty="0" err="1"/>
-              <a:t>være</a:t>
-            </a:r>
-            <a:r>
-              <a:rPr lang="en-GB" dirty="0"/>
-              <a:t> en </a:t>
-            </a:r>
-            <a:r>
-              <a:rPr lang="en-GB" dirty="0" err="1"/>
-              <a:t>liste</a:t>
-            </a:r>
-            <a:r>
-              <a:rPr lang="en-GB" dirty="0"/>
-              <a:t> </a:t>
-            </a:r>
-            <a:r>
-              <a:rPr lang="en-GB"/>
-              <a:t>for sig.</a:t>
-            </a:r>
             <a:endParaRPr lang="en-GB" dirty="0"/>
           </a:p>
         </p:txBody>
@@ -6902,21 +6809,43 @@
           <a:bodyPr/>
           <a:lstStyle/>
           <a:p>
-            <a:r>
-              <a:rPr lang="en-GB" dirty="0"/>
-              <a:t>Paper-Prototype 2</a:t>
-            </a:r>
-          </a:p>
-        </p:txBody>
-      </p:sp>
-      <p:sp>
-        <p:nvSpPr>
-          <p:cNvPr id="3" name="Content Placeholder 2"/>
-          <p:cNvSpPr>
-            <a:spLocks noGrp="1"/>
-          </p:cNvSpPr>
-          <p:nvPr>
-            <p:ph idx="1"/>
+            <a:endParaRPr lang="en-GB"/>
+          </a:p>
+        </p:txBody>
+      </p:sp>
+      <p:pic>
+        <p:nvPicPr>
+          <p:cNvPr id="5" name="Picture Placeholder 4"/>
+          <p:cNvPicPr>
+            <a:picLocks noGrp="1" noChangeAspect="1"/>
+          </p:cNvPicPr>
+          <p:nvPr>
+            <p:ph type="pic" idx="1"/>
+          </p:nvPr>
+        </p:nvPicPr>
+        <p:blipFill>
+          <a:blip r:embed="rId2" cstate="print">
+            <a:extLst>
+              <a:ext uri="{28A0092B-C50C-407E-A947-70E740481C1C}">
+                <a14:useLocalDpi xmlns:a14="http://schemas.microsoft.com/office/drawing/2010/main" val="0"/>
+              </a:ext>
+            </a:extLst>
+          </a:blip>
+          <a:srcRect t="9623" b="9623"/>
+          <a:stretch>
+            <a:fillRect/>
+          </a:stretch>
+        </p:blipFill>
+        <p:spPr/>
+      </p:pic>
+      <p:sp>
+        <p:nvSpPr>
+          <p:cNvPr id="4" name="Text Placeholder 3"/>
+          <p:cNvSpPr>
+            <a:spLocks noGrp="1"/>
+          </p:cNvSpPr>
+          <p:nvPr>
+            <p:ph type="body" sz="half" idx="2"/>
           </p:nvPr>
         </p:nvSpPr>
         <p:spPr/>
@@ -6931,7 +6860,7 @@
     </p:spTree>
     <p:extLst>
       <p:ext uri="{BB962C8B-B14F-4D97-AF65-F5344CB8AC3E}">
-        <p14:creationId xmlns:p14="http://schemas.microsoft.com/office/powerpoint/2010/main" val="513607891"/>
+        <p14:creationId xmlns:p14="http://schemas.microsoft.com/office/powerpoint/2010/main" val="3739445661"/>
       </p:ext>
     </p:extLst>
   </p:cSld>
@@ -6973,86 +6902,58 @@
           <a:bodyPr/>
           <a:lstStyle/>
           <a:p>
-            <a:r>
-              <a:rPr lang="en-GB" dirty="0" err="1"/>
-              <a:t>Brugerafprøvning</a:t>
-            </a:r>
-            <a:endParaRPr lang="en-GB" dirty="0"/>
-          </a:p>
-        </p:txBody>
-      </p:sp>
-      <p:sp>
-        <p:nvSpPr>
-          <p:cNvPr id="3" name="Content Placeholder 2"/>
-          <p:cNvSpPr>
-            <a:spLocks noGrp="1"/>
-          </p:cNvSpPr>
-          <p:nvPr>
-            <p:ph idx="1"/>
-          </p:nvPr>
-        </p:nvSpPr>
+            <a:endParaRPr lang="en-GB"/>
+          </a:p>
+        </p:txBody>
+      </p:sp>
+      <p:pic>
+        <p:nvPicPr>
+          <p:cNvPr id="5" name="Picture Placeholder 4"/>
+          <p:cNvPicPr>
+            <a:picLocks noGrp="1" noChangeAspect="1"/>
+          </p:cNvPicPr>
+          <p:nvPr>
+            <p:ph type="pic" idx="1"/>
+          </p:nvPr>
+        </p:nvPicPr>
+        <p:blipFill>
+          <a:blip r:embed="rId2" cstate="print">
+            <a:extLst>
+              <a:ext uri="{28A0092B-C50C-407E-A947-70E740481C1C}">
+                <a14:useLocalDpi xmlns:a14="http://schemas.microsoft.com/office/drawing/2010/main" val="0"/>
+              </a:ext>
+            </a:extLst>
+          </a:blip>
+          <a:srcRect t="9623" b="9623"/>
+          <a:stretch>
+            <a:fillRect/>
+          </a:stretch>
+        </p:blipFill>
         <p:spPr/>
+      </p:pic>
+      <p:sp>
+        <p:nvSpPr>
+          <p:cNvPr id="4" name="Text Placeholder 3"/>
+          <p:cNvSpPr>
+            <a:spLocks noGrp="1"/>
+          </p:cNvSpPr>
+          <p:nvPr>
+            <p:ph type="body" sz="half" idx="2"/>
+          </p:nvPr>
+        </p:nvSpPr>
+        <p:spPr/>
         <p:txBody>
           <a:bodyPr/>
           <a:lstStyle/>
           <a:p>
-            <a:r>
-              <a:rPr lang="en-GB" dirty="0"/>
-              <a:t>(</a:t>
-            </a:r>
-            <a:r>
-              <a:rPr lang="en-GB" dirty="0" err="1"/>
-              <a:t>Opgaver</a:t>
-            </a:r>
-            <a:r>
-              <a:rPr lang="en-GB" dirty="0"/>
-              <a:t> der </a:t>
-            </a:r>
-            <a:r>
-              <a:rPr lang="en-GB" dirty="0" err="1"/>
-              <a:t>blev</a:t>
-            </a:r>
-            <a:r>
-              <a:rPr lang="en-GB" dirty="0"/>
-              <a:t> </a:t>
-            </a:r>
-            <a:r>
-              <a:rPr lang="en-GB" dirty="0" err="1"/>
-              <a:t>givet</a:t>
-            </a:r>
-            <a:r>
-              <a:rPr lang="en-GB" dirty="0"/>
-              <a:t> </a:t>
-            </a:r>
-            <a:r>
-              <a:rPr lang="en-GB" dirty="0" err="1"/>
-              <a:t>ud</a:t>
-            </a:r>
-            <a:r>
-              <a:rPr lang="en-GB" dirty="0"/>
-              <a:t>)</a:t>
-            </a:r>
-          </a:p>
-          <a:p>
-            <a:r>
-              <a:rPr lang="en-GB" dirty="0"/>
-              <a:t>(</a:t>
-            </a:r>
-            <a:r>
-              <a:rPr lang="en-GB" dirty="0" err="1"/>
-              <a:t>Resultater</a:t>
-            </a:r>
-            <a:r>
-              <a:rPr lang="en-GB" dirty="0"/>
-              <a:t>)</a:t>
-            </a:r>
+            <a:endParaRPr lang="en-GB"/>
           </a:p>
         </p:txBody>
       </p:sp>
     </p:spTree>
     <p:extLst>
       <p:ext uri="{BB962C8B-B14F-4D97-AF65-F5344CB8AC3E}">
-        <p14:creationId xmlns:p14="http://schemas.microsoft.com/office/powerpoint/2010/main" val="2225442750"/>
+        <p14:creationId xmlns:p14="http://schemas.microsoft.com/office/powerpoint/2010/main" val="402868710"/>
       </p:ext>
     </p:extLst>
   </p:cSld>
@@ -7095,12 +6996,8 @@
           <a:lstStyle/>
           <a:p>
             <a:r>
-              <a:rPr lang="en-GB" dirty="0" err="1"/>
-              <a:t>Activitets</a:t>
-            </a:r>
-            <a:r>
               <a:rPr lang="en-GB" dirty="0"/>
-              <a:t> Diagram</a:t>
+              <a:t>Paper-Prototype 2</a:t>
             </a:r>
           </a:p>
         </p:txBody>
@@ -7127,7 +7024,7 @@
     </p:spTree>
     <p:extLst>
       <p:ext uri="{BB962C8B-B14F-4D97-AF65-F5344CB8AC3E}">
-        <p14:creationId xmlns:p14="http://schemas.microsoft.com/office/powerpoint/2010/main" val="835519421"/>
+        <p14:creationId xmlns:p14="http://schemas.microsoft.com/office/powerpoint/2010/main" val="513607891"/>
       </p:ext>
     </p:extLst>
   </p:cSld>
@@ -7169,22 +7066,43 @@
           <a:bodyPr/>
           <a:lstStyle/>
           <a:p>
-            <a:r>
-              <a:rPr lang="en-GB" dirty="0" err="1"/>
-              <a:t>Kode</a:t>
-            </a:r>
-            <a:endParaRPr lang="en-GB" dirty="0"/>
-          </a:p>
-        </p:txBody>
-      </p:sp>
-      <p:sp>
-        <p:nvSpPr>
-          <p:cNvPr id="6" name="Content Placeholder 5"/>
-          <p:cNvSpPr>
-            <a:spLocks noGrp="1"/>
-          </p:cNvSpPr>
-          <p:nvPr>
-            <p:ph idx="1"/>
+            <a:endParaRPr lang="en-GB"/>
+          </a:p>
+        </p:txBody>
+      </p:sp>
+      <p:pic>
+        <p:nvPicPr>
+          <p:cNvPr id="5" name="Picture Placeholder 4"/>
+          <p:cNvPicPr>
+            <a:picLocks noGrp="1" noChangeAspect="1"/>
+          </p:cNvPicPr>
+          <p:nvPr>
+            <p:ph type="pic" idx="1"/>
+          </p:nvPr>
+        </p:nvPicPr>
+        <p:blipFill>
+          <a:blip r:embed="rId2" cstate="print">
+            <a:extLst>
+              <a:ext uri="{28A0092B-C50C-407E-A947-70E740481C1C}">
+                <a14:useLocalDpi xmlns:a14="http://schemas.microsoft.com/office/drawing/2010/main" val="0"/>
+              </a:ext>
+            </a:extLst>
+          </a:blip>
+          <a:srcRect t="9623" b="9623"/>
+          <a:stretch>
+            <a:fillRect/>
+          </a:stretch>
+        </p:blipFill>
+        <p:spPr/>
+      </p:pic>
+      <p:sp>
+        <p:nvSpPr>
+          <p:cNvPr id="4" name="Text Placeholder 3"/>
+          <p:cNvSpPr>
+            <a:spLocks noGrp="1"/>
+          </p:cNvSpPr>
+          <p:nvPr>
+            <p:ph type="body" sz="half" idx="2"/>
           </p:nvPr>
         </p:nvSpPr>
         <p:spPr/>
@@ -7199,7 +7117,7 @@
     </p:spTree>
     <p:extLst>
       <p:ext uri="{BB962C8B-B14F-4D97-AF65-F5344CB8AC3E}">
-        <p14:creationId xmlns:p14="http://schemas.microsoft.com/office/powerpoint/2010/main" val="2092252325"/>
+        <p14:creationId xmlns:p14="http://schemas.microsoft.com/office/powerpoint/2010/main" val="3864877831"/>
       </p:ext>
     </p:extLst>
   </p:cSld>
@@ -7241,22 +7159,43 @@
           <a:bodyPr/>
           <a:lstStyle/>
           <a:p>
-            <a:r>
-              <a:rPr lang="en-GB" dirty="0" err="1"/>
-              <a:t>Konklusion</a:t>
-            </a:r>
-            <a:endParaRPr lang="en-GB" dirty="0"/>
-          </a:p>
-        </p:txBody>
-      </p:sp>
-      <p:sp>
-        <p:nvSpPr>
-          <p:cNvPr id="3" name="Content Placeholder 2"/>
-          <p:cNvSpPr>
-            <a:spLocks noGrp="1"/>
-          </p:cNvSpPr>
-          <p:nvPr>
-            <p:ph idx="1"/>
+            <a:endParaRPr lang="en-GB"/>
+          </a:p>
+        </p:txBody>
+      </p:sp>
+      <p:pic>
+        <p:nvPicPr>
+          <p:cNvPr id="5" name="Picture Placeholder 4"/>
+          <p:cNvPicPr>
+            <a:picLocks noGrp="1" noChangeAspect="1"/>
+          </p:cNvPicPr>
+          <p:nvPr>
+            <p:ph type="pic" idx="1"/>
+          </p:nvPr>
+        </p:nvPicPr>
+        <p:blipFill>
+          <a:blip r:embed="rId2" cstate="print">
+            <a:extLst>
+              <a:ext uri="{28A0092B-C50C-407E-A947-70E740481C1C}">
+                <a14:useLocalDpi xmlns:a14="http://schemas.microsoft.com/office/drawing/2010/main" val="0"/>
+              </a:ext>
+            </a:extLst>
+          </a:blip>
+          <a:srcRect t="9623" b="9623"/>
+          <a:stretch>
+            <a:fillRect/>
+          </a:stretch>
+        </p:blipFill>
+        <p:spPr/>
+      </p:pic>
+      <p:sp>
+        <p:nvSpPr>
+          <p:cNvPr id="4" name="Text Placeholder 3"/>
+          <p:cNvSpPr>
+            <a:spLocks noGrp="1"/>
+          </p:cNvSpPr>
+          <p:nvPr>
+            <p:ph type="body" sz="half" idx="2"/>
           </p:nvPr>
         </p:nvSpPr>
         <p:spPr/>
@@ -7271,7 +7210,108 @@
     </p:spTree>
     <p:extLst>
       <p:ext uri="{BB962C8B-B14F-4D97-AF65-F5344CB8AC3E}">
-        <p14:creationId xmlns:p14="http://schemas.microsoft.com/office/powerpoint/2010/main" val="1290032340"/>
+        <p14:creationId xmlns:p14="http://schemas.microsoft.com/office/powerpoint/2010/main" val="2957906227"/>
+      </p:ext>
+    </p:extLst>
+  </p:cSld>
+  <p:clrMapOvr>
+    <a:masterClrMapping/>
+  </p:clrMapOvr>
+</p:sld>
+</file>
+
+<file path=ppt/slides/slide9.xml><?xml version="1.0" encoding="utf-8"?>
+<p:sld xmlns:a="http://schemas.openxmlformats.org/drawingml/2006/main" xmlns:r="http://schemas.openxmlformats.org/officeDocument/2006/relationships" xmlns:p="http://schemas.openxmlformats.org/presentationml/2006/main">
+  <p:cSld>
+    <p:spTree>
+      <p:nvGrpSpPr>
+        <p:cNvPr id="1" name=""/>
+        <p:cNvGrpSpPr/>
+        <p:nvPr/>
+      </p:nvGrpSpPr>
+      <p:grpSpPr>
+        <a:xfrm>
+          <a:off x="0" y="0"/>
+          <a:ext cx="0" cy="0"/>
+          <a:chOff x="0" y="0"/>
+          <a:chExt cx="0" cy="0"/>
+        </a:xfrm>
+      </p:grpSpPr>
+      <p:sp>
+        <p:nvSpPr>
+          <p:cNvPr id="2" name="Title 1"/>
+          <p:cNvSpPr>
+            <a:spLocks noGrp="1"/>
+          </p:cNvSpPr>
+          <p:nvPr>
+            <p:ph type="title"/>
+          </p:nvPr>
+        </p:nvSpPr>
+        <p:spPr/>
+        <p:txBody>
+          <a:bodyPr/>
+          <a:lstStyle/>
+          <a:p>
+            <a:r>
+              <a:rPr lang="en-GB" dirty="0"/>
+              <a:t>½</a:t>
+            </a:r>
+          </a:p>
+        </p:txBody>
+      </p:sp>
+      <p:pic>
+        <p:nvPicPr>
+          <p:cNvPr id="5" name="Picture Placeholder 4"/>
+          <p:cNvPicPr>
+            <a:picLocks noGrp="1" noChangeAspect="1"/>
+          </p:cNvPicPr>
+          <p:nvPr>
+            <p:ph type="pic" idx="1"/>
+          </p:nvPr>
+        </p:nvPicPr>
+        <p:blipFill>
+          <a:blip r:embed="rId2" cstate="print">
+            <a:extLst>
+              <a:ext uri="{28A0092B-C50C-407E-A947-70E740481C1C}">
+                <a14:useLocalDpi xmlns:a14="http://schemas.microsoft.com/office/drawing/2010/main" val="0"/>
+              </a:ext>
+            </a:extLst>
+          </a:blip>
+          <a:srcRect l="4588" r="4588"/>
+          <a:stretch>
+            <a:fillRect/>
+          </a:stretch>
+        </p:blipFill>
+        <p:spPr>
+          <a:xfrm rot="16200000">
+            <a:off x="1862138" y="-642938"/>
+            <a:ext cx="3844925" cy="6350001"/>
+          </a:xfrm>
+        </p:spPr>
+      </p:pic>
+      <p:sp>
+        <p:nvSpPr>
+          <p:cNvPr id="4" name="Text Placeholder 3"/>
+          <p:cNvSpPr>
+            <a:spLocks noGrp="1"/>
+          </p:cNvSpPr>
+          <p:nvPr>
+            <p:ph type="body" sz="half" idx="2"/>
+          </p:nvPr>
+        </p:nvSpPr>
+        <p:spPr/>
+        <p:txBody>
+          <a:bodyPr/>
+          <a:lstStyle/>
+          <a:p>
+            <a:endParaRPr lang="en-GB"/>
+          </a:p>
+        </p:txBody>
+      </p:sp>
+    </p:spTree>
+    <p:extLst>
+      <p:ext uri="{BB962C8B-B14F-4D97-AF65-F5344CB8AC3E}">
+        <p14:creationId xmlns:p14="http://schemas.microsoft.com/office/powerpoint/2010/main" val="1187465533"/>
       </p:ext>
     </p:extLst>
   </p:cSld>

--- a/Dias.pptx
+++ b/Dias.pptx
@@ -16,7 +16,8 @@
     <p:sldId id="267" r:id="rId10"/>
     <p:sldId id="270" r:id="rId11"/>
     <p:sldId id="261" r:id="rId12"/>
-    <p:sldId id="259" r:id="rId13"/>
+    <p:sldId id="271" r:id="rId13"/>
+    <p:sldId id="259" r:id="rId14"/>
   </p:sldIdLst>
   <p:sldSz cx="9144000" cy="6858000" type="screen4x3"/>
   <p:notesSz cx="6858000" cy="9144000"/>
@@ -117,7 +118,7 @@
   </p:defaultTextStyle>
   <p:extLst>
     <p:ext uri="{EFAFB233-063F-42B5-8137-9DF3F51BA10A}">
-      <p15:sldGuideLst xmlns:p15="http://schemas.microsoft.com/office/powerpoint/2012/main">
+      <p15:sldGuideLst xmlns:p15="http://schemas.microsoft.com/office/powerpoint/2012/main" xmlns="">
         <p15:guide id="1" orient="horz" pos="2160">
           <p15:clr>
             <a:srgbClr val="A4A3A4"/>
@@ -6219,12 +6220,12 @@
               <a:t> Anders, </a:t>
             </a:r>
             <a:r>
-              <a:rPr lang="en-GB" dirty="0" err="1">
+              <a:rPr lang="en-GB" dirty="0" err="1" smtClean="0">
                 <a:solidFill>
                   <a:schemeClr val="tx1"/>
                 </a:solidFill>
               </a:rPr>
-              <a:t>Bardur</a:t>
+              <a:t>Bárður</a:t>
             </a:r>
             <a:r>
               <a:rPr lang="en-GB" dirty="0">
@@ -6232,7 +6233,23 @@
                   <a:schemeClr val="tx1"/>
                 </a:solidFill>
               </a:rPr>
-              <a:t>, Joaquim &amp; Thomas</a:t>
+              <a:t>, </a:t>
+            </a:r>
+            <a:r>
+              <a:rPr lang="en-GB" dirty="0" smtClean="0">
+                <a:solidFill>
+                  <a:schemeClr val="tx1"/>
+                </a:solidFill>
+              </a:rPr>
+              <a:t>Joachim </a:t>
+            </a:r>
+            <a:r>
+              <a:rPr lang="en-GB" dirty="0">
+                <a:solidFill>
+                  <a:schemeClr val="tx1"/>
+                </a:solidFill>
+              </a:rPr>
+              <a:t>&amp; Thomas</a:t>
             </a:r>
           </a:p>
         </p:txBody>
@@ -6247,6 +6264,13 @@
   <p:clrMapOvr>
     <a:masterClrMapping/>
   </p:clrMapOvr>
+  <p:timing>
+    <p:tnLst>
+      <p:par>
+        <p:cTn id="1" dur="indefinite" restart="never" nodeType="tmRoot"/>
+      </p:par>
+    </p:tnLst>
+  </p:timing>
 </p:sld>
 </file>
 
@@ -6301,7 +6325,31 @@
           <a:bodyPr/>
           <a:lstStyle/>
           <a:p>
-            <a:endParaRPr lang="en-GB"/>
+            <a:r>
+              <a:rPr lang="en-GB" dirty="0" err="1" smtClean="0"/>
+              <a:t>Brugeren</a:t>
+            </a:r>
+            <a:r>
+              <a:rPr lang="en-GB" dirty="0" smtClean="0"/>
+              <a:t> </a:t>
+            </a:r>
+            <a:r>
+              <a:rPr lang="en-GB" dirty="0" err="1" smtClean="0"/>
+              <a:t>opretter</a:t>
+            </a:r>
+            <a:r>
+              <a:rPr lang="en-GB" dirty="0" smtClean="0"/>
+              <a:t> </a:t>
+            </a:r>
+            <a:r>
+              <a:rPr lang="en-GB" dirty="0" err="1" smtClean="0"/>
+              <a:t>nyt</a:t>
+            </a:r>
+            <a:r>
+              <a:rPr lang="en-GB" dirty="0" smtClean="0"/>
+              <a:t> barn</a:t>
+            </a:r>
+            <a:endParaRPr lang="en-GB" dirty="0"/>
           </a:p>
         </p:txBody>
       </p:sp>
@@ -6345,6 +6393,13 @@
   <p:clrMapOvr>
     <a:masterClrMapping/>
   </p:clrMapOvr>
+  <p:timing>
+    <p:tnLst>
+      <p:par>
+        <p:cTn id="1" dur="indefinite" restart="never" nodeType="tmRoot"/>
+      </p:par>
+    </p:tnLst>
+  </p:timing>
 </p:sld>
 </file>
 
@@ -6381,43 +6436,53 @@
           <a:lstStyle/>
           <a:p>
             <a:r>
+              <a:rPr lang="en-GB" dirty="0" err="1" smtClean="0"/>
+              <a:t>Brugerafprøvning</a:t>
+            </a:r>
+            <a:r>
+              <a:rPr lang="en-GB" dirty="0" smtClean="0"/>
+              <a:t>:</a:t>
+            </a:r>
+            <a:br>
+              <a:rPr lang="en-GB" dirty="0" smtClean="0"/>
+            </a:br>
+            <a:r>
+              <a:rPr lang="en-GB" dirty="0" err="1" smtClean="0"/>
+              <a:t>Spørgsmål</a:t>
+            </a:r>
+            <a:endParaRPr lang="en-GB" dirty="0"/>
+          </a:p>
+        </p:txBody>
+      </p:sp>
+      <p:sp>
+        <p:nvSpPr>
+          <p:cNvPr id="3" name="Content Placeholder 2"/>
+          <p:cNvSpPr>
+            <a:spLocks noGrp="1"/>
+          </p:cNvSpPr>
+          <p:nvPr>
+            <p:ph idx="1"/>
+          </p:nvPr>
+        </p:nvSpPr>
+        <p:spPr>
+          <a:xfrm>
+            <a:off x="609599" y="1844824"/>
+            <a:ext cx="6347714" cy="4196539"/>
+          </a:xfrm>
+        </p:spPr>
+        <p:txBody>
+          <a:bodyPr>
+            <a:normAutofit/>
+          </a:bodyPr>
+          <a:lstStyle/>
+          <a:p>
+            <a:r>
+              <a:rPr lang="en-GB" dirty="0"/>
+              <a:t>1. </a:t>
+            </a:r>
+            <a:r>
               <a:rPr lang="en-GB" dirty="0" err="1"/>
-              <a:t>Brugerafprøvning</a:t>
-            </a:r>
-            <a:endParaRPr lang="en-GB" dirty="0"/>
-          </a:p>
-        </p:txBody>
-      </p:sp>
-      <p:sp>
-        <p:nvSpPr>
-          <p:cNvPr id="3" name="Content Placeholder 2"/>
-          <p:cNvSpPr>
-            <a:spLocks noGrp="1"/>
-          </p:cNvSpPr>
-          <p:nvPr>
-            <p:ph idx="1"/>
-          </p:nvPr>
-        </p:nvSpPr>
-        <p:spPr/>
-        <p:txBody>
-          <a:bodyPr/>
-          <a:lstStyle/>
-          <a:p>
-            <a:r>
-              <a:rPr lang="en-GB" dirty="0"/>
-              <a:t>(</a:t>
-            </a:r>
-            <a:r>
-              <a:rPr lang="en-GB" dirty="0" err="1"/>
-              <a:t>Opgaver</a:t>
-            </a:r>
-            <a:r>
-              <a:rPr lang="en-GB" dirty="0"/>
-              <a:t> der </a:t>
-            </a:r>
-            <a:r>
-              <a:rPr lang="en-GB" dirty="0" err="1"/>
-              <a:t>blev</a:t>
+              <a:t>Vær</a:t>
             </a:r>
             <a:r>
               <a:rPr lang="en-GB" dirty="0"/>
@@ -6425,7 +6490,7 @@
             </a:r>
             <a:r>
               <a:rPr lang="en-GB" dirty="0" err="1"/>
-              <a:t>givet</a:t>
+              <a:t>først</a:t>
             </a:r>
             <a:r>
               <a:rPr lang="en-GB" dirty="0"/>
@@ -6433,25 +6498,430 @@
             </a:r>
             <a:r>
               <a:rPr lang="en-GB" dirty="0" err="1"/>
-              <a:t>ud</a:t>
+              <a:t>sikker</a:t>
             </a:r>
             <a:r>
               <a:rPr lang="en-GB" dirty="0"/>
-              <a:t>)</a:t>
-            </a:r>
-          </a:p>
-          <a:p>
+              <a:t> </a:t>
+            </a:r>
+            <a:r>
+              <a:rPr lang="en-GB" dirty="0" err="1"/>
+              <a:t>på</a:t>
+            </a:r>
             <a:r>
               <a:rPr lang="en-GB" dirty="0"/>
-              <a:t>(</a:t>
+              <a:t> du </a:t>
             </a:r>
             <a:r>
               <a:rPr lang="en-GB" dirty="0" err="1"/>
-              <a:t>Resultater</a:t>
+              <a:t>er</a:t>
             </a:r>
             <a:r>
               <a:rPr lang="en-GB" dirty="0"/>
-              <a:t>)</a:t>
+              <a:t> i </a:t>
+            </a:r>
+            <a:r>
+              <a:rPr lang="en-GB" dirty="0" err="1"/>
+              <a:t>menuen</a:t>
+            </a:r>
+            <a:r>
+              <a:rPr lang="en-GB" dirty="0"/>
+              <a:t> "</a:t>
+            </a:r>
+            <a:r>
+              <a:rPr lang="en-GB" dirty="0" err="1"/>
+              <a:t>Oversigt</a:t>
+            </a:r>
+            <a:r>
+              <a:rPr lang="en-GB" dirty="0" smtClean="0"/>
+              <a:t>".</a:t>
+            </a:r>
+            <a:endParaRPr lang="en-GB" dirty="0"/>
+          </a:p>
+          <a:p>
+            <a:r>
+              <a:rPr lang="en-GB" dirty="0"/>
+              <a:t>2. </a:t>
+            </a:r>
+            <a:r>
+              <a:rPr lang="en-GB" dirty="0" err="1"/>
+              <a:t>Prøv</a:t>
+            </a:r>
+            <a:r>
+              <a:rPr lang="en-GB" dirty="0"/>
+              <a:t> at </a:t>
+            </a:r>
+            <a:r>
+              <a:rPr lang="en-GB" dirty="0" err="1"/>
+              <a:t>ændre</a:t>
+            </a:r>
+            <a:r>
+              <a:rPr lang="en-GB" dirty="0"/>
+              <a:t> i et </a:t>
+            </a:r>
+            <a:r>
+              <a:rPr lang="en-GB" dirty="0" err="1"/>
+              <a:t>vilkårligt</a:t>
+            </a:r>
+            <a:r>
+              <a:rPr lang="en-GB" dirty="0"/>
+              <a:t> barns </a:t>
+            </a:r>
+            <a:r>
+              <a:rPr lang="en-GB" dirty="0" err="1"/>
+              <a:t>navn</a:t>
+            </a:r>
+            <a:r>
+              <a:rPr lang="en-GB" dirty="0" smtClean="0"/>
+              <a:t>.</a:t>
+            </a:r>
+            <a:endParaRPr lang="en-GB" dirty="0"/>
+          </a:p>
+          <a:p>
+            <a:r>
+              <a:rPr lang="en-GB" dirty="0"/>
+              <a:t>3. </a:t>
+            </a:r>
+            <a:r>
+              <a:rPr lang="en-GB" dirty="0" err="1"/>
+              <a:t>Gå</a:t>
+            </a:r>
+            <a:r>
+              <a:rPr lang="en-GB" dirty="0"/>
+              <a:t> </a:t>
+            </a:r>
+            <a:r>
+              <a:rPr lang="en-GB" dirty="0" err="1"/>
+              <a:t>til</a:t>
+            </a:r>
+            <a:r>
+              <a:rPr lang="en-GB" dirty="0"/>
+              <a:t> </a:t>
+            </a:r>
+            <a:r>
+              <a:rPr lang="en-GB" dirty="0" err="1"/>
+              <a:t>menuen</a:t>
+            </a:r>
+            <a:r>
+              <a:rPr lang="en-GB" dirty="0"/>
+              <a:t> "</a:t>
+            </a:r>
+            <a:r>
+              <a:rPr lang="en-GB" dirty="0" err="1"/>
+              <a:t>Venteliste</a:t>
+            </a:r>
+            <a:r>
+              <a:rPr lang="en-GB" dirty="0" smtClean="0"/>
+              <a:t>".</a:t>
+            </a:r>
+            <a:endParaRPr lang="en-GB" dirty="0"/>
+          </a:p>
+          <a:p>
+            <a:r>
+              <a:rPr lang="en-GB" dirty="0"/>
+              <a:t>4. </a:t>
+            </a:r>
+            <a:r>
+              <a:rPr lang="en-GB" dirty="0" err="1"/>
+              <a:t>Opret</a:t>
+            </a:r>
+            <a:r>
+              <a:rPr lang="en-GB" dirty="0"/>
+              <a:t> et </a:t>
+            </a:r>
+            <a:r>
+              <a:rPr lang="en-GB" dirty="0" err="1"/>
+              <a:t>nyt</a:t>
+            </a:r>
+            <a:r>
+              <a:rPr lang="en-GB" dirty="0"/>
+              <a:t> barn, </a:t>
+            </a:r>
+            <a:r>
+              <a:rPr lang="en-GB" dirty="0" err="1"/>
+              <a:t>som</a:t>
+            </a:r>
+            <a:r>
+              <a:rPr lang="en-GB" dirty="0"/>
+              <a:t> du </a:t>
+            </a:r>
+            <a:r>
+              <a:rPr lang="en-GB" dirty="0" err="1"/>
+              <a:t>placerer</a:t>
+            </a:r>
+            <a:r>
+              <a:rPr lang="en-GB" dirty="0"/>
+              <a:t> </a:t>
+            </a:r>
+            <a:r>
+              <a:rPr lang="en-GB" dirty="0" err="1"/>
+              <a:t>på</a:t>
+            </a:r>
+            <a:r>
+              <a:rPr lang="en-GB" dirty="0"/>
+              <a:t> </a:t>
+            </a:r>
+            <a:r>
+              <a:rPr lang="en-GB" dirty="0" err="1"/>
+              <a:t>ventelisten</a:t>
+            </a:r>
+            <a:r>
+              <a:rPr lang="en-GB" dirty="0" smtClean="0"/>
+              <a:t>.</a:t>
+            </a:r>
+            <a:endParaRPr lang="en-GB" dirty="0"/>
+          </a:p>
+          <a:p>
+            <a:r>
+              <a:rPr lang="en-GB" dirty="0"/>
+              <a:t>5. </a:t>
+            </a:r>
+            <a:r>
+              <a:rPr lang="en-GB" dirty="0" err="1"/>
+              <a:t>Når</a:t>
+            </a:r>
+            <a:r>
+              <a:rPr lang="en-GB" dirty="0"/>
+              <a:t> </a:t>
+            </a:r>
+            <a:r>
+              <a:rPr lang="en-GB" dirty="0" err="1"/>
+              <a:t>barnet</a:t>
+            </a:r>
+            <a:r>
+              <a:rPr lang="en-GB" dirty="0"/>
+              <a:t> </a:t>
+            </a:r>
+            <a:r>
+              <a:rPr lang="en-GB" dirty="0" err="1"/>
+              <a:t>er</a:t>
+            </a:r>
+            <a:r>
+              <a:rPr lang="en-GB" dirty="0"/>
+              <a:t> </a:t>
+            </a:r>
+            <a:r>
+              <a:rPr lang="en-GB" dirty="0" err="1"/>
+              <a:t>blevet</a:t>
+            </a:r>
+            <a:r>
+              <a:rPr lang="en-GB" dirty="0"/>
+              <a:t> </a:t>
+            </a:r>
+            <a:r>
+              <a:rPr lang="en-GB" dirty="0" err="1"/>
+              <a:t>oprettet</a:t>
+            </a:r>
+            <a:r>
+              <a:rPr lang="en-GB" dirty="0"/>
+              <a:t> </a:t>
+            </a:r>
+            <a:r>
+              <a:rPr lang="en-GB" dirty="0" err="1"/>
+              <a:t>på</a:t>
+            </a:r>
+            <a:r>
+              <a:rPr lang="en-GB" dirty="0"/>
+              <a:t> </a:t>
+            </a:r>
+            <a:r>
+              <a:rPr lang="en-GB" dirty="0" err="1"/>
+              <a:t>ventelisten</a:t>
+            </a:r>
+            <a:r>
+              <a:rPr lang="en-GB" dirty="0"/>
+              <a:t>, </a:t>
+            </a:r>
+            <a:r>
+              <a:rPr lang="en-GB" dirty="0" err="1"/>
+              <a:t>skal</a:t>
+            </a:r>
+            <a:r>
+              <a:rPr lang="en-GB" dirty="0"/>
+              <a:t> du </a:t>
+            </a:r>
+            <a:r>
+              <a:rPr lang="en-GB" dirty="0" err="1"/>
+              <a:t>forsøge</a:t>
+            </a:r>
+            <a:r>
+              <a:rPr lang="en-GB" dirty="0"/>
+              <a:t> at </a:t>
+            </a:r>
+            <a:r>
+              <a:rPr lang="en-GB" dirty="0" err="1"/>
+              <a:t>rykke</a:t>
+            </a:r>
+            <a:r>
+              <a:rPr lang="en-GB" dirty="0"/>
+              <a:t> </a:t>
+            </a:r>
+            <a:r>
+              <a:rPr lang="en-GB" dirty="0" err="1"/>
+              <a:t>dette</a:t>
+            </a:r>
+            <a:r>
+              <a:rPr lang="en-GB" dirty="0"/>
+              <a:t> barn over i en </a:t>
+            </a:r>
+            <a:r>
+              <a:rPr lang="en-GB" dirty="0" err="1"/>
+              <a:t>vilkårlig</a:t>
+            </a:r>
+            <a:r>
+              <a:rPr lang="en-GB" dirty="0"/>
+              <a:t> </a:t>
+            </a:r>
+            <a:r>
+              <a:rPr lang="en-GB" dirty="0" err="1"/>
+              <a:t>stue</a:t>
+            </a:r>
+            <a:r>
+              <a:rPr lang="en-GB" dirty="0" smtClean="0"/>
+              <a:t>.</a:t>
+            </a:r>
+            <a:endParaRPr lang="en-GB" dirty="0"/>
+          </a:p>
+          <a:p>
+            <a:r>
+              <a:rPr lang="en-GB" dirty="0"/>
+              <a:t>6. </a:t>
+            </a:r>
+            <a:r>
+              <a:rPr lang="en-GB" dirty="0" err="1"/>
+              <a:t>Gå</a:t>
+            </a:r>
+            <a:r>
+              <a:rPr lang="en-GB" dirty="0"/>
+              <a:t> </a:t>
+            </a:r>
+            <a:r>
+              <a:rPr lang="en-GB" dirty="0" err="1"/>
+              <a:t>til</a:t>
+            </a:r>
+            <a:r>
+              <a:rPr lang="en-GB" dirty="0"/>
+              <a:t> </a:t>
+            </a:r>
+            <a:r>
+              <a:rPr lang="en-GB" dirty="0" err="1"/>
+              <a:t>menuen</a:t>
+            </a:r>
+            <a:r>
+              <a:rPr lang="en-GB" dirty="0"/>
+              <a:t> "</a:t>
+            </a:r>
+            <a:r>
+              <a:rPr lang="en-GB" dirty="0" err="1"/>
+              <a:t>Oversigt</a:t>
+            </a:r>
+            <a:r>
+              <a:rPr lang="en-GB" dirty="0"/>
+              <a:t>" </a:t>
+            </a:r>
+            <a:r>
+              <a:rPr lang="en-GB" dirty="0" err="1"/>
+              <a:t>og</a:t>
+            </a:r>
+            <a:r>
+              <a:rPr lang="en-GB" dirty="0"/>
+              <a:t> se </a:t>
+            </a:r>
+            <a:r>
+              <a:rPr lang="en-GB" dirty="0" err="1"/>
+              <a:t>om</a:t>
+            </a:r>
+            <a:r>
+              <a:rPr lang="en-GB" dirty="0"/>
+              <a:t> </a:t>
+            </a:r>
+            <a:r>
+              <a:rPr lang="en-GB" dirty="0" err="1"/>
+              <a:t>barnet</a:t>
+            </a:r>
+            <a:r>
+              <a:rPr lang="en-GB" dirty="0"/>
+              <a:t> du </a:t>
+            </a:r>
+            <a:r>
+              <a:rPr lang="en-GB" dirty="0" err="1"/>
+              <a:t>oprettede</a:t>
+            </a:r>
+            <a:r>
+              <a:rPr lang="en-GB" dirty="0"/>
+              <a:t> </a:t>
+            </a:r>
+            <a:r>
+              <a:rPr lang="en-GB" dirty="0" err="1"/>
+              <a:t>er</a:t>
+            </a:r>
+            <a:r>
+              <a:rPr lang="en-GB" dirty="0"/>
+              <a:t> at </a:t>
+            </a:r>
+            <a:r>
+              <a:rPr lang="en-GB" dirty="0" err="1"/>
+              <a:t>finde</a:t>
+            </a:r>
+            <a:r>
+              <a:rPr lang="en-GB" dirty="0"/>
+              <a:t> </a:t>
+            </a:r>
+            <a:r>
+              <a:rPr lang="en-GB" dirty="0" err="1"/>
+              <a:t>på</a:t>
+            </a:r>
+            <a:r>
+              <a:rPr lang="en-GB" dirty="0"/>
+              <a:t> listen, </a:t>
+            </a:r>
+            <a:r>
+              <a:rPr lang="en-GB" dirty="0" err="1"/>
+              <a:t>og</a:t>
+            </a:r>
+            <a:r>
+              <a:rPr lang="en-GB" dirty="0"/>
+              <a:t> </a:t>
+            </a:r>
+            <a:r>
+              <a:rPr lang="en-GB" dirty="0" err="1"/>
+              <a:t>stuen</a:t>
+            </a:r>
+            <a:r>
+              <a:rPr lang="en-GB" dirty="0"/>
+              <a:t> du </a:t>
+            </a:r>
+            <a:r>
+              <a:rPr lang="en-GB" dirty="0" err="1"/>
+              <a:t>valgte</a:t>
+            </a:r>
+            <a:r>
+              <a:rPr lang="en-GB" dirty="0"/>
+              <a:t> </a:t>
+            </a:r>
+            <a:r>
+              <a:rPr lang="en-GB" dirty="0" err="1"/>
+              <a:t>ligeledes</a:t>
+            </a:r>
+            <a:r>
+              <a:rPr lang="en-GB" dirty="0"/>
+              <a:t> </a:t>
+            </a:r>
+            <a:r>
+              <a:rPr lang="en-GB" dirty="0" err="1"/>
+              <a:t>er</a:t>
+            </a:r>
+            <a:r>
+              <a:rPr lang="en-GB" dirty="0"/>
+              <a:t> </a:t>
+            </a:r>
+            <a:r>
+              <a:rPr lang="en-GB" dirty="0" err="1" smtClean="0"/>
+              <a:t>korrekt</a:t>
+            </a:r>
+            <a:r>
+              <a:rPr lang="en-GB" dirty="0"/>
+              <a:t>.</a:t>
             </a:r>
           </a:p>
         </p:txBody>
@@ -6466,10 +6936,255 @@
   <p:clrMapOvr>
     <a:masterClrMapping/>
   </p:clrMapOvr>
+  <p:timing>
+    <p:tnLst>
+      <p:par>
+        <p:cTn id="1" dur="indefinite" restart="never" nodeType="tmRoot"/>
+      </p:par>
+    </p:tnLst>
+  </p:timing>
 </p:sld>
 </file>
 
 <file path=ppt/slides/slide12.xml><?xml version="1.0" encoding="utf-8"?>
+<p:sld xmlns:a="http://schemas.openxmlformats.org/drawingml/2006/main" xmlns:r="http://schemas.openxmlformats.org/officeDocument/2006/relationships" xmlns:p="http://schemas.openxmlformats.org/presentationml/2006/main">
+  <p:cSld>
+    <p:spTree>
+      <p:nvGrpSpPr>
+        <p:cNvPr id="1" name=""/>
+        <p:cNvGrpSpPr/>
+        <p:nvPr/>
+      </p:nvGrpSpPr>
+      <p:grpSpPr>
+        <a:xfrm>
+          <a:off x="0" y="0"/>
+          <a:ext cx="0" cy="0"/>
+          <a:chOff x="0" y="0"/>
+          <a:chExt cx="0" cy="0"/>
+        </a:xfrm>
+      </p:grpSpPr>
+      <p:sp>
+        <p:nvSpPr>
+          <p:cNvPr id="2" name="Title 1"/>
+          <p:cNvSpPr>
+            <a:spLocks noGrp="1"/>
+          </p:cNvSpPr>
+          <p:nvPr>
+            <p:ph type="title"/>
+          </p:nvPr>
+        </p:nvSpPr>
+        <p:spPr/>
+        <p:txBody>
+          <a:bodyPr/>
+          <a:lstStyle/>
+          <a:p>
+            <a:r>
+              <a:rPr lang="en-GB" dirty="0" err="1" smtClean="0"/>
+              <a:t>Brugerafprøvning</a:t>
+            </a:r>
+            <a:r>
+              <a:rPr lang="en-GB" dirty="0" smtClean="0"/>
+              <a:t>:</a:t>
+            </a:r>
+            <a:br>
+              <a:rPr lang="en-GB" dirty="0" smtClean="0"/>
+            </a:br>
+            <a:r>
+              <a:rPr lang="en-GB" dirty="0" err="1" smtClean="0"/>
+              <a:t>Resultater</a:t>
+            </a:r>
+            <a:endParaRPr lang="en-GB" dirty="0"/>
+          </a:p>
+        </p:txBody>
+      </p:sp>
+      <p:sp>
+        <p:nvSpPr>
+          <p:cNvPr id="3" name="Content Placeholder 2"/>
+          <p:cNvSpPr>
+            <a:spLocks noGrp="1"/>
+          </p:cNvSpPr>
+          <p:nvPr>
+            <p:ph idx="1"/>
+          </p:nvPr>
+        </p:nvSpPr>
+        <p:spPr/>
+        <p:txBody>
+          <a:bodyPr/>
+          <a:lstStyle/>
+          <a:p>
+            <a:r>
+              <a:rPr lang="en-GB" dirty="0" err="1" smtClean="0"/>
+              <a:t>Fejlbesked</a:t>
+            </a:r>
+            <a:r>
+              <a:rPr lang="en-GB" dirty="0" smtClean="0"/>
+              <a:t> </a:t>
+            </a:r>
+            <a:r>
+              <a:rPr lang="en-GB" dirty="0" err="1" smtClean="0"/>
+              <a:t>når</a:t>
+            </a:r>
+            <a:r>
+              <a:rPr lang="en-GB" dirty="0" smtClean="0"/>
+              <a:t> der </a:t>
+            </a:r>
+            <a:r>
+              <a:rPr lang="en-GB" dirty="0" err="1" smtClean="0"/>
+              <a:t>opstår</a:t>
+            </a:r>
+            <a:r>
+              <a:rPr lang="en-GB" dirty="0" smtClean="0"/>
+              <a:t> </a:t>
+            </a:r>
+            <a:r>
+              <a:rPr lang="en-GB" dirty="0" err="1" smtClean="0"/>
+              <a:t>problemer</a:t>
+            </a:r>
+            <a:endParaRPr lang="en-GB" dirty="0" smtClean="0"/>
+          </a:p>
+          <a:p>
+            <a:endParaRPr lang="en-GB" dirty="0"/>
+          </a:p>
+          <a:p>
+            <a:r>
+              <a:rPr lang="en-GB" dirty="0" smtClean="0"/>
+              <a:t>CPR-</a:t>
+            </a:r>
+            <a:r>
+              <a:rPr lang="en-GB" dirty="0" err="1" smtClean="0"/>
+              <a:t>nummeret</a:t>
+            </a:r>
+            <a:r>
+              <a:rPr lang="en-GB" dirty="0" smtClean="0"/>
+              <a:t> </a:t>
+            </a:r>
+            <a:r>
+              <a:rPr lang="en-GB" dirty="0" err="1" smtClean="0"/>
+              <a:t>skal</a:t>
+            </a:r>
+            <a:r>
+              <a:rPr lang="en-GB" dirty="0" smtClean="0"/>
+              <a:t> </a:t>
+            </a:r>
+            <a:r>
+              <a:rPr lang="en-GB" dirty="0" err="1" smtClean="0"/>
+              <a:t>helst</a:t>
+            </a:r>
+            <a:r>
+              <a:rPr lang="en-GB" dirty="0" smtClean="0"/>
+              <a:t> </a:t>
+            </a:r>
+            <a:r>
+              <a:rPr lang="en-GB" dirty="0" err="1" smtClean="0"/>
+              <a:t>ikke</a:t>
+            </a:r>
+            <a:r>
+              <a:rPr lang="en-GB" dirty="0" smtClean="0"/>
+              <a:t> </a:t>
+            </a:r>
+            <a:r>
+              <a:rPr lang="en-GB" dirty="0" err="1" smtClean="0"/>
+              <a:t>kunne</a:t>
+            </a:r>
+            <a:r>
+              <a:rPr lang="en-GB" dirty="0" smtClean="0"/>
+              <a:t> </a:t>
+            </a:r>
+            <a:r>
+              <a:rPr lang="en-GB" dirty="0" err="1" smtClean="0"/>
+              <a:t>ændres</a:t>
+            </a:r>
+            <a:endParaRPr lang="en-GB" dirty="0" smtClean="0"/>
+          </a:p>
+          <a:p>
+            <a:endParaRPr lang="en-GB" dirty="0"/>
+          </a:p>
+          <a:p>
+            <a:r>
+              <a:rPr lang="en-GB" dirty="0" err="1" smtClean="0"/>
+              <a:t>Giv</a:t>
+            </a:r>
+            <a:r>
+              <a:rPr lang="en-GB" dirty="0" smtClean="0"/>
+              <a:t> en </a:t>
+            </a:r>
+            <a:r>
+              <a:rPr lang="en-GB" dirty="0" err="1" smtClean="0"/>
+              <a:t>besked</a:t>
+            </a:r>
+            <a:r>
+              <a:rPr lang="en-GB" dirty="0" smtClean="0"/>
+              <a:t> </a:t>
+            </a:r>
+            <a:r>
+              <a:rPr lang="en-GB" dirty="0" err="1" smtClean="0"/>
+              <a:t>når</a:t>
+            </a:r>
+            <a:r>
+              <a:rPr lang="en-GB" dirty="0" smtClean="0"/>
+              <a:t> </a:t>
+            </a:r>
+            <a:r>
+              <a:rPr lang="en-GB" dirty="0" err="1" smtClean="0"/>
+              <a:t>barnet</a:t>
+            </a:r>
+            <a:r>
+              <a:rPr lang="en-GB" dirty="0" smtClean="0"/>
+              <a:t> </a:t>
+            </a:r>
+            <a:r>
+              <a:rPr lang="en-GB" dirty="0" err="1" smtClean="0"/>
+              <a:t>er</a:t>
+            </a:r>
+            <a:r>
+              <a:rPr lang="en-GB" dirty="0" smtClean="0"/>
+              <a:t> </a:t>
+            </a:r>
+            <a:r>
+              <a:rPr lang="en-GB" dirty="0" err="1" smtClean="0"/>
+              <a:t>tilføjet</a:t>
+            </a:r>
+            <a:r>
+              <a:rPr lang="en-GB" dirty="0" smtClean="0"/>
+              <a:t> </a:t>
+            </a:r>
+            <a:r>
+              <a:rPr lang="en-GB" dirty="0" err="1" smtClean="0"/>
+              <a:t>til</a:t>
+            </a:r>
+            <a:r>
+              <a:rPr lang="en-GB" dirty="0" smtClean="0"/>
+              <a:t> en </a:t>
+            </a:r>
+            <a:r>
+              <a:rPr lang="en-GB" dirty="0" err="1" smtClean="0"/>
+              <a:t>stue</a:t>
+            </a:r>
+            <a:endParaRPr lang="en-GB" dirty="0"/>
+          </a:p>
+        </p:txBody>
+      </p:sp>
+    </p:spTree>
+    <p:extLst>
+      <p:ext uri="{BB962C8B-B14F-4D97-AF65-F5344CB8AC3E}">
+        <p14:creationId xmlns:p14="http://schemas.microsoft.com/office/powerpoint/2010/main" val="3297262601"/>
+      </p:ext>
+    </p:extLst>
+  </p:cSld>
+  <p:clrMapOvr>
+    <a:masterClrMapping/>
+  </p:clrMapOvr>
+  <p:timing>
+    <p:tnLst>
+      <p:par>
+        <p:cTn id="1" dur="indefinite" restart="never" nodeType="tmRoot"/>
+      </p:par>
+    </p:tnLst>
+  </p:timing>
+</p:sld>
+</file>
+
+<file path=ppt/slides/slide13.xml><?xml version="1.0" encoding="utf-8"?>
 <p:sld xmlns:a="http://schemas.openxmlformats.org/drawingml/2006/main" xmlns:r="http://schemas.openxmlformats.org/officeDocument/2006/relationships" xmlns:p="http://schemas.openxmlformats.org/presentationml/2006/main">
   <p:cSld>
     <p:spTree>
@@ -6551,6 +7266,13 @@
   <p:clrMapOvr>
     <a:masterClrMapping/>
   </p:clrMapOvr>
+  <p:timing>
+    <p:tnLst>
+      <p:par>
+        <p:cTn id="1" dur="indefinite" restart="never" nodeType="tmRoot"/>
+      </p:par>
+    </p:tnLst>
+  </p:timing>
 </p:sld>
 </file>
 
@@ -6620,36 +7342,52 @@
           </a:p>
           <a:p>
             <a:r>
-              <a:rPr lang="en-GB" dirty="0" err="1">
+              <a:rPr lang="en-GB" dirty="0" err="1" smtClean="0">
                 <a:solidFill>
                   <a:schemeClr val="tx1"/>
                 </a:solidFill>
               </a:rPr>
-              <a:t>Oversigt</a:t>
-            </a:r>
-            <a:r>
-              <a:rPr lang="en-GB" dirty="0">
+              <a:t>Skal</a:t>
+            </a:r>
+            <a:r>
+              <a:rPr lang="en-GB" dirty="0" smtClean="0">
                 <a:solidFill>
                   <a:schemeClr val="tx1"/>
                 </a:solidFill>
               </a:rPr>
-              <a:t> over </a:t>
-            </a:r>
-            <a:r>
-              <a:rPr lang="en-GB" dirty="0" err="1">
+              <a:t> kun </a:t>
+            </a:r>
+            <a:r>
+              <a:rPr lang="en-GB" dirty="0" err="1" smtClean="0">
                 <a:solidFill>
                   <a:schemeClr val="tx1"/>
                 </a:solidFill>
               </a:rPr>
-              <a:t>børnene</a:t>
-            </a:r>
-            <a:r>
-              <a:rPr lang="en-GB" dirty="0">
+              <a:t>bruges</a:t>
+            </a:r>
+            <a:r>
+              <a:rPr lang="en-GB" dirty="0" smtClean="0">
                 <a:solidFill>
                   <a:schemeClr val="tx1"/>
                 </a:solidFill>
               </a:rPr>
-              <a:t>.</a:t>
+              <a:t> </a:t>
+            </a:r>
+            <a:r>
+              <a:rPr lang="en-GB" dirty="0" err="1" smtClean="0">
+                <a:solidFill>
+                  <a:schemeClr val="tx1"/>
+                </a:solidFill>
+              </a:rPr>
+              <a:t>af</a:t>
+            </a:r>
+            <a:r>
+              <a:rPr lang="en-GB" dirty="0" smtClean="0">
+                <a:solidFill>
+                  <a:schemeClr val="tx1"/>
+                </a:solidFill>
+              </a:rPr>
+              <a:t> Sandra Larsen</a:t>
             </a:r>
           </a:p>
           <a:p>
@@ -6658,6 +7396,48 @@
                 <a:schemeClr val="tx1"/>
               </a:solidFill>
             </a:endParaRPr>
+          </a:p>
+          <a:p>
+            <a:r>
+              <a:rPr lang="en-GB" dirty="0" err="1" smtClean="0">
+                <a:solidFill>
+                  <a:schemeClr val="tx1"/>
+                </a:solidFill>
+              </a:rPr>
+              <a:t>Oversigt</a:t>
+            </a:r>
+            <a:r>
+              <a:rPr lang="en-GB" dirty="0" smtClean="0">
+                <a:solidFill>
+                  <a:schemeClr val="tx1"/>
+                </a:solidFill>
+              </a:rPr>
+              <a:t> </a:t>
+            </a:r>
+            <a:r>
+              <a:rPr lang="en-GB" dirty="0">
+                <a:solidFill>
+                  <a:schemeClr val="tx1"/>
+                </a:solidFill>
+              </a:rPr>
+              <a:t>over </a:t>
+            </a:r>
+            <a:r>
+              <a:rPr lang="en-GB" dirty="0" err="1">
+                <a:solidFill>
+                  <a:schemeClr val="tx1"/>
+                </a:solidFill>
+              </a:rPr>
+              <a:t>børnene</a:t>
+            </a:r>
+            <a:r>
+              <a:rPr lang="en-GB" dirty="0" smtClean="0">
+                <a:solidFill>
+                  <a:schemeClr val="tx1"/>
+                </a:solidFill>
+              </a:rPr>
+              <a:t>.</a:t>
+            </a:r>
           </a:p>
           <a:p>
             <a:endParaRPr lang="en-GB" dirty="0">
@@ -6696,6 +7476,13 @@
   <p:clrMapOvr>
     <a:masterClrMapping/>
   </p:clrMapOvr>
+  <p:timing>
+    <p:tnLst>
+      <p:par>
+        <p:cTn id="1" dur="indefinite" restart="never" nodeType="tmRoot"/>
+      </p:par>
+    </p:tnLst>
+  </p:timing>
 </p:sld>
 </file>
 
@@ -6739,9 +7526,18 @@
           <a:lstStyle/>
           <a:p>
             <a:r>
-              <a:rPr lang="en-GB" dirty="0"/>
-              <a:t>Paper-Prototype 1</a:t>
-            </a:r>
+              <a:rPr lang="en-GB" dirty="0" err="1" smtClean="0"/>
+              <a:t>Første</a:t>
+            </a:r>
+            <a:r>
+              <a:rPr lang="en-GB" dirty="0" smtClean="0"/>
+              <a:t> </a:t>
+            </a:r>
+            <a:r>
+              <a:rPr lang="en-GB" dirty="0" smtClean="0"/>
+              <a:t>Paper-Prototype</a:t>
+            </a:r>
+            <a:endParaRPr lang="en-GB" dirty="0"/>
           </a:p>
         </p:txBody>
       </p:sp>
@@ -6774,6 +7570,13 @@
   <p:clrMapOvr>
     <a:masterClrMapping/>
   </p:clrMapOvr>
+  <p:timing>
+    <p:tnLst>
+      <p:par>
+        <p:cTn id="1" dur="indefinite" restart="never" nodeType="tmRoot"/>
+      </p:par>
+    </p:tnLst>
+  </p:timing>
 </p:sld>
 </file>
 
@@ -6809,7 +7612,7 @@
           <a:bodyPr/>
           <a:lstStyle/>
           <a:p>
-            <a:endParaRPr lang="en-GB"/>
+            <a:endParaRPr lang="en-GB" dirty="0"/>
           </a:p>
         </p:txBody>
       </p:sp>
@@ -6853,7 +7656,22 @@
           <a:bodyPr/>
           <a:lstStyle/>
           <a:p>
-            <a:endParaRPr lang="en-GB"/>
+            <a:r>
+              <a:rPr lang="en-GB" dirty="0" err="1" smtClean="0"/>
+              <a:t>Brugeren</a:t>
+            </a:r>
+            <a:r>
+              <a:rPr lang="en-GB" dirty="0" smtClean="0"/>
+              <a:t> </a:t>
+            </a:r>
+            <a:r>
+              <a:rPr lang="en-GB" dirty="0" err="1" smtClean="0"/>
+              <a:t>vælger</a:t>
+            </a:r>
+            <a:r>
+              <a:rPr lang="en-GB" dirty="0" smtClean="0"/>
+              <a:t> et barn</a:t>
+            </a:r>
           </a:p>
         </p:txBody>
       </p:sp>
@@ -6867,6 +7685,13 @@
   <p:clrMapOvr>
     <a:masterClrMapping/>
   </p:clrMapOvr>
+  <p:timing>
+    <p:tnLst>
+      <p:par>
+        <p:cTn id="1" dur="indefinite" restart="never" nodeType="tmRoot"/>
+      </p:par>
+    </p:tnLst>
+  </p:timing>
 </p:sld>
 </file>
 
@@ -6946,7 +7771,31 @@
           <a:bodyPr/>
           <a:lstStyle/>
           <a:p>
-            <a:endParaRPr lang="en-GB"/>
+            <a:r>
+              <a:rPr lang="en-GB" dirty="0" err="1" smtClean="0"/>
+              <a:t>Brugeren</a:t>
+            </a:r>
+            <a:r>
+              <a:rPr lang="en-GB" dirty="0" smtClean="0"/>
+              <a:t> </a:t>
+            </a:r>
+            <a:r>
+              <a:rPr lang="en-GB" dirty="0" err="1" smtClean="0"/>
+              <a:t>opretter</a:t>
+            </a:r>
+            <a:r>
+              <a:rPr lang="en-GB" dirty="0" smtClean="0"/>
+              <a:t> </a:t>
+            </a:r>
+            <a:r>
+              <a:rPr lang="en-GB" dirty="0" err="1" smtClean="0"/>
+              <a:t>nyt</a:t>
+            </a:r>
+            <a:r>
+              <a:rPr lang="en-GB" dirty="0" smtClean="0"/>
+              <a:t> barn</a:t>
+            </a:r>
+            <a:endParaRPr lang="en-GB" dirty="0"/>
           </a:p>
         </p:txBody>
       </p:sp>
@@ -6960,6 +7809,13 @@
   <p:clrMapOvr>
     <a:masterClrMapping/>
   </p:clrMapOvr>
+  <p:timing>
+    <p:tnLst>
+      <p:par>
+        <p:cTn id="1" dur="indefinite" restart="never" nodeType="tmRoot"/>
+      </p:par>
+    </p:tnLst>
+  </p:timing>
 </p:sld>
 </file>
 
@@ -6996,9 +7852,14 @@
           <a:lstStyle/>
           <a:p>
             <a:r>
-              <a:rPr lang="en-GB" dirty="0"/>
-              <a:t>Paper-Prototype 2</a:t>
-            </a:r>
+              <a:rPr lang="en-GB" dirty="0" err="1" smtClean="0"/>
+              <a:t>Anden</a:t>
+            </a:r>
+            <a:r>
+              <a:rPr lang="en-GB" dirty="0" smtClean="0"/>
+              <a:t> Paper-Prototype</a:t>
+            </a:r>
+            <a:endParaRPr lang="en-GB" dirty="0"/>
           </a:p>
         </p:txBody>
       </p:sp>
@@ -7031,6 +7892,13 @@
   <p:clrMapOvr>
     <a:masterClrMapping/>
   </p:clrMapOvr>
+  <p:timing>
+    <p:tnLst>
+      <p:par>
+        <p:cTn id="1" dur="indefinite" restart="never" nodeType="tmRoot"/>
+      </p:par>
+    </p:tnLst>
+  </p:timing>
 </p:sld>
 </file>
 
@@ -7110,7 +7978,19 @@
           <a:bodyPr/>
           <a:lstStyle/>
           <a:p>
-            <a:endParaRPr lang="en-GB"/>
+            <a:r>
+              <a:rPr lang="en-GB" dirty="0" err="1" smtClean="0"/>
+              <a:t>Oversigt</a:t>
+            </a:r>
+            <a:r>
+              <a:rPr lang="en-GB" dirty="0" smtClean="0"/>
+              <a:t> over </a:t>
+            </a:r>
+            <a:r>
+              <a:rPr lang="en-GB" dirty="0" err="1" smtClean="0"/>
+              <a:t>børnene</a:t>
+            </a:r>
+            <a:endParaRPr lang="en-GB" dirty="0"/>
           </a:p>
         </p:txBody>
       </p:sp>
@@ -7124,6 +8004,13 @@
   <p:clrMapOvr>
     <a:masterClrMapping/>
   </p:clrMapOvr>
+  <p:timing>
+    <p:tnLst>
+      <p:par>
+        <p:cTn id="1" dur="indefinite" restart="never" nodeType="tmRoot"/>
+      </p:par>
+    </p:tnLst>
+  </p:timing>
 </p:sld>
 </file>
 
@@ -7203,7 +8090,39 @@
           <a:bodyPr/>
           <a:lstStyle/>
           <a:p>
-            <a:endParaRPr lang="en-GB"/>
+            <a:r>
+              <a:rPr lang="en-GB" dirty="0" err="1" smtClean="0"/>
+              <a:t>Ved</a:t>
+            </a:r>
+            <a:r>
+              <a:rPr lang="en-GB" dirty="0" smtClean="0"/>
+              <a:t> at </a:t>
+            </a:r>
+            <a:r>
+              <a:rPr lang="en-GB" dirty="0" err="1" smtClean="0"/>
+              <a:t>vælge</a:t>
+            </a:r>
+            <a:r>
+              <a:rPr lang="en-GB" dirty="0" smtClean="0"/>
+              <a:t> et barn </a:t>
+            </a:r>
+            <a:r>
+              <a:rPr lang="en-GB" dirty="0" err="1" smtClean="0"/>
+              <a:t>kan</a:t>
+            </a:r>
+            <a:r>
+              <a:rPr lang="en-GB" dirty="0" smtClean="0"/>
+              <a:t> man se </a:t>
+            </a:r>
+            <a:r>
+              <a:rPr lang="en-GB" dirty="0" err="1" smtClean="0"/>
+              <a:t>dets</a:t>
+            </a:r>
+            <a:r>
+              <a:rPr lang="en-GB" dirty="0" smtClean="0"/>
+              <a:t> information</a:t>
+            </a:r>
+            <a:endParaRPr lang="en-GB" dirty="0"/>
           </a:p>
         </p:txBody>
       </p:sp>
@@ -7217,6 +8136,13 @@
   <p:clrMapOvr>
     <a:masterClrMapping/>
   </p:clrMapOvr>
+  <p:timing>
+    <p:tnLst>
+      <p:par>
+        <p:cTn id="1" dur="indefinite" restart="never" nodeType="tmRoot"/>
+      </p:par>
+    </p:tnLst>
+  </p:timing>
 </p:sld>
 </file>
 
@@ -7252,10 +8178,7 @@
           <a:bodyPr/>
           <a:lstStyle/>
           <a:p>
-            <a:r>
-              <a:rPr lang="en-GB" dirty="0"/>
-              <a:t>½</a:t>
-            </a:r>
+            <a:endParaRPr lang="en-GB" dirty="0"/>
           </a:p>
         </p:txBody>
       </p:sp>
@@ -7304,7 +8227,27 @@
           <a:bodyPr/>
           <a:lstStyle/>
           <a:p>
-            <a:endParaRPr lang="en-GB"/>
+            <a:r>
+              <a:rPr lang="en-GB" dirty="0" err="1" smtClean="0"/>
+              <a:t>Brugeren</a:t>
+            </a:r>
+            <a:r>
+              <a:rPr lang="en-GB" dirty="0" smtClean="0"/>
+              <a:t> </a:t>
+            </a:r>
+            <a:r>
+              <a:rPr lang="en-GB" dirty="0" err="1" smtClean="0"/>
+              <a:t>vælger</a:t>
+            </a:r>
+            <a:r>
+              <a:rPr lang="en-GB" dirty="0" smtClean="0"/>
+              <a:t> </a:t>
+            </a:r>
+            <a:r>
+              <a:rPr lang="en-GB" dirty="0" err="1" smtClean="0"/>
+              <a:t>venteliste</a:t>
+            </a:r>
+            <a:endParaRPr lang="en-GB" dirty="0"/>
           </a:p>
         </p:txBody>
       </p:sp>
@@ -7318,6 +8261,13 @@
   <p:clrMapOvr>
     <a:masterClrMapping/>
   </p:clrMapOvr>
+  <p:timing>
+    <p:tnLst>
+      <p:par>
+        <p:cTn id="1" dur="indefinite" restart="never" nodeType="tmRoot"/>
+      </p:par>
+    </p:tnLst>
+  </p:timing>
 </p:sld>
 </file>
 
@@ -7364,7 +8314,7 @@
     </a:clrScheme>
     <a:fontScheme name="Facet">
       <a:majorFont>
-        <a:latin typeface="Trebuchet MS" panose="020B0603020202020204"/>
+        <a:latin typeface="Trebuchet MS"/>
         <a:ea typeface=""/>
         <a:cs typeface=""/>
         <a:font script="Jpan" typeface="メイリオ"/>
@@ -7399,7 +8349,7 @@
         <a:font script="Geor" typeface="Sylfaen"/>
       </a:majorFont>
       <a:minorFont>
-        <a:latin typeface="Trebuchet MS" panose="020B0603020202020204"/>
+        <a:latin typeface="Trebuchet MS"/>
         <a:ea typeface=""/>
         <a:cs typeface=""/>
         <a:font script="Jpan" typeface="メイリオ"/>
@@ -7572,7 +8522,7 @@
   <a:extraClrSchemeLst/>
   <a:extLst>
     <a:ext uri="{05A4C25C-085E-4340-85A3-A5531E510DB2}">
-      <thm15:themeFamily xmlns:thm15="http://schemas.microsoft.com/office/thememl/2012/main" name="Facet" id="{C0C680CD-088A-49FC-A102-D699147F32B2}" vid="{CFBC31BA-B70F-4F30-BCAA-4F3011E16C4D}"/>
+      <thm15:themeFamily xmlns:thm15="http://schemas.microsoft.com/office/thememl/2012/main" xmlns="" name="Facet" id="{C0C680CD-088A-49FC-A102-D699147F32B2}" vid="{CFBC31BA-B70F-4F30-BCAA-4F3011E16C4D}"/>
     </a:ext>
   </a:extLst>
 </a:theme>
